--- a/Forecasting_presentation.pptx
+++ b/Forecasting_presentation.pptx
@@ -113,6 +113,11 @@
       </a:defRPr>
     </a:lvl9pPr>
   </p:defaultTextStyle>
+  <p:extLst>
+    <p:ext uri="{EFAFB233-063F-42B5-8137-9DF3F51BA10A}">
+      <p15:sldGuideLst xmlns:p15="http://schemas.microsoft.com/office/powerpoint/2012/main"/>
+    </p:ext>
+  </p:extLst>
 </p:presentation>
 </file>
 
@@ -1482,12 +1487,12 @@
               </a:defRPr>
             </a:pPr>
             <a:r>
-              <a:rPr lang="en-CA" sz="1400" b="0" i="0" u="none" strike="noStrike" kern="1200" spc="0" baseline="0">
+              <a:rPr lang="en-CA" sz="1400" b="0" i="0" u="none" strike="noStrike" kern="1200" spc="0" baseline="0" dirty="0">
                 <a:solidFill>
                   <a:sysClr val="windowText" lastClr="000000"/>
                 </a:solidFill>
               </a:rPr>
-              <a:t>LSTM #1 Results</a:t>
+              <a:t>LSTM #2 Results</a:t>
             </a:r>
           </a:p>
         </c:rich>
@@ -6267,7 +6272,7 @@
           <a:p>
             <a:fld id="{F1AFBEFE-1E42-4D4F-B566-0CCEFECF4A9D}" type="datetimeFigureOut">
               <a:rPr lang="en-CA" smtClean="0"/>
-              <a:t>2024-08-25</a:t>
+              <a:t>2024-08-27</a:t>
             </a:fld>
             <a:endParaRPr lang="en-CA"/>
           </a:p>
@@ -6467,7 +6472,7 @@
           <a:p>
             <a:fld id="{F1AFBEFE-1E42-4D4F-B566-0CCEFECF4A9D}" type="datetimeFigureOut">
               <a:rPr lang="en-CA" smtClean="0"/>
-              <a:t>2024-08-25</a:t>
+              <a:t>2024-08-27</a:t>
             </a:fld>
             <a:endParaRPr lang="en-CA"/>
           </a:p>
@@ -6677,7 +6682,7 @@
           <a:p>
             <a:fld id="{F1AFBEFE-1E42-4D4F-B566-0CCEFECF4A9D}" type="datetimeFigureOut">
               <a:rPr lang="en-CA" smtClean="0"/>
-              <a:t>2024-08-25</a:t>
+              <a:t>2024-08-27</a:t>
             </a:fld>
             <a:endParaRPr lang="en-CA"/>
           </a:p>
@@ -6877,7 +6882,7 @@
           <a:p>
             <a:fld id="{F1AFBEFE-1E42-4D4F-B566-0CCEFECF4A9D}" type="datetimeFigureOut">
               <a:rPr lang="en-CA" smtClean="0"/>
-              <a:t>2024-08-25</a:t>
+              <a:t>2024-08-27</a:t>
             </a:fld>
             <a:endParaRPr lang="en-CA"/>
           </a:p>
@@ -7153,7 +7158,7 @@
           <a:p>
             <a:fld id="{F1AFBEFE-1E42-4D4F-B566-0CCEFECF4A9D}" type="datetimeFigureOut">
               <a:rPr lang="en-CA" smtClean="0"/>
-              <a:t>2024-08-25</a:t>
+              <a:t>2024-08-27</a:t>
             </a:fld>
             <a:endParaRPr lang="en-CA"/>
           </a:p>
@@ -7421,7 +7426,7 @@
           <a:p>
             <a:fld id="{F1AFBEFE-1E42-4D4F-B566-0CCEFECF4A9D}" type="datetimeFigureOut">
               <a:rPr lang="en-CA" smtClean="0"/>
-              <a:t>2024-08-25</a:t>
+              <a:t>2024-08-27</a:t>
             </a:fld>
             <a:endParaRPr lang="en-CA"/>
           </a:p>
@@ -7836,7 +7841,7 @@
           <a:p>
             <a:fld id="{F1AFBEFE-1E42-4D4F-B566-0CCEFECF4A9D}" type="datetimeFigureOut">
               <a:rPr lang="en-CA" smtClean="0"/>
-              <a:t>2024-08-25</a:t>
+              <a:t>2024-08-27</a:t>
             </a:fld>
             <a:endParaRPr lang="en-CA"/>
           </a:p>
@@ -7978,7 +7983,7 @@
           <a:p>
             <a:fld id="{F1AFBEFE-1E42-4D4F-B566-0CCEFECF4A9D}" type="datetimeFigureOut">
               <a:rPr lang="en-CA" smtClean="0"/>
-              <a:t>2024-08-25</a:t>
+              <a:t>2024-08-27</a:t>
             </a:fld>
             <a:endParaRPr lang="en-CA"/>
           </a:p>
@@ -8091,7 +8096,7 @@
           <a:p>
             <a:fld id="{F1AFBEFE-1E42-4D4F-B566-0CCEFECF4A9D}" type="datetimeFigureOut">
               <a:rPr lang="en-CA" smtClean="0"/>
-              <a:t>2024-08-25</a:t>
+              <a:t>2024-08-27</a:t>
             </a:fld>
             <a:endParaRPr lang="en-CA"/>
           </a:p>
@@ -8404,7 +8409,7 @@
           <a:p>
             <a:fld id="{F1AFBEFE-1E42-4D4F-B566-0CCEFECF4A9D}" type="datetimeFigureOut">
               <a:rPr lang="en-CA" smtClean="0"/>
-              <a:t>2024-08-25</a:t>
+              <a:t>2024-08-27</a:t>
             </a:fld>
             <a:endParaRPr lang="en-CA"/>
           </a:p>
@@ -8693,7 +8698,7 @@
           <a:p>
             <a:fld id="{F1AFBEFE-1E42-4D4F-B566-0CCEFECF4A9D}" type="datetimeFigureOut">
               <a:rPr lang="en-CA" smtClean="0"/>
-              <a:t>2024-08-25</a:t>
+              <a:t>2024-08-27</a:t>
             </a:fld>
             <a:endParaRPr lang="en-CA"/>
           </a:p>
@@ -8941,7 +8946,7 @@
           <a:p>
             <a:fld id="{F1AFBEFE-1E42-4D4F-B566-0CCEFECF4A9D}" type="datetimeFigureOut">
               <a:rPr lang="en-CA" smtClean="0"/>
-              <a:t>2024-08-25</a:t>
+              <a:t>2024-08-27</a:t>
             </a:fld>
             <a:endParaRPr lang="en-CA"/>
           </a:p>
@@ -9950,13 +9955,13 @@
         </p:nvSpPr>
         <p:spPr>
           <a:xfrm>
-            <a:off x="334433" y="1490396"/>
-            <a:ext cx="5181600" cy="4351338"/>
+            <a:off x="334433" y="1490395"/>
+            <a:ext cx="5181600" cy="5002479"/>
           </a:xfrm>
         </p:spPr>
         <p:txBody>
           <a:bodyPr>
-            <a:normAutofit fontScale="92500" lnSpcReduction="20000"/>
+            <a:normAutofit fontScale="92500" lnSpcReduction="10000"/>
           </a:bodyPr>
           <a:lstStyle/>
           <a:p>
@@ -9979,7 +9984,7 @@
                   <a:schemeClr val="bg1"/>
                 </a:solidFill>
               </a:rPr>
-              <a:t>Beat existing forecast methodology which functions at a brand level, but not item level - - -where it counts</a:t>
+              <a:t>Beat existing forecast methodology which functions OK at a brand level, but not item level - - -where it counts</a:t>
             </a:r>
           </a:p>
           <a:p>
@@ -10000,7 +10005,7 @@
                   <a:schemeClr val="bg1"/>
                 </a:solidFill>
               </a:rPr>
-              <a:t>Works great for understanding promotional lift, but isn’t ideal for demand &amp; sales planning</a:t>
+              <a:t>Model over predicted sales volume by 15,186 units</a:t>
             </a:r>
           </a:p>
           <a:p>
@@ -10623,7 +10628,7 @@
                   <a:schemeClr val="lt1"/>
                 </a:solidFill>
               </a:rPr>
-              <a:t>Models were tuned to 1 individual UPC, one that has inconsistent sales volumes to provide the worst case look at results</a:t>
+              <a:t>Models were tuned to 1 individual UPC, one that has inconsistent sales volumes to, but has been sold for the entirety of the 6-year history</a:t>
             </a:r>
           </a:p>
           <a:p>
@@ -10782,7 +10787,7 @@
         </p:nvSpPr>
         <p:spPr>
           <a:xfrm>
-            <a:off x="334433" y="1788001"/>
+            <a:off x="352939" y="1559381"/>
             <a:ext cx="5181600" cy="4351338"/>
           </a:xfrm>
         </p:spPr>
@@ -10845,6 +10850,16 @@
                 </a:solidFill>
               </a:rPr>
               <a:t>Process was only fed sales diff data, meaning the output was diff, which is less than idea</a:t>
+            </a:r>
+          </a:p>
+          <a:p>
+            <a:r>
+              <a:rPr lang="en-CA" sz="2400" dirty="0">
+                <a:solidFill>
+                  <a:schemeClr val="bg1"/>
+                </a:solidFill>
+              </a:rPr>
+              <a:t>16 week forecast under predicted sales by 890 units</a:t>
             </a:r>
           </a:p>
           <a:p>
@@ -10938,7 +10953,7 @@
         </p:blipFill>
         <p:spPr>
           <a:xfrm>
-            <a:off x="334433" y="5469426"/>
+            <a:off x="639233" y="5792164"/>
             <a:ext cx="3673158" cy="914479"/>
           </a:xfrm>
           <a:prstGeom prst="rect">
@@ -11482,7 +11497,7 @@
                   <a:schemeClr val="bg1"/>
                 </a:solidFill>
               </a:rPr>
-              <a:t>Performed the worst of all models run</a:t>
+              <a:t>Performed the worst of all new models run, over predicting sales volume by 10,269 units</a:t>
             </a:r>
           </a:p>
           <a:p>
@@ -11569,7 +11584,7 @@
           <p:nvPr>
             <p:extLst>
               <p:ext uri="{D42A27DB-BD31-4B8C-83A1-F6EECF244321}">
-                <p14:modId xmlns:p14="http://schemas.microsoft.com/office/powerpoint/2010/main" val="3966654942"/>
+                <p14:modId xmlns:p14="http://schemas.microsoft.com/office/powerpoint/2010/main" val="122918449"/>
               </p:ext>
             </p:extLst>
           </p:nvPr>
@@ -11751,7 +11766,7 @@
                   <a:schemeClr val="bg1"/>
                 </a:solidFill>
               </a:rPr>
-              <a:t>This 16-week forecast model performed significantly better than the existing model</a:t>
+              <a:t>This model performed significantly better than the existing model, under predicting sales by just 1,139 units</a:t>
             </a:r>
           </a:p>
         </p:txBody>
@@ -11838,7 +11853,7 @@
         </p:blipFill>
         <p:spPr>
           <a:xfrm>
-            <a:off x="334433" y="5791200"/>
+            <a:off x="512233" y="5977467"/>
             <a:ext cx="3888614" cy="645345"/>
           </a:xfrm>
           <a:prstGeom prst="rect">
@@ -12013,7 +12028,7 @@
                   <a:schemeClr val="bg1"/>
                 </a:solidFill>
               </a:rPr>
-              <a:t>WINNER!!!!</a:t>
+              <a:t>WINNER!!!! Underpredicted sales by just 679 units over the 16-week forecast period</a:t>
             </a:r>
           </a:p>
         </p:txBody>

--- a/Forecasting_presentation.pptx
+++ b/Forecasting_presentation.pptx
@@ -1046,7 +1046,7 @@
               </a:defRPr>
             </a:pPr>
             <a:r>
-              <a:rPr lang="en-CA">
+              <a:rPr lang="en-CA" dirty="0">
                 <a:solidFill>
                   <a:sysClr val="windowText" lastClr="000000"/>
                 </a:solidFill>
@@ -1934,7 +1934,7 @@
               </a:defRPr>
             </a:pPr>
             <a:r>
-              <a:rPr lang="en-CA"/>
+              <a:rPr lang="en-CA" dirty="0"/>
               <a:t>Linear Regression Results</a:t>
             </a:r>
           </a:p>
@@ -2374,7 +2374,7 @@
               </a:defRPr>
             </a:pPr>
             <a:r>
-              <a:rPr lang="en-CA" sz="1400" b="0" i="0" u="none" strike="noStrike" kern="1200" spc="0" baseline="0">
+              <a:rPr lang="en-CA" sz="1400" b="0" i="0" u="none" strike="noStrike" kern="1200" spc="0" baseline="0" dirty="0">
                 <a:solidFill>
                   <a:sysClr val="windowText" lastClr="000000">
                     <a:lumMod val="65000"/>
@@ -6274,7 +6274,7 @@
               <a:rPr lang="en-CA" smtClean="0"/>
               <a:t>2024-08-27</a:t>
             </a:fld>
-            <a:endParaRPr lang="en-CA"/>
+            <a:endParaRPr lang="en-CA" dirty="0"/>
           </a:p>
         </p:txBody>
       </p:sp>
@@ -6299,7 +6299,7 @@
           <a:bodyPr/>
           <a:lstStyle/>
           <a:p>
-            <a:endParaRPr lang="en-CA"/>
+            <a:endParaRPr lang="en-CA" dirty="0"/>
           </a:p>
         </p:txBody>
       </p:sp>
@@ -6328,7 +6328,7 @@
               <a:rPr lang="en-CA" smtClean="0"/>
               <a:t>‹#›</a:t>
             </a:fld>
-            <a:endParaRPr lang="en-CA"/>
+            <a:endParaRPr lang="en-CA" dirty="0"/>
           </a:p>
         </p:txBody>
       </p:sp>
@@ -6474,7 +6474,7 @@
               <a:rPr lang="en-CA" smtClean="0"/>
               <a:t>2024-08-27</a:t>
             </a:fld>
-            <a:endParaRPr lang="en-CA"/>
+            <a:endParaRPr lang="en-CA" dirty="0"/>
           </a:p>
         </p:txBody>
       </p:sp>
@@ -6499,7 +6499,7 @@
           <a:bodyPr/>
           <a:lstStyle/>
           <a:p>
-            <a:endParaRPr lang="en-CA"/>
+            <a:endParaRPr lang="en-CA" dirty="0"/>
           </a:p>
         </p:txBody>
       </p:sp>
@@ -6528,7 +6528,7 @@
               <a:rPr lang="en-CA" smtClean="0"/>
               <a:t>‹#›</a:t>
             </a:fld>
-            <a:endParaRPr lang="en-CA"/>
+            <a:endParaRPr lang="en-CA" dirty="0"/>
           </a:p>
         </p:txBody>
       </p:sp>
@@ -6684,7 +6684,7 @@
               <a:rPr lang="en-CA" smtClean="0"/>
               <a:t>2024-08-27</a:t>
             </a:fld>
-            <a:endParaRPr lang="en-CA"/>
+            <a:endParaRPr lang="en-CA" dirty="0"/>
           </a:p>
         </p:txBody>
       </p:sp>
@@ -6709,7 +6709,7 @@
           <a:bodyPr/>
           <a:lstStyle/>
           <a:p>
-            <a:endParaRPr lang="en-CA"/>
+            <a:endParaRPr lang="en-CA" dirty="0"/>
           </a:p>
         </p:txBody>
       </p:sp>
@@ -6738,7 +6738,7 @@
               <a:rPr lang="en-CA" smtClean="0"/>
               <a:t>‹#›</a:t>
             </a:fld>
-            <a:endParaRPr lang="en-CA"/>
+            <a:endParaRPr lang="en-CA" dirty="0"/>
           </a:p>
         </p:txBody>
       </p:sp>
@@ -6884,7 +6884,7 @@
               <a:rPr lang="en-CA" smtClean="0"/>
               <a:t>2024-08-27</a:t>
             </a:fld>
-            <a:endParaRPr lang="en-CA"/>
+            <a:endParaRPr lang="en-CA" dirty="0"/>
           </a:p>
         </p:txBody>
       </p:sp>
@@ -6909,7 +6909,7 @@
           <a:bodyPr/>
           <a:lstStyle/>
           <a:p>
-            <a:endParaRPr lang="en-CA"/>
+            <a:endParaRPr lang="en-CA" dirty="0"/>
           </a:p>
         </p:txBody>
       </p:sp>
@@ -6938,7 +6938,7 @@
               <a:rPr lang="en-CA" smtClean="0"/>
               <a:t>‹#›</a:t>
             </a:fld>
-            <a:endParaRPr lang="en-CA"/>
+            <a:endParaRPr lang="en-CA" dirty="0"/>
           </a:p>
         </p:txBody>
       </p:sp>
@@ -7160,7 +7160,7 @@
               <a:rPr lang="en-CA" smtClean="0"/>
               <a:t>2024-08-27</a:t>
             </a:fld>
-            <a:endParaRPr lang="en-CA"/>
+            <a:endParaRPr lang="en-CA" dirty="0"/>
           </a:p>
         </p:txBody>
       </p:sp>
@@ -7185,7 +7185,7 @@
           <a:bodyPr/>
           <a:lstStyle/>
           <a:p>
-            <a:endParaRPr lang="en-CA"/>
+            <a:endParaRPr lang="en-CA" dirty="0"/>
           </a:p>
         </p:txBody>
       </p:sp>
@@ -7214,7 +7214,7 @@
               <a:rPr lang="en-CA" smtClean="0"/>
               <a:t>‹#›</a:t>
             </a:fld>
-            <a:endParaRPr lang="en-CA"/>
+            <a:endParaRPr lang="en-CA" dirty="0"/>
           </a:p>
         </p:txBody>
       </p:sp>
@@ -7428,7 +7428,7 @@
               <a:rPr lang="en-CA" smtClean="0"/>
               <a:t>2024-08-27</a:t>
             </a:fld>
-            <a:endParaRPr lang="en-CA"/>
+            <a:endParaRPr lang="en-CA" dirty="0"/>
           </a:p>
         </p:txBody>
       </p:sp>
@@ -7453,7 +7453,7 @@
           <a:bodyPr/>
           <a:lstStyle/>
           <a:p>
-            <a:endParaRPr lang="en-CA"/>
+            <a:endParaRPr lang="en-CA" dirty="0"/>
           </a:p>
         </p:txBody>
       </p:sp>
@@ -7482,7 +7482,7 @@
               <a:rPr lang="en-CA" smtClean="0"/>
               <a:t>‹#›</a:t>
             </a:fld>
-            <a:endParaRPr lang="en-CA"/>
+            <a:endParaRPr lang="en-CA" dirty="0"/>
           </a:p>
         </p:txBody>
       </p:sp>
@@ -7843,7 +7843,7 @@
               <a:rPr lang="en-CA" smtClean="0"/>
               <a:t>2024-08-27</a:t>
             </a:fld>
-            <a:endParaRPr lang="en-CA"/>
+            <a:endParaRPr lang="en-CA" dirty="0"/>
           </a:p>
         </p:txBody>
       </p:sp>
@@ -7868,7 +7868,7 @@
           <a:bodyPr/>
           <a:lstStyle/>
           <a:p>
-            <a:endParaRPr lang="en-CA"/>
+            <a:endParaRPr lang="en-CA" dirty="0"/>
           </a:p>
         </p:txBody>
       </p:sp>
@@ -7897,7 +7897,7 @@
               <a:rPr lang="en-CA" smtClean="0"/>
               <a:t>‹#›</a:t>
             </a:fld>
-            <a:endParaRPr lang="en-CA"/>
+            <a:endParaRPr lang="en-CA" dirty="0"/>
           </a:p>
         </p:txBody>
       </p:sp>
@@ -7985,7 +7985,7 @@
               <a:rPr lang="en-CA" smtClean="0"/>
               <a:t>2024-08-27</a:t>
             </a:fld>
-            <a:endParaRPr lang="en-CA"/>
+            <a:endParaRPr lang="en-CA" dirty="0"/>
           </a:p>
         </p:txBody>
       </p:sp>
@@ -8010,7 +8010,7 @@
           <a:bodyPr/>
           <a:lstStyle/>
           <a:p>
-            <a:endParaRPr lang="en-CA"/>
+            <a:endParaRPr lang="en-CA" dirty="0"/>
           </a:p>
         </p:txBody>
       </p:sp>
@@ -8039,7 +8039,7 @@
               <a:rPr lang="en-CA" smtClean="0"/>
               <a:t>‹#›</a:t>
             </a:fld>
-            <a:endParaRPr lang="en-CA"/>
+            <a:endParaRPr lang="en-CA" dirty="0"/>
           </a:p>
         </p:txBody>
       </p:sp>
@@ -8098,7 +8098,7 @@
               <a:rPr lang="en-CA" smtClean="0"/>
               <a:t>2024-08-27</a:t>
             </a:fld>
-            <a:endParaRPr lang="en-CA"/>
+            <a:endParaRPr lang="en-CA" dirty="0"/>
           </a:p>
         </p:txBody>
       </p:sp>
@@ -8123,7 +8123,7 @@
           <a:bodyPr/>
           <a:lstStyle/>
           <a:p>
-            <a:endParaRPr lang="en-CA"/>
+            <a:endParaRPr lang="en-CA" dirty="0"/>
           </a:p>
         </p:txBody>
       </p:sp>
@@ -8152,7 +8152,7 @@
               <a:rPr lang="en-CA" smtClean="0"/>
               <a:t>‹#›</a:t>
             </a:fld>
-            <a:endParaRPr lang="en-CA"/>
+            <a:endParaRPr lang="en-CA" dirty="0"/>
           </a:p>
         </p:txBody>
       </p:sp>
@@ -8411,7 +8411,7 @@
               <a:rPr lang="en-CA" smtClean="0"/>
               <a:t>2024-08-27</a:t>
             </a:fld>
-            <a:endParaRPr lang="en-CA"/>
+            <a:endParaRPr lang="en-CA" dirty="0"/>
           </a:p>
         </p:txBody>
       </p:sp>
@@ -8436,7 +8436,7 @@
           <a:bodyPr/>
           <a:lstStyle/>
           <a:p>
-            <a:endParaRPr lang="en-CA"/>
+            <a:endParaRPr lang="en-CA" dirty="0"/>
           </a:p>
         </p:txBody>
       </p:sp>
@@ -8465,7 +8465,7 @@
               <a:rPr lang="en-CA" smtClean="0"/>
               <a:t>‹#›</a:t>
             </a:fld>
-            <a:endParaRPr lang="en-CA"/>
+            <a:endParaRPr lang="en-CA" dirty="0"/>
           </a:p>
         </p:txBody>
       </p:sp>
@@ -8600,7 +8600,7 @@
             </a:lvl9pPr>
           </a:lstStyle>
           <a:p>
-            <a:endParaRPr lang="en-CA"/>
+            <a:endParaRPr lang="en-CA" dirty="0"/>
           </a:p>
         </p:txBody>
       </p:sp>
@@ -8700,7 +8700,7 @@
               <a:rPr lang="en-CA" smtClean="0"/>
               <a:t>2024-08-27</a:t>
             </a:fld>
-            <a:endParaRPr lang="en-CA"/>
+            <a:endParaRPr lang="en-CA" dirty="0"/>
           </a:p>
         </p:txBody>
       </p:sp>
@@ -8725,7 +8725,7 @@
           <a:bodyPr/>
           <a:lstStyle/>
           <a:p>
-            <a:endParaRPr lang="en-CA"/>
+            <a:endParaRPr lang="en-CA" dirty="0"/>
           </a:p>
         </p:txBody>
       </p:sp>
@@ -8754,7 +8754,7 @@
               <a:rPr lang="en-CA" smtClean="0"/>
               <a:t>‹#›</a:t>
             </a:fld>
-            <a:endParaRPr lang="en-CA"/>
+            <a:endParaRPr lang="en-CA" dirty="0"/>
           </a:p>
         </p:txBody>
       </p:sp>
@@ -8948,7 +8948,7 @@
               <a:rPr lang="en-CA" smtClean="0"/>
               <a:t>2024-08-27</a:t>
             </a:fld>
-            <a:endParaRPr lang="en-CA"/>
+            <a:endParaRPr lang="en-CA" dirty="0"/>
           </a:p>
         </p:txBody>
       </p:sp>
@@ -8991,7 +8991,7 @@
             </a:lvl1pPr>
           </a:lstStyle>
           <a:p>
-            <a:endParaRPr lang="en-CA"/>
+            <a:endParaRPr lang="en-CA" dirty="0"/>
           </a:p>
         </p:txBody>
       </p:sp>
@@ -9038,7 +9038,7 @@
               <a:rPr lang="en-CA" smtClean="0"/>
               <a:t>‹#›</a:t>
             </a:fld>
-            <a:endParaRPr lang="en-CA"/>
+            <a:endParaRPr lang="en-CA" dirty="0"/>
           </a:p>
         </p:txBody>
       </p:sp>
@@ -9509,13 +9509,13 @@
         </p:nvSpPr>
         <p:spPr>
           <a:xfrm>
-            <a:off x="334432" y="1788001"/>
-            <a:ext cx="10612967" cy="4351338"/>
+            <a:off x="334432" y="1566332"/>
+            <a:ext cx="10612967" cy="4809067"/>
           </a:xfrm>
         </p:spPr>
         <p:txBody>
           <a:bodyPr>
-            <a:normAutofit fontScale="62500" lnSpcReduction="20000"/>
+            <a:normAutofit fontScale="70000" lnSpcReduction="20000"/>
           </a:bodyPr>
           <a:lstStyle/>
           <a:p>
@@ -9956,7 +9956,7 @@
         <p:spPr>
           <a:xfrm>
             <a:off x="334433" y="1490395"/>
-            <a:ext cx="5181600" cy="5002479"/>
+            <a:ext cx="5181600" cy="5088205"/>
           </a:xfrm>
         </p:spPr>
         <p:txBody>
@@ -10015,23 +10015,7 @@
                   <a:schemeClr val="bg1"/>
                 </a:solidFill>
               </a:rPr>
-              <a:t>Multiple LSTM, Linear Regression, Random Forest Regressor, </a:t>
-            </a:r>
-            <a:r>
-              <a:rPr lang="en-CA" sz="2400" dirty="0" err="1">
-                <a:solidFill>
-                  <a:schemeClr val="bg1"/>
-                </a:solidFill>
-              </a:rPr>
-              <a:t>XGBoost</a:t>
-            </a:r>
-            <a:r>
-              <a:rPr lang="en-CA" sz="2400" dirty="0">
-                <a:solidFill>
-                  <a:schemeClr val="bg1"/>
-                </a:solidFill>
-              </a:rPr>
-              <a:t> Regressor</a:t>
+              <a:t>Multiple LSTM, Linear Regression, Random Forest Regressor, XG Boost Regressor</a:t>
             </a:r>
           </a:p>
         </p:txBody>
@@ -10362,8 +10346,8 @@
         </p:nvSpPr>
         <p:spPr>
           <a:xfrm>
-            <a:off x="334433" y="1788001"/>
-            <a:ext cx="4208384" cy="4351338"/>
+            <a:off x="283633" y="2550001"/>
+            <a:ext cx="4208384" cy="1886532"/>
           </a:xfrm>
         </p:spPr>
         <p:txBody>
@@ -10385,16 +10369,9 @@
             </a:r>
           </a:p>
           <a:p>
-            <a:r>
-              <a:rPr lang="en-CA" sz="2400" dirty="0">
-                <a:solidFill>
-                  <a:schemeClr val="bg1"/>
-                </a:solidFill>
-              </a:rPr>
-              <a:t>The ideal model would work across brands, items, and retailers with little to no additional tuning needed</a:t>
-            </a:r>
-          </a:p>
-          <a:p>
+            <a:pPr marL="0" indent="0">
+              <a:buNone/>
+            </a:pPr>
             <a:endParaRPr lang="en-CA" sz="2400" dirty="0">
               <a:solidFill>
                 <a:schemeClr val="bg1"/>
@@ -10484,7 +10461,7 @@
         <p:spPr>
           <a:xfrm>
             <a:off x="334432" y="1788001"/>
-            <a:ext cx="10612967" cy="4351338"/>
+            <a:ext cx="10612967" cy="4704874"/>
           </a:xfrm>
         </p:spPr>
         <p:txBody>
@@ -10531,81 +10508,7 @@
                   <a:schemeClr val="lt1"/>
                 </a:solidFill>
               </a:rPr>
-              <a:t>Pull item level sales data details from existing database which is originally sourced from </a:t>
-            </a:r>
-            <a:r>
-              <a:rPr lang="en-US" dirty="0" err="1">
-                <a:solidFill>
-                  <a:schemeClr val="lt1"/>
-                </a:solidFill>
-              </a:rPr>
-              <a:t>Circana</a:t>
-            </a:r>
-            <a:r>
-              <a:rPr lang="en-US" dirty="0">
-                <a:solidFill>
-                  <a:schemeClr val="lt1"/>
-                </a:solidFill>
-              </a:rPr>
-              <a:t> with 6 years of unit sales data at the weekly level</a:t>
-            </a:r>
-          </a:p>
-          <a:p>
-            <a:pPr marL="457200" lvl="0" indent="-325755" algn="l" rtl="0">
-              <a:spcBef>
-                <a:spcPts val="0"/>
-              </a:spcBef>
-              <a:spcAft>
-                <a:spcPts val="0"/>
-              </a:spcAft>
-              <a:buClr>
-                <a:schemeClr val="lt1"/>
-              </a:buClr>
-              <a:buSzPct val="100000"/>
-              <a:buChar char="●"/>
-            </a:pPr>
-            <a:r>
-              <a:rPr lang="en-US" dirty="0">
-                <a:solidFill>
-                  <a:schemeClr val="lt1"/>
-                </a:solidFill>
-              </a:rPr>
-              <a:t>Data goes through weekly QC both through </a:t>
-            </a:r>
-            <a:r>
-              <a:rPr lang="en-US" dirty="0" err="1">
-                <a:solidFill>
-                  <a:schemeClr val="lt1"/>
-                </a:solidFill>
-              </a:rPr>
-              <a:t>Circana</a:t>
-            </a:r>
-            <a:r>
-              <a:rPr lang="en-US" dirty="0">
-                <a:solidFill>
-                  <a:schemeClr val="lt1"/>
-                </a:solidFill>
-              </a:rPr>
-              <a:t> and within my business unit so very little else was needed for cleanup</a:t>
-            </a:r>
-          </a:p>
-          <a:p>
-            <a:pPr marL="0" lvl="0" indent="0" algn="l" rtl="0">
-              <a:spcBef>
-                <a:spcPts val="1200"/>
-              </a:spcBef>
-              <a:spcAft>
-                <a:spcPts val="0"/>
-              </a:spcAft>
-              <a:buNone/>
-            </a:pPr>
-            <a:r>
-              <a:rPr lang="en-US" dirty="0">
-                <a:solidFill>
-                  <a:schemeClr val="lt1"/>
-                </a:solidFill>
-              </a:rPr>
-              <a:t>Modeling – source a model/process to forecast time series data, ideally sales related</a:t>
+              <a:t>Pull item level unit sales data details from existing database which is originally sourced from Circana/IRI with 6 years of unit sales data at the weekly level</a:t>
             </a:r>
           </a:p>
           <a:p>
@@ -10628,7 +10531,69 @@
                   <a:schemeClr val="lt1"/>
                 </a:solidFill>
               </a:rPr>
+              <a:t>Data goes through weekly QC both through Circana and within my business unit so very little else was needed for cleanup</a:t>
+            </a:r>
+          </a:p>
+          <a:p>
+            <a:pPr marL="0" lvl="0" indent="0" algn="l" rtl="0">
+              <a:spcBef>
+                <a:spcPts val="1200"/>
+              </a:spcBef>
+              <a:spcAft>
+                <a:spcPts val="0"/>
+              </a:spcAft>
+              <a:buNone/>
+            </a:pPr>
+            <a:r>
+              <a:rPr lang="en-US" dirty="0">
+                <a:solidFill>
+                  <a:schemeClr val="lt1"/>
+                </a:solidFill>
+              </a:rPr>
+              <a:t>Modeling – source a model/process to forecast time series data, ideally sales related</a:t>
+            </a:r>
+          </a:p>
+          <a:p>
+            <a:pPr marL="457200" lvl="0" indent="-325755" algn="l" rtl="0">
+              <a:spcBef>
+                <a:spcPts val="1200"/>
+              </a:spcBef>
+              <a:spcAft>
+                <a:spcPts val="0"/>
+              </a:spcAft>
+              <a:buClr>
+                <a:schemeClr val="lt1"/>
+              </a:buClr>
+              <a:buSzPct val="100000"/>
+              <a:buChar char="●"/>
+            </a:pPr>
+            <a:r>
+              <a:rPr lang="en-US" dirty="0">
+                <a:solidFill>
+                  <a:schemeClr val="lt1"/>
+                </a:solidFill>
+              </a:rPr>
               <a:t>Models were tuned to 1 individual UPC, one that has inconsistent sales volumes to, but has been sold for the entirety of the 6-year history</a:t>
+            </a:r>
+          </a:p>
+          <a:p>
+            <a:pPr marL="914400" lvl="1" indent="-325755">
+              <a:spcBef>
+                <a:spcPts val="1200"/>
+              </a:spcBef>
+              <a:buClr>
+                <a:schemeClr val="lt1"/>
+              </a:buClr>
+              <a:buSzPct val="100000"/>
+              <a:buChar char="●"/>
+            </a:pPr>
+            <a:r>
+              <a:rPr lang="en-US" dirty="0">
+                <a:solidFill>
+                  <a:schemeClr val="lt1"/>
+                </a:solidFill>
+              </a:rPr>
+              <a:t>Additional UPCs were fed through the models with any necessary timing adjustments and the models performed similarly or better than the results presented here</a:t>
             </a:r>
           </a:p>
           <a:p>
@@ -10787,13 +10752,13 @@
         </p:nvSpPr>
         <p:spPr>
           <a:xfrm>
-            <a:off x="352939" y="1559381"/>
-            <a:ext cx="5181600" cy="4351338"/>
+            <a:off x="352939" y="1363133"/>
+            <a:ext cx="5181600" cy="4330313"/>
           </a:xfrm>
         </p:spPr>
         <p:txBody>
           <a:bodyPr>
-            <a:normAutofit/>
+            <a:normAutofit fontScale="92500" lnSpcReduction="20000"/>
           </a:bodyPr>
           <a:lstStyle/>
           <a:p>
@@ -10806,21 +10771,8 @@
                   <a:schemeClr val="bg1"/>
                 </a:solidFill>
               </a:rPr>
-              <a:t>LSTM model using </a:t>
-            </a:r>
-            <a:r>
-              <a:rPr lang="en-CA" dirty="0" err="1">
-                <a:solidFill>
-                  <a:schemeClr val="bg1"/>
-                </a:solidFill>
-              </a:rPr>
-              <a:t>Pytorch</a:t>
-            </a:r>
-            <a:endParaRPr lang="en-CA" dirty="0">
-              <a:solidFill>
-                <a:schemeClr val="bg1"/>
-              </a:solidFill>
-            </a:endParaRPr>
+              <a:t>LSTM model using Pytorch</a:t>
+            </a:r>
           </a:p>
           <a:p>
             <a:r>
@@ -10839,7 +10791,7 @@
                   <a:schemeClr val="bg1"/>
                 </a:solidFill>
               </a:rPr>
-              <a:t>Performed better than existing model, but still significant variance to actual results</a:t>
+              <a:t>Performed better than existing model, but still significant variance to actual results due to the long swings</a:t>
             </a:r>
           </a:p>
           <a:p>
@@ -10859,7 +10811,7 @@
                   <a:schemeClr val="bg1"/>
                 </a:solidFill>
               </a:rPr>
-              <a:t>16 week forecast under predicted sales by 890 units</a:t>
+              <a:t>When analyzing the same16-week forecast the model under predicted sales by 890 units – however this was more through a law of averages than closely following the sales trend</a:t>
             </a:r>
           </a:p>
           <a:p>
@@ -10953,7 +10905,7 @@
         </p:blipFill>
         <p:spPr>
           <a:xfrm>
-            <a:off x="639233" y="5792164"/>
+            <a:off x="893233" y="5768702"/>
             <a:ext cx="3673158" cy="914479"/>
           </a:xfrm>
           <a:prstGeom prst="rect">

--- a/Forecasting_presentation.pptx
+++ b/Forecasting_presentation.pptx
@@ -113,6 +113,11 @@
       </a:defRPr>
     </a:lvl9pPr>
   </p:defaultTextStyle>
+  <p:extLst>
+    <p:ext uri="{EFAFB233-063F-42B5-8137-9DF3F51BA10A}">
+      <p15:sldGuideLst xmlns:p15="http://schemas.microsoft.com/office/powerpoint/2012/main"/>
+    </p:ext>
+  </p:extLst>
 </p:presentation>
 </file>
 
@@ -1041,7 +1046,7 @@
               </a:defRPr>
             </a:pPr>
             <a:r>
-              <a:rPr lang="en-CA">
+              <a:rPr lang="en-CA" dirty="0">
                 <a:solidFill>
                   <a:sysClr val="windowText" lastClr="000000"/>
                 </a:solidFill>
@@ -1482,12 +1487,12 @@
               </a:defRPr>
             </a:pPr>
             <a:r>
-              <a:rPr lang="en-CA" sz="1400" b="0" i="0" u="none" strike="noStrike" kern="1200" spc="0" baseline="0">
+              <a:rPr lang="en-CA" sz="1400" b="0" i="0" u="none" strike="noStrike" kern="1200" spc="0" baseline="0" dirty="0">
                 <a:solidFill>
                   <a:sysClr val="windowText" lastClr="000000"/>
                 </a:solidFill>
               </a:rPr>
-              <a:t>LSTM #1 Results</a:t>
+              <a:t>LSTM #2 Results</a:t>
             </a:r>
           </a:p>
         </c:rich>
@@ -1929,7 +1934,7 @@
               </a:defRPr>
             </a:pPr>
             <a:r>
-              <a:rPr lang="en-CA"/>
+              <a:rPr lang="en-CA" dirty="0"/>
               <a:t>Linear Regression Results</a:t>
             </a:r>
           </a:p>
@@ -2369,7 +2374,7 @@
               </a:defRPr>
             </a:pPr>
             <a:r>
-              <a:rPr lang="en-CA" sz="1400" b="0" i="0" u="none" strike="noStrike" kern="1200" spc="0" baseline="0">
+              <a:rPr lang="en-CA" sz="1400" b="0" i="0" u="none" strike="noStrike" kern="1200" spc="0" baseline="0" dirty="0">
                 <a:solidFill>
                   <a:sysClr val="windowText" lastClr="000000">
                     <a:lumMod val="65000"/>
@@ -6267,9 +6272,9 @@
           <a:p>
             <a:fld id="{F1AFBEFE-1E42-4D4F-B566-0CCEFECF4A9D}" type="datetimeFigureOut">
               <a:rPr lang="en-CA" smtClean="0"/>
-              <a:t>2024-08-25</a:t>
+              <a:t>2024-08-27</a:t>
             </a:fld>
-            <a:endParaRPr lang="en-CA"/>
+            <a:endParaRPr lang="en-CA" dirty="0"/>
           </a:p>
         </p:txBody>
       </p:sp>
@@ -6294,7 +6299,7 @@
           <a:bodyPr/>
           <a:lstStyle/>
           <a:p>
-            <a:endParaRPr lang="en-CA"/>
+            <a:endParaRPr lang="en-CA" dirty="0"/>
           </a:p>
         </p:txBody>
       </p:sp>
@@ -6323,7 +6328,7 @@
               <a:rPr lang="en-CA" smtClean="0"/>
               <a:t>‹#›</a:t>
             </a:fld>
-            <a:endParaRPr lang="en-CA"/>
+            <a:endParaRPr lang="en-CA" dirty="0"/>
           </a:p>
         </p:txBody>
       </p:sp>
@@ -6467,9 +6472,9 @@
           <a:p>
             <a:fld id="{F1AFBEFE-1E42-4D4F-B566-0CCEFECF4A9D}" type="datetimeFigureOut">
               <a:rPr lang="en-CA" smtClean="0"/>
-              <a:t>2024-08-25</a:t>
+              <a:t>2024-08-27</a:t>
             </a:fld>
-            <a:endParaRPr lang="en-CA"/>
+            <a:endParaRPr lang="en-CA" dirty="0"/>
           </a:p>
         </p:txBody>
       </p:sp>
@@ -6494,7 +6499,7 @@
           <a:bodyPr/>
           <a:lstStyle/>
           <a:p>
-            <a:endParaRPr lang="en-CA"/>
+            <a:endParaRPr lang="en-CA" dirty="0"/>
           </a:p>
         </p:txBody>
       </p:sp>
@@ -6523,7 +6528,7 @@
               <a:rPr lang="en-CA" smtClean="0"/>
               <a:t>‹#›</a:t>
             </a:fld>
-            <a:endParaRPr lang="en-CA"/>
+            <a:endParaRPr lang="en-CA" dirty="0"/>
           </a:p>
         </p:txBody>
       </p:sp>
@@ -6677,9 +6682,9 @@
           <a:p>
             <a:fld id="{F1AFBEFE-1E42-4D4F-B566-0CCEFECF4A9D}" type="datetimeFigureOut">
               <a:rPr lang="en-CA" smtClean="0"/>
-              <a:t>2024-08-25</a:t>
+              <a:t>2024-08-27</a:t>
             </a:fld>
-            <a:endParaRPr lang="en-CA"/>
+            <a:endParaRPr lang="en-CA" dirty="0"/>
           </a:p>
         </p:txBody>
       </p:sp>
@@ -6704,7 +6709,7 @@
           <a:bodyPr/>
           <a:lstStyle/>
           <a:p>
-            <a:endParaRPr lang="en-CA"/>
+            <a:endParaRPr lang="en-CA" dirty="0"/>
           </a:p>
         </p:txBody>
       </p:sp>
@@ -6733,7 +6738,7 @@
               <a:rPr lang="en-CA" smtClean="0"/>
               <a:t>‹#›</a:t>
             </a:fld>
-            <a:endParaRPr lang="en-CA"/>
+            <a:endParaRPr lang="en-CA" dirty="0"/>
           </a:p>
         </p:txBody>
       </p:sp>
@@ -6877,9 +6882,9 @@
           <a:p>
             <a:fld id="{F1AFBEFE-1E42-4D4F-B566-0CCEFECF4A9D}" type="datetimeFigureOut">
               <a:rPr lang="en-CA" smtClean="0"/>
-              <a:t>2024-08-25</a:t>
+              <a:t>2024-08-27</a:t>
             </a:fld>
-            <a:endParaRPr lang="en-CA"/>
+            <a:endParaRPr lang="en-CA" dirty="0"/>
           </a:p>
         </p:txBody>
       </p:sp>
@@ -6904,7 +6909,7 @@
           <a:bodyPr/>
           <a:lstStyle/>
           <a:p>
-            <a:endParaRPr lang="en-CA"/>
+            <a:endParaRPr lang="en-CA" dirty="0"/>
           </a:p>
         </p:txBody>
       </p:sp>
@@ -6933,7 +6938,7 @@
               <a:rPr lang="en-CA" smtClean="0"/>
               <a:t>‹#›</a:t>
             </a:fld>
-            <a:endParaRPr lang="en-CA"/>
+            <a:endParaRPr lang="en-CA" dirty="0"/>
           </a:p>
         </p:txBody>
       </p:sp>
@@ -7153,9 +7158,9 @@
           <a:p>
             <a:fld id="{F1AFBEFE-1E42-4D4F-B566-0CCEFECF4A9D}" type="datetimeFigureOut">
               <a:rPr lang="en-CA" smtClean="0"/>
-              <a:t>2024-08-25</a:t>
+              <a:t>2024-08-27</a:t>
             </a:fld>
-            <a:endParaRPr lang="en-CA"/>
+            <a:endParaRPr lang="en-CA" dirty="0"/>
           </a:p>
         </p:txBody>
       </p:sp>
@@ -7180,7 +7185,7 @@
           <a:bodyPr/>
           <a:lstStyle/>
           <a:p>
-            <a:endParaRPr lang="en-CA"/>
+            <a:endParaRPr lang="en-CA" dirty="0"/>
           </a:p>
         </p:txBody>
       </p:sp>
@@ -7209,7 +7214,7 @@
               <a:rPr lang="en-CA" smtClean="0"/>
               <a:t>‹#›</a:t>
             </a:fld>
-            <a:endParaRPr lang="en-CA"/>
+            <a:endParaRPr lang="en-CA" dirty="0"/>
           </a:p>
         </p:txBody>
       </p:sp>
@@ -7421,9 +7426,9 @@
           <a:p>
             <a:fld id="{F1AFBEFE-1E42-4D4F-B566-0CCEFECF4A9D}" type="datetimeFigureOut">
               <a:rPr lang="en-CA" smtClean="0"/>
-              <a:t>2024-08-25</a:t>
+              <a:t>2024-08-27</a:t>
             </a:fld>
-            <a:endParaRPr lang="en-CA"/>
+            <a:endParaRPr lang="en-CA" dirty="0"/>
           </a:p>
         </p:txBody>
       </p:sp>
@@ -7448,7 +7453,7 @@
           <a:bodyPr/>
           <a:lstStyle/>
           <a:p>
-            <a:endParaRPr lang="en-CA"/>
+            <a:endParaRPr lang="en-CA" dirty="0"/>
           </a:p>
         </p:txBody>
       </p:sp>
@@ -7477,7 +7482,7 @@
               <a:rPr lang="en-CA" smtClean="0"/>
               <a:t>‹#›</a:t>
             </a:fld>
-            <a:endParaRPr lang="en-CA"/>
+            <a:endParaRPr lang="en-CA" dirty="0"/>
           </a:p>
         </p:txBody>
       </p:sp>
@@ -7836,9 +7841,9 @@
           <a:p>
             <a:fld id="{F1AFBEFE-1E42-4D4F-B566-0CCEFECF4A9D}" type="datetimeFigureOut">
               <a:rPr lang="en-CA" smtClean="0"/>
-              <a:t>2024-08-25</a:t>
+              <a:t>2024-08-27</a:t>
             </a:fld>
-            <a:endParaRPr lang="en-CA"/>
+            <a:endParaRPr lang="en-CA" dirty="0"/>
           </a:p>
         </p:txBody>
       </p:sp>
@@ -7863,7 +7868,7 @@
           <a:bodyPr/>
           <a:lstStyle/>
           <a:p>
-            <a:endParaRPr lang="en-CA"/>
+            <a:endParaRPr lang="en-CA" dirty="0"/>
           </a:p>
         </p:txBody>
       </p:sp>
@@ -7892,7 +7897,7 @@
               <a:rPr lang="en-CA" smtClean="0"/>
               <a:t>‹#›</a:t>
             </a:fld>
-            <a:endParaRPr lang="en-CA"/>
+            <a:endParaRPr lang="en-CA" dirty="0"/>
           </a:p>
         </p:txBody>
       </p:sp>
@@ -7978,9 +7983,9 @@
           <a:p>
             <a:fld id="{F1AFBEFE-1E42-4D4F-B566-0CCEFECF4A9D}" type="datetimeFigureOut">
               <a:rPr lang="en-CA" smtClean="0"/>
-              <a:t>2024-08-25</a:t>
+              <a:t>2024-08-27</a:t>
             </a:fld>
-            <a:endParaRPr lang="en-CA"/>
+            <a:endParaRPr lang="en-CA" dirty="0"/>
           </a:p>
         </p:txBody>
       </p:sp>
@@ -8005,7 +8010,7 @@
           <a:bodyPr/>
           <a:lstStyle/>
           <a:p>
-            <a:endParaRPr lang="en-CA"/>
+            <a:endParaRPr lang="en-CA" dirty="0"/>
           </a:p>
         </p:txBody>
       </p:sp>
@@ -8034,7 +8039,7 @@
               <a:rPr lang="en-CA" smtClean="0"/>
               <a:t>‹#›</a:t>
             </a:fld>
-            <a:endParaRPr lang="en-CA"/>
+            <a:endParaRPr lang="en-CA" dirty="0"/>
           </a:p>
         </p:txBody>
       </p:sp>
@@ -8091,9 +8096,9 @@
           <a:p>
             <a:fld id="{F1AFBEFE-1E42-4D4F-B566-0CCEFECF4A9D}" type="datetimeFigureOut">
               <a:rPr lang="en-CA" smtClean="0"/>
-              <a:t>2024-08-25</a:t>
+              <a:t>2024-08-27</a:t>
             </a:fld>
-            <a:endParaRPr lang="en-CA"/>
+            <a:endParaRPr lang="en-CA" dirty="0"/>
           </a:p>
         </p:txBody>
       </p:sp>
@@ -8118,7 +8123,7 @@
           <a:bodyPr/>
           <a:lstStyle/>
           <a:p>
-            <a:endParaRPr lang="en-CA"/>
+            <a:endParaRPr lang="en-CA" dirty="0"/>
           </a:p>
         </p:txBody>
       </p:sp>
@@ -8147,7 +8152,7 @@
               <a:rPr lang="en-CA" smtClean="0"/>
               <a:t>‹#›</a:t>
             </a:fld>
-            <a:endParaRPr lang="en-CA"/>
+            <a:endParaRPr lang="en-CA" dirty="0"/>
           </a:p>
         </p:txBody>
       </p:sp>
@@ -8404,9 +8409,9 @@
           <a:p>
             <a:fld id="{F1AFBEFE-1E42-4D4F-B566-0CCEFECF4A9D}" type="datetimeFigureOut">
               <a:rPr lang="en-CA" smtClean="0"/>
-              <a:t>2024-08-25</a:t>
+              <a:t>2024-08-27</a:t>
             </a:fld>
-            <a:endParaRPr lang="en-CA"/>
+            <a:endParaRPr lang="en-CA" dirty="0"/>
           </a:p>
         </p:txBody>
       </p:sp>
@@ -8431,7 +8436,7 @@
           <a:bodyPr/>
           <a:lstStyle/>
           <a:p>
-            <a:endParaRPr lang="en-CA"/>
+            <a:endParaRPr lang="en-CA" dirty="0"/>
           </a:p>
         </p:txBody>
       </p:sp>
@@ -8460,7 +8465,7 @@
               <a:rPr lang="en-CA" smtClean="0"/>
               <a:t>‹#›</a:t>
             </a:fld>
-            <a:endParaRPr lang="en-CA"/>
+            <a:endParaRPr lang="en-CA" dirty="0"/>
           </a:p>
         </p:txBody>
       </p:sp>
@@ -8595,7 +8600,7 @@
             </a:lvl9pPr>
           </a:lstStyle>
           <a:p>
-            <a:endParaRPr lang="en-CA"/>
+            <a:endParaRPr lang="en-CA" dirty="0"/>
           </a:p>
         </p:txBody>
       </p:sp>
@@ -8693,9 +8698,9 @@
           <a:p>
             <a:fld id="{F1AFBEFE-1E42-4D4F-B566-0CCEFECF4A9D}" type="datetimeFigureOut">
               <a:rPr lang="en-CA" smtClean="0"/>
-              <a:t>2024-08-25</a:t>
+              <a:t>2024-08-27</a:t>
             </a:fld>
-            <a:endParaRPr lang="en-CA"/>
+            <a:endParaRPr lang="en-CA" dirty="0"/>
           </a:p>
         </p:txBody>
       </p:sp>
@@ -8720,7 +8725,7 @@
           <a:bodyPr/>
           <a:lstStyle/>
           <a:p>
-            <a:endParaRPr lang="en-CA"/>
+            <a:endParaRPr lang="en-CA" dirty="0"/>
           </a:p>
         </p:txBody>
       </p:sp>
@@ -8749,7 +8754,7 @@
               <a:rPr lang="en-CA" smtClean="0"/>
               <a:t>‹#›</a:t>
             </a:fld>
-            <a:endParaRPr lang="en-CA"/>
+            <a:endParaRPr lang="en-CA" dirty="0"/>
           </a:p>
         </p:txBody>
       </p:sp>
@@ -8941,9 +8946,9 @@
           <a:p>
             <a:fld id="{F1AFBEFE-1E42-4D4F-B566-0CCEFECF4A9D}" type="datetimeFigureOut">
               <a:rPr lang="en-CA" smtClean="0"/>
-              <a:t>2024-08-25</a:t>
+              <a:t>2024-08-27</a:t>
             </a:fld>
-            <a:endParaRPr lang="en-CA"/>
+            <a:endParaRPr lang="en-CA" dirty="0"/>
           </a:p>
         </p:txBody>
       </p:sp>
@@ -8986,7 +8991,7 @@
             </a:lvl1pPr>
           </a:lstStyle>
           <a:p>
-            <a:endParaRPr lang="en-CA"/>
+            <a:endParaRPr lang="en-CA" dirty="0"/>
           </a:p>
         </p:txBody>
       </p:sp>
@@ -9033,7 +9038,7 @@
               <a:rPr lang="en-CA" smtClean="0"/>
               <a:t>‹#›</a:t>
             </a:fld>
-            <a:endParaRPr lang="en-CA"/>
+            <a:endParaRPr lang="en-CA" dirty="0"/>
           </a:p>
         </p:txBody>
       </p:sp>
@@ -9504,13 +9509,13 @@
         </p:nvSpPr>
         <p:spPr>
           <a:xfrm>
-            <a:off x="334432" y="1788001"/>
-            <a:ext cx="10612967" cy="4351338"/>
+            <a:off x="334432" y="1566332"/>
+            <a:ext cx="10612967" cy="4809067"/>
           </a:xfrm>
         </p:spPr>
         <p:txBody>
           <a:bodyPr>
-            <a:normAutofit fontScale="62500" lnSpcReduction="20000"/>
+            <a:normAutofit fontScale="70000" lnSpcReduction="20000"/>
           </a:bodyPr>
           <a:lstStyle/>
           <a:p>
@@ -9950,13 +9955,13 @@
         </p:nvSpPr>
         <p:spPr>
           <a:xfrm>
-            <a:off x="334433" y="1490396"/>
-            <a:ext cx="5181600" cy="4351338"/>
+            <a:off x="334433" y="1490395"/>
+            <a:ext cx="5181600" cy="5088205"/>
           </a:xfrm>
         </p:spPr>
         <p:txBody>
           <a:bodyPr>
-            <a:normAutofit fontScale="92500" lnSpcReduction="20000"/>
+            <a:normAutofit fontScale="92500" lnSpcReduction="10000"/>
           </a:bodyPr>
           <a:lstStyle/>
           <a:p>
@@ -9979,7 +9984,7 @@
                   <a:schemeClr val="bg1"/>
                 </a:solidFill>
               </a:rPr>
-              <a:t>Beat existing forecast methodology which functions at a brand level, but not item level - - -where it counts</a:t>
+              <a:t>Beat existing forecast methodology which functions OK at a brand level, but not item level - - -where it counts</a:t>
             </a:r>
           </a:p>
           <a:p>
@@ -10000,7 +10005,7 @@
                   <a:schemeClr val="bg1"/>
                 </a:solidFill>
               </a:rPr>
-              <a:t>Works great for understanding promotional lift, but isn’t ideal for demand &amp; sales planning</a:t>
+              <a:t>Model over predicted sales volume by 15,186 units</a:t>
             </a:r>
           </a:p>
           <a:p>
@@ -10010,23 +10015,7 @@
                   <a:schemeClr val="bg1"/>
                 </a:solidFill>
               </a:rPr>
-              <a:t>Multiple LSTM, Linear Regression, Random Forest Regressor, </a:t>
-            </a:r>
-            <a:r>
-              <a:rPr lang="en-CA" sz="2400" dirty="0" err="1">
-                <a:solidFill>
-                  <a:schemeClr val="bg1"/>
-                </a:solidFill>
-              </a:rPr>
-              <a:t>XGBoost</a:t>
-            </a:r>
-            <a:r>
-              <a:rPr lang="en-CA" sz="2400" dirty="0">
-                <a:solidFill>
-                  <a:schemeClr val="bg1"/>
-                </a:solidFill>
-              </a:rPr>
-              <a:t> Regressor</a:t>
+              <a:t>Multiple LSTM, Linear Regression, Random Forest Regressor, XG Boost Regressor</a:t>
             </a:r>
           </a:p>
         </p:txBody>
@@ -10357,8 +10346,8 @@
         </p:nvSpPr>
         <p:spPr>
           <a:xfrm>
-            <a:off x="334433" y="1788001"/>
-            <a:ext cx="4208384" cy="4351338"/>
+            <a:off x="283633" y="2550001"/>
+            <a:ext cx="4208384" cy="1886532"/>
           </a:xfrm>
         </p:spPr>
         <p:txBody>
@@ -10380,16 +10369,9 @@
             </a:r>
           </a:p>
           <a:p>
-            <a:r>
-              <a:rPr lang="en-CA" sz="2400" dirty="0">
-                <a:solidFill>
-                  <a:schemeClr val="bg1"/>
-                </a:solidFill>
-              </a:rPr>
-              <a:t>The ideal model would work across brands, items, and retailers with little to no additional tuning needed</a:t>
-            </a:r>
-          </a:p>
-          <a:p>
+            <a:pPr marL="0" indent="0">
+              <a:buNone/>
+            </a:pPr>
             <a:endParaRPr lang="en-CA" sz="2400" dirty="0">
               <a:solidFill>
                 <a:schemeClr val="bg1"/>
@@ -10479,7 +10461,7 @@
         <p:spPr>
           <a:xfrm>
             <a:off x="334432" y="1788001"/>
-            <a:ext cx="10612967" cy="4351338"/>
+            <a:ext cx="10612967" cy="4704874"/>
           </a:xfrm>
         </p:spPr>
         <p:txBody>
@@ -10526,81 +10508,7 @@
                   <a:schemeClr val="lt1"/>
                 </a:solidFill>
               </a:rPr>
-              <a:t>Pull item level sales data details from existing database which is originally sourced from </a:t>
-            </a:r>
-            <a:r>
-              <a:rPr lang="en-US" dirty="0" err="1">
-                <a:solidFill>
-                  <a:schemeClr val="lt1"/>
-                </a:solidFill>
-              </a:rPr>
-              <a:t>Circana</a:t>
-            </a:r>
-            <a:r>
-              <a:rPr lang="en-US" dirty="0">
-                <a:solidFill>
-                  <a:schemeClr val="lt1"/>
-                </a:solidFill>
-              </a:rPr>
-              <a:t> with 6 years of unit sales data at the weekly level</a:t>
-            </a:r>
-          </a:p>
-          <a:p>
-            <a:pPr marL="457200" lvl="0" indent="-325755" algn="l" rtl="0">
-              <a:spcBef>
-                <a:spcPts val="0"/>
-              </a:spcBef>
-              <a:spcAft>
-                <a:spcPts val="0"/>
-              </a:spcAft>
-              <a:buClr>
-                <a:schemeClr val="lt1"/>
-              </a:buClr>
-              <a:buSzPct val="100000"/>
-              <a:buChar char="●"/>
-            </a:pPr>
-            <a:r>
-              <a:rPr lang="en-US" dirty="0">
-                <a:solidFill>
-                  <a:schemeClr val="lt1"/>
-                </a:solidFill>
-              </a:rPr>
-              <a:t>Data goes through weekly QC both through </a:t>
-            </a:r>
-            <a:r>
-              <a:rPr lang="en-US" dirty="0" err="1">
-                <a:solidFill>
-                  <a:schemeClr val="lt1"/>
-                </a:solidFill>
-              </a:rPr>
-              <a:t>Circana</a:t>
-            </a:r>
-            <a:r>
-              <a:rPr lang="en-US" dirty="0">
-                <a:solidFill>
-                  <a:schemeClr val="lt1"/>
-                </a:solidFill>
-              </a:rPr>
-              <a:t> and within my business unit so very little else was needed for cleanup</a:t>
-            </a:r>
-          </a:p>
-          <a:p>
-            <a:pPr marL="0" lvl="0" indent="0" algn="l" rtl="0">
-              <a:spcBef>
-                <a:spcPts val="1200"/>
-              </a:spcBef>
-              <a:spcAft>
-                <a:spcPts val="0"/>
-              </a:spcAft>
-              <a:buNone/>
-            </a:pPr>
-            <a:r>
-              <a:rPr lang="en-US" dirty="0">
-                <a:solidFill>
-                  <a:schemeClr val="lt1"/>
-                </a:solidFill>
-              </a:rPr>
-              <a:t>Modeling – source a model/process to forecast time series data, ideally sales related</a:t>
+              <a:t>Pull item level unit sales data details from existing database which is originally sourced from Circana/IRI with 6 years of unit sales data at the weekly level</a:t>
             </a:r>
           </a:p>
           <a:p>
@@ -10623,7 +10531,69 @@
                   <a:schemeClr val="lt1"/>
                 </a:solidFill>
               </a:rPr>
-              <a:t>Models were tuned to 1 individual UPC, one that has inconsistent sales volumes to provide the worst case look at results</a:t>
+              <a:t>Data goes through weekly QC both through Circana and within my business unit so very little else was needed for cleanup</a:t>
+            </a:r>
+          </a:p>
+          <a:p>
+            <a:pPr marL="0" lvl="0" indent="0" algn="l" rtl="0">
+              <a:spcBef>
+                <a:spcPts val="1200"/>
+              </a:spcBef>
+              <a:spcAft>
+                <a:spcPts val="0"/>
+              </a:spcAft>
+              <a:buNone/>
+            </a:pPr>
+            <a:r>
+              <a:rPr lang="en-US" dirty="0">
+                <a:solidFill>
+                  <a:schemeClr val="lt1"/>
+                </a:solidFill>
+              </a:rPr>
+              <a:t>Modeling – source a model/process to forecast time series data, ideally sales related</a:t>
+            </a:r>
+          </a:p>
+          <a:p>
+            <a:pPr marL="457200" lvl="0" indent="-325755" algn="l" rtl="0">
+              <a:spcBef>
+                <a:spcPts val="1200"/>
+              </a:spcBef>
+              <a:spcAft>
+                <a:spcPts val="0"/>
+              </a:spcAft>
+              <a:buClr>
+                <a:schemeClr val="lt1"/>
+              </a:buClr>
+              <a:buSzPct val="100000"/>
+              <a:buChar char="●"/>
+            </a:pPr>
+            <a:r>
+              <a:rPr lang="en-US" dirty="0">
+                <a:solidFill>
+                  <a:schemeClr val="lt1"/>
+                </a:solidFill>
+              </a:rPr>
+              <a:t>Models were tuned to 1 individual UPC, one that has inconsistent sales volumes to, but has been sold for the entirety of the 6-year history</a:t>
+            </a:r>
+          </a:p>
+          <a:p>
+            <a:pPr marL="914400" lvl="1" indent="-325755">
+              <a:spcBef>
+                <a:spcPts val="1200"/>
+              </a:spcBef>
+              <a:buClr>
+                <a:schemeClr val="lt1"/>
+              </a:buClr>
+              <a:buSzPct val="100000"/>
+              <a:buChar char="●"/>
+            </a:pPr>
+            <a:r>
+              <a:rPr lang="en-US" dirty="0">
+                <a:solidFill>
+                  <a:schemeClr val="lt1"/>
+                </a:solidFill>
+              </a:rPr>
+              <a:t>Additional UPCs were fed through the models with any necessary timing adjustments and the models performed similarly or better than the results presented here</a:t>
             </a:r>
           </a:p>
           <a:p>
@@ -10782,13 +10752,13 @@
         </p:nvSpPr>
         <p:spPr>
           <a:xfrm>
-            <a:off x="334433" y="1788001"/>
-            <a:ext cx="5181600" cy="4351338"/>
+            <a:off x="352939" y="1363133"/>
+            <a:ext cx="5181600" cy="4330313"/>
           </a:xfrm>
         </p:spPr>
         <p:txBody>
           <a:bodyPr>
-            <a:normAutofit/>
+            <a:normAutofit fontScale="92500" lnSpcReduction="20000"/>
           </a:bodyPr>
           <a:lstStyle/>
           <a:p>
@@ -10801,21 +10771,8 @@
                   <a:schemeClr val="bg1"/>
                 </a:solidFill>
               </a:rPr>
-              <a:t>LSTM model using </a:t>
-            </a:r>
-            <a:r>
-              <a:rPr lang="en-CA" dirty="0" err="1">
-                <a:solidFill>
-                  <a:schemeClr val="bg1"/>
-                </a:solidFill>
-              </a:rPr>
-              <a:t>Pytorch</a:t>
-            </a:r>
-            <a:endParaRPr lang="en-CA" dirty="0">
-              <a:solidFill>
-                <a:schemeClr val="bg1"/>
-              </a:solidFill>
-            </a:endParaRPr>
+              <a:t>LSTM model using Pytorch</a:t>
+            </a:r>
           </a:p>
           <a:p>
             <a:r>
@@ -10834,7 +10791,7 @@
                   <a:schemeClr val="bg1"/>
                 </a:solidFill>
               </a:rPr>
-              <a:t>Performed better than existing model, but still significant variance to actual results</a:t>
+              <a:t>Performed better than existing model, but still significant variance to actual results due to the long swings</a:t>
             </a:r>
           </a:p>
           <a:p>
@@ -10845,6 +10802,16 @@
                 </a:solidFill>
               </a:rPr>
               <a:t>Process was only fed sales diff data, meaning the output was diff, which is less than idea</a:t>
+            </a:r>
+          </a:p>
+          <a:p>
+            <a:r>
+              <a:rPr lang="en-CA" sz="2400" dirty="0">
+                <a:solidFill>
+                  <a:schemeClr val="bg1"/>
+                </a:solidFill>
+              </a:rPr>
+              <a:t>When analyzing the same16-week forecast the model under predicted sales by 890 units – however this was more through a law of averages than closely following the sales trend</a:t>
             </a:r>
           </a:p>
           <a:p>
@@ -10938,7 +10905,7 @@
         </p:blipFill>
         <p:spPr>
           <a:xfrm>
-            <a:off x="334433" y="5469426"/>
+            <a:off x="893233" y="5768702"/>
             <a:ext cx="3673158" cy="914479"/>
           </a:xfrm>
           <a:prstGeom prst="rect">
@@ -11482,7 +11449,7 @@
                   <a:schemeClr val="bg1"/>
                 </a:solidFill>
               </a:rPr>
-              <a:t>Performed the worst of all models run</a:t>
+              <a:t>Performed the worst of all new models run, over predicting sales volume by 10,269 units</a:t>
             </a:r>
           </a:p>
           <a:p>
@@ -11569,7 +11536,7 @@
           <p:nvPr>
             <p:extLst>
               <p:ext uri="{D42A27DB-BD31-4B8C-83A1-F6EECF244321}">
-                <p14:modId xmlns:p14="http://schemas.microsoft.com/office/powerpoint/2010/main" val="3966654942"/>
+                <p14:modId xmlns:p14="http://schemas.microsoft.com/office/powerpoint/2010/main" val="122918449"/>
               </p:ext>
             </p:extLst>
           </p:nvPr>
@@ -11751,7 +11718,7 @@
                   <a:schemeClr val="bg1"/>
                 </a:solidFill>
               </a:rPr>
-              <a:t>This 16-week forecast model performed significantly better than the existing model</a:t>
+              <a:t>This model performed significantly better than the existing model, under predicting sales by just 1,139 units</a:t>
             </a:r>
           </a:p>
         </p:txBody>
@@ -11838,7 +11805,7 @@
         </p:blipFill>
         <p:spPr>
           <a:xfrm>
-            <a:off x="334433" y="5791200"/>
+            <a:off x="512233" y="5977467"/>
             <a:ext cx="3888614" cy="645345"/>
           </a:xfrm>
           <a:prstGeom prst="rect">
@@ -12013,7 +11980,7 @@
                   <a:schemeClr val="bg1"/>
                 </a:solidFill>
               </a:rPr>
-              <a:t>WINNER!!!!</a:t>
+              <a:t>WINNER!!!! Underpredicted sales by just 679 units over the 16-week forecast period</a:t>
             </a:r>
           </a:p>
         </p:txBody>

--- a/Forecasting_presentation.pptx
+++ b/Forecasting_presentation.pptx
@@ -15,6 +15,9 @@
     <p:sldId id="259" r:id="rId9"/>
     <p:sldId id="260" r:id="rId10"/>
     <p:sldId id="263" r:id="rId11"/>
+    <p:sldId id="266" r:id="rId12"/>
+    <p:sldId id="267" r:id="rId13"/>
+    <p:sldId id="268" r:id="rId14"/>
   </p:sldIdLst>
   <p:sldSz cx="12192000" cy="6858000"/>
   <p:notesSz cx="6858000" cy="9144000"/>
@@ -9879,6 +9882,3585 @@
     <p:extLst>
       <p:ext uri="{BB962C8B-B14F-4D97-AF65-F5344CB8AC3E}">
         <p14:creationId xmlns:p14="http://schemas.microsoft.com/office/powerpoint/2010/main" val="2730027785"/>
+      </p:ext>
+    </p:extLst>
+  </p:cSld>
+  <p:clrMapOvr>
+    <a:masterClrMapping/>
+  </p:clrMapOvr>
+</p:sld>
+</file>
+
+<file path=ppt/slides/slide11.xml><?xml version="1.0" encoding="utf-8"?>
+<p:sld xmlns:a="http://schemas.openxmlformats.org/drawingml/2006/main" xmlns:r="http://schemas.openxmlformats.org/officeDocument/2006/relationships" xmlns:p="http://schemas.openxmlformats.org/presentationml/2006/main">
+  <p:cSld>
+    <p:spTree>
+      <p:nvGrpSpPr>
+        <p:cNvPr id="1" name=""/>
+        <p:cNvGrpSpPr/>
+        <p:nvPr/>
+      </p:nvGrpSpPr>
+      <p:grpSpPr>
+        <a:xfrm>
+          <a:off x="0" y="0"/>
+          <a:ext cx="0" cy="0"/>
+          <a:chOff x="0" y="0"/>
+          <a:chExt cx="0" cy="0"/>
+        </a:xfrm>
+      </p:grpSpPr>
+      <p:sp>
+        <p:nvSpPr>
+          <p:cNvPr id="2" name="Title 1">
+            <a:extLst>
+              <a:ext uri="{FF2B5EF4-FFF2-40B4-BE49-F238E27FC236}">
+                <a16:creationId xmlns:a16="http://schemas.microsoft.com/office/drawing/2014/main" id="{4514FD37-5AE1-963B-D96D-3C2F3F517917}"/>
+              </a:ext>
+            </a:extLst>
+          </p:cNvPr>
+          <p:cNvSpPr>
+            <a:spLocks noGrp="1"/>
+          </p:cNvSpPr>
+          <p:nvPr>
+            <p:ph type="ctrTitle"/>
+          </p:nvPr>
+        </p:nvSpPr>
+        <p:spPr/>
+        <p:txBody>
+          <a:bodyPr/>
+          <a:lstStyle/>
+          <a:p>
+            <a:r>
+              <a:rPr lang="en-CA" dirty="0">
+                <a:solidFill>
+                  <a:schemeClr val="bg1"/>
+                </a:solidFill>
+              </a:rPr>
+              <a:t>Appendix/Iterations</a:t>
+            </a:r>
+          </a:p>
+        </p:txBody>
+      </p:sp>
+      <p:sp>
+        <p:nvSpPr>
+          <p:cNvPr id="5" name="Subtitle 4">
+            <a:extLst>
+              <a:ext uri="{FF2B5EF4-FFF2-40B4-BE49-F238E27FC236}">
+                <a16:creationId xmlns:a16="http://schemas.microsoft.com/office/drawing/2014/main" id="{8851B1A1-E615-AE36-9B09-7B3B51B0EB0D}"/>
+              </a:ext>
+            </a:extLst>
+          </p:cNvPr>
+          <p:cNvSpPr>
+            <a:spLocks noGrp="1"/>
+          </p:cNvSpPr>
+          <p:nvPr>
+            <p:ph type="subTitle" idx="1"/>
+          </p:nvPr>
+        </p:nvSpPr>
+        <p:spPr/>
+        <p:txBody>
+          <a:bodyPr/>
+          <a:lstStyle/>
+          <a:p>
+            <a:endParaRPr lang="en-CA"/>
+          </a:p>
+        </p:txBody>
+      </p:sp>
+    </p:spTree>
+    <p:extLst>
+      <p:ext uri="{BB962C8B-B14F-4D97-AF65-F5344CB8AC3E}">
+        <p14:creationId xmlns:p14="http://schemas.microsoft.com/office/powerpoint/2010/main" val="2522263508"/>
+      </p:ext>
+    </p:extLst>
+  </p:cSld>
+  <p:clrMapOvr>
+    <a:masterClrMapping/>
+  </p:clrMapOvr>
+</p:sld>
+</file>
+
+<file path=ppt/slides/slide12.xml><?xml version="1.0" encoding="utf-8"?>
+<p:sld xmlns:a="http://schemas.openxmlformats.org/drawingml/2006/main" xmlns:r="http://schemas.openxmlformats.org/officeDocument/2006/relationships" xmlns:p="http://schemas.openxmlformats.org/presentationml/2006/main">
+  <p:cSld>
+    <p:spTree>
+      <p:nvGrpSpPr>
+        <p:cNvPr id="1" name=""/>
+        <p:cNvGrpSpPr/>
+        <p:nvPr/>
+      </p:nvGrpSpPr>
+      <p:grpSpPr>
+        <a:xfrm>
+          <a:off x="0" y="0"/>
+          <a:ext cx="0" cy="0"/>
+          <a:chOff x="0" y="0"/>
+          <a:chExt cx="0" cy="0"/>
+        </a:xfrm>
+      </p:grpSpPr>
+      <p:sp>
+        <p:nvSpPr>
+          <p:cNvPr id="2" name="Title 1">
+            <a:extLst>
+              <a:ext uri="{FF2B5EF4-FFF2-40B4-BE49-F238E27FC236}">
+                <a16:creationId xmlns:a16="http://schemas.microsoft.com/office/drawing/2014/main" id="{BF945539-0D31-B493-97C1-19BC9CBC0DE2}"/>
+              </a:ext>
+            </a:extLst>
+          </p:cNvPr>
+          <p:cNvSpPr>
+            <a:spLocks noGrp="1"/>
+          </p:cNvSpPr>
+          <p:nvPr>
+            <p:ph type="title"/>
+          </p:nvPr>
+        </p:nvSpPr>
+        <p:spPr>
+          <a:xfrm>
+            <a:off x="152400" y="352373"/>
+            <a:ext cx="10515600" cy="1325563"/>
+          </a:xfrm>
+        </p:spPr>
+        <p:txBody>
+          <a:bodyPr/>
+          <a:lstStyle/>
+          <a:p>
+            <a:r>
+              <a:rPr lang="en-CA" b="1" dirty="0">
+                <a:solidFill>
+                  <a:schemeClr val="bg1"/>
+                </a:solidFill>
+              </a:rPr>
+              <a:t>LSTM #1 - iterations</a:t>
+            </a:r>
+          </a:p>
+        </p:txBody>
+      </p:sp>
+      <p:sp>
+        <p:nvSpPr>
+          <p:cNvPr id="3" name="Content Placeholder 2">
+            <a:extLst>
+              <a:ext uri="{FF2B5EF4-FFF2-40B4-BE49-F238E27FC236}">
+                <a16:creationId xmlns:a16="http://schemas.microsoft.com/office/drawing/2014/main" id="{CAAF41D1-A51E-FC32-C54D-8B97E4F7621D}"/>
+              </a:ext>
+            </a:extLst>
+          </p:cNvPr>
+          <p:cNvSpPr>
+            <a:spLocks noGrp="1"/>
+          </p:cNvSpPr>
+          <p:nvPr>
+            <p:ph sz="half" idx="1"/>
+          </p:nvPr>
+        </p:nvSpPr>
+        <p:spPr>
+          <a:xfrm>
+            <a:off x="336006" y="1803400"/>
+            <a:ext cx="5181600" cy="4330313"/>
+          </a:xfrm>
+        </p:spPr>
+        <p:txBody>
+          <a:bodyPr>
+            <a:normAutofit/>
+          </a:bodyPr>
+          <a:lstStyle/>
+          <a:p>
+            <a:pPr marL="0" indent="0">
+              <a:buNone/>
+            </a:pPr>
+            <a:r>
+              <a:rPr lang="en-CA" dirty="0">
+                <a:solidFill>
+                  <a:schemeClr val="bg1"/>
+                </a:solidFill>
+              </a:rPr>
+              <a:t>Multiple iterations were run on the LSTM model – many of those iterations are listed in the chart pictured</a:t>
+            </a:r>
+          </a:p>
+          <a:p>
+            <a:pPr marL="0" indent="0">
+              <a:buNone/>
+            </a:pPr>
+            <a:r>
+              <a:rPr lang="en-CA" sz="2400" dirty="0">
+                <a:solidFill>
+                  <a:schemeClr val="bg1"/>
+                </a:solidFill>
+              </a:rPr>
+              <a:t>While the best test RSME fell with 4-weeks of prediction, I chose to move forward with utilizing the 16-weeks of data and 1 layer.  The RSME test rate wasn’t that much worse than the optimal, but provided an additional 12 weeks of prediction</a:t>
+            </a:r>
+          </a:p>
+          <a:p>
+            <a:endParaRPr lang="en-CA" sz="2400" dirty="0">
+              <a:solidFill>
+                <a:schemeClr val="bg1"/>
+              </a:solidFill>
+            </a:endParaRPr>
+          </a:p>
+        </p:txBody>
+      </p:sp>
+      <p:graphicFrame>
+        <p:nvGraphicFramePr>
+          <p:cNvPr id="6" name="Table 5">
+            <a:extLst>
+              <a:ext uri="{FF2B5EF4-FFF2-40B4-BE49-F238E27FC236}">
+                <a16:creationId xmlns:a16="http://schemas.microsoft.com/office/drawing/2014/main" id="{C8D0AF4E-090A-F3D1-1BBB-DFC052BD10F6}"/>
+              </a:ext>
+            </a:extLst>
+          </p:cNvPr>
+          <p:cNvGraphicFramePr>
+            <a:graphicFrameLocks noGrp="1"/>
+          </p:cNvGraphicFramePr>
+          <p:nvPr>
+            <p:extLst>
+              <p:ext uri="{D42A27DB-BD31-4B8C-83A1-F6EECF244321}">
+                <p14:modId xmlns:p14="http://schemas.microsoft.com/office/powerpoint/2010/main" val="131238162"/>
+              </p:ext>
+            </p:extLst>
+          </p:nvPr>
+        </p:nvGraphicFramePr>
+        <p:xfrm>
+          <a:off x="6220883" y="2039771"/>
+          <a:ext cx="4356100" cy="1645920"/>
+        </p:xfrm>
+        <a:graphic>
+          <a:graphicData uri="http://schemas.openxmlformats.org/drawingml/2006/table">
+            <a:tbl>
+              <a:tblPr/>
+              <a:tblGrid>
+                <a:gridCol w="1206500">
+                  <a:extLst>
+                    <a:ext uri="{9D8B030D-6E8A-4147-A177-3AD203B41FA5}">
+                      <a16:colId xmlns:a16="http://schemas.microsoft.com/office/drawing/2014/main" val="972063070"/>
+                    </a:ext>
+                  </a:extLst>
+                </a:gridCol>
+                <a:gridCol w="863600">
+                  <a:extLst>
+                    <a:ext uri="{9D8B030D-6E8A-4147-A177-3AD203B41FA5}">
+                      <a16:colId xmlns:a16="http://schemas.microsoft.com/office/drawing/2014/main" val="2834702786"/>
+                    </a:ext>
+                  </a:extLst>
+                </a:gridCol>
+                <a:gridCol w="863600">
+                  <a:extLst>
+                    <a:ext uri="{9D8B030D-6E8A-4147-A177-3AD203B41FA5}">
+                      <a16:colId xmlns:a16="http://schemas.microsoft.com/office/drawing/2014/main" val="3694832822"/>
+                    </a:ext>
+                  </a:extLst>
+                </a:gridCol>
+                <a:gridCol w="1422400">
+                  <a:extLst>
+                    <a:ext uri="{9D8B030D-6E8A-4147-A177-3AD203B41FA5}">
+                      <a16:colId xmlns:a16="http://schemas.microsoft.com/office/drawing/2014/main" val="138734252"/>
+                    </a:ext>
+                  </a:extLst>
+                </a:gridCol>
+              </a:tblGrid>
+              <a:tr h="182880">
+                <a:tc>
+                  <a:txBody>
+                    <a:bodyPr/>
+                    <a:lstStyle/>
+                    <a:p>
+                      <a:pPr algn="ctr" fontAlgn="b"/>
+                      <a:r>
+                        <a:rPr lang="en-CA" sz="1100" b="1" i="0" u="none" strike="noStrike">
+                          <a:solidFill>
+                            <a:srgbClr val="000000"/>
+                          </a:solidFill>
+                          <a:effectLst/>
+                          <a:latin typeface="Aptos Narrow" panose="020B0004020202020204" pitchFamily="34" charset="0"/>
+                        </a:rPr>
+                        <a:t>Weeks of prediction</a:t>
+                      </a:r>
+                    </a:p>
+                  </a:txBody>
+                  <a:tcPr marL="7620" marR="7620" marT="7620" marB="0" anchor="b">
+                    <a:lnL w="6350" cap="flat" cmpd="sng" algn="ctr">
+                      <a:solidFill>
+                        <a:srgbClr val="000000"/>
+                      </a:solidFill>
+                      <a:prstDash val="solid"/>
+                      <a:round/>
+                      <a:headEnd type="none" w="med" len="med"/>
+                      <a:tailEnd type="none" w="med" len="med"/>
+                    </a:lnL>
+                    <a:lnR w="6350" cap="flat" cmpd="sng" algn="ctr">
+                      <a:solidFill>
+                        <a:srgbClr val="000000"/>
+                      </a:solidFill>
+                      <a:prstDash val="solid"/>
+                      <a:round/>
+                      <a:headEnd type="none" w="med" len="med"/>
+                      <a:tailEnd type="none" w="med" len="med"/>
+                    </a:lnR>
+                    <a:lnT w="6350" cap="flat" cmpd="sng" algn="ctr">
+                      <a:solidFill>
+                        <a:srgbClr val="000000"/>
+                      </a:solidFill>
+                      <a:prstDash val="solid"/>
+                      <a:round/>
+                      <a:headEnd type="none" w="med" len="med"/>
+                      <a:tailEnd type="none" w="med" len="med"/>
+                    </a:lnT>
+                    <a:lnB w="6350" cap="flat" cmpd="sng" algn="ctr">
+                      <a:solidFill>
+                        <a:srgbClr val="000000"/>
+                      </a:solidFill>
+                      <a:prstDash val="solid"/>
+                      <a:round/>
+                      <a:headEnd type="none" w="med" len="med"/>
+                      <a:tailEnd type="none" w="med" len="med"/>
+                    </a:lnB>
+                    <a:solidFill>
+                      <a:schemeClr val="bg1"/>
+                    </a:solidFill>
+                  </a:tcPr>
+                </a:tc>
+                <a:tc>
+                  <a:txBody>
+                    <a:bodyPr/>
+                    <a:lstStyle/>
+                    <a:p>
+                      <a:pPr algn="ctr" fontAlgn="b"/>
+                      <a:r>
+                        <a:rPr lang="en-CA" sz="1100" b="1" i="0" u="none" strike="noStrike">
+                          <a:solidFill>
+                            <a:srgbClr val="000000"/>
+                          </a:solidFill>
+                          <a:effectLst/>
+                          <a:latin typeface="Aptos Narrow" panose="020B0004020202020204" pitchFamily="34" charset="0"/>
+                        </a:rPr>
+                        <a:t>Layers</a:t>
+                      </a:r>
+                    </a:p>
+                  </a:txBody>
+                  <a:tcPr marL="7620" marR="7620" marT="7620" marB="0" anchor="b">
+                    <a:lnL w="6350" cap="flat" cmpd="sng" algn="ctr">
+                      <a:solidFill>
+                        <a:srgbClr val="000000"/>
+                      </a:solidFill>
+                      <a:prstDash val="solid"/>
+                      <a:round/>
+                      <a:headEnd type="none" w="med" len="med"/>
+                      <a:tailEnd type="none" w="med" len="med"/>
+                    </a:lnL>
+                    <a:lnR w="6350" cap="flat" cmpd="sng" algn="ctr">
+                      <a:solidFill>
+                        <a:srgbClr val="000000"/>
+                      </a:solidFill>
+                      <a:prstDash val="solid"/>
+                      <a:round/>
+                      <a:headEnd type="none" w="med" len="med"/>
+                      <a:tailEnd type="none" w="med" len="med"/>
+                    </a:lnR>
+                    <a:lnT w="6350" cap="flat" cmpd="sng" algn="ctr">
+                      <a:solidFill>
+                        <a:srgbClr val="000000"/>
+                      </a:solidFill>
+                      <a:prstDash val="solid"/>
+                      <a:round/>
+                      <a:headEnd type="none" w="med" len="med"/>
+                      <a:tailEnd type="none" w="med" len="med"/>
+                    </a:lnT>
+                    <a:lnB w="6350" cap="flat" cmpd="sng" algn="ctr">
+                      <a:solidFill>
+                        <a:srgbClr val="000000"/>
+                      </a:solidFill>
+                      <a:prstDash val="solid"/>
+                      <a:round/>
+                      <a:headEnd type="none" w="med" len="med"/>
+                      <a:tailEnd type="none" w="med" len="med"/>
+                    </a:lnB>
+                    <a:solidFill>
+                      <a:schemeClr val="bg1"/>
+                    </a:solidFill>
+                  </a:tcPr>
+                </a:tc>
+                <a:tc>
+                  <a:txBody>
+                    <a:bodyPr/>
+                    <a:lstStyle/>
+                    <a:p>
+                      <a:pPr algn="ctr" fontAlgn="b"/>
+                      <a:r>
+                        <a:rPr lang="en-CA" sz="1100" b="1" i="0" u="none" strike="noStrike">
+                          <a:solidFill>
+                            <a:srgbClr val="000000"/>
+                          </a:solidFill>
+                          <a:effectLst/>
+                          <a:latin typeface="Aptos Narrow" panose="020B0004020202020204" pitchFamily="34" charset="0"/>
+                        </a:rPr>
+                        <a:t>Train RSME</a:t>
+                      </a:r>
+                    </a:p>
+                  </a:txBody>
+                  <a:tcPr marL="7620" marR="7620" marT="7620" marB="0" anchor="b">
+                    <a:lnL w="6350" cap="flat" cmpd="sng" algn="ctr">
+                      <a:solidFill>
+                        <a:srgbClr val="000000"/>
+                      </a:solidFill>
+                      <a:prstDash val="solid"/>
+                      <a:round/>
+                      <a:headEnd type="none" w="med" len="med"/>
+                      <a:tailEnd type="none" w="med" len="med"/>
+                    </a:lnL>
+                    <a:lnR w="6350" cap="flat" cmpd="sng" algn="ctr">
+                      <a:solidFill>
+                        <a:srgbClr val="000000"/>
+                      </a:solidFill>
+                      <a:prstDash val="solid"/>
+                      <a:round/>
+                      <a:headEnd type="none" w="med" len="med"/>
+                      <a:tailEnd type="none" w="med" len="med"/>
+                    </a:lnR>
+                    <a:lnT w="6350" cap="flat" cmpd="sng" algn="ctr">
+                      <a:solidFill>
+                        <a:srgbClr val="000000"/>
+                      </a:solidFill>
+                      <a:prstDash val="solid"/>
+                      <a:round/>
+                      <a:headEnd type="none" w="med" len="med"/>
+                      <a:tailEnd type="none" w="med" len="med"/>
+                    </a:lnT>
+                    <a:lnB w="6350" cap="flat" cmpd="sng" algn="ctr">
+                      <a:solidFill>
+                        <a:srgbClr val="000000"/>
+                      </a:solidFill>
+                      <a:prstDash val="solid"/>
+                      <a:round/>
+                      <a:headEnd type="none" w="med" len="med"/>
+                      <a:tailEnd type="none" w="med" len="med"/>
+                    </a:lnB>
+                    <a:solidFill>
+                      <a:schemeClr val="bg1"/>
+                    </a:solidFill>
+                  </a:tcPr>
+                </a:tc>
+                <a:tc>
+                  <a:txBody>
+                    <a:bodyPr/>
+                    <a:lstStyle/>
+                    <a:p>
+                      <a:pPr algn="ctr" fontAlgn="b"/>
+                      <a:r>
+                        <a:rPr lang="en-CA" sz="1100" b="1" i="0" u="none" strike="noStrike">
+                          <a:solidFill>
+                            <a:srgbClr val="000000"/>
+                          </a:solidFill>
+                          <a:effectLst/>
+                          <a:latin typeface="Aptos Narrow" panose="020B0004020202020204" pitchFamily="34" charset="0"/>
+                        </a:rPr>
+                        <a:t>Test RSME</a:t>
+                      </a:r>
+                    </a:p>
+                  </a:txBody>
+                  <a:tcPr marL="7620" marR="7620" marT="7620" marB="0" anchor="b">
+                    <a:lnL w="6350" cap="flat" cmpd="sng" algn="ctr">
+                      <a:solidFill>
+                        <a:srgbClr val="000000"/>
+                      </a:solidFill>
+                      <a:prstDash val="solid"/>
+                      <a:round/>
+                      <a:headEnd type="none" w="med" len="med"/>
+                      <a:tailEnd type="none" w="med" len="med"/>
+                    </a:lnL>
+                    <a:lnR w="6350" cap="flat" cmpd="sng" algn="ctr">
+                      <a:solidFill>
+                        <a:srgbClr val="000000"/>
+                      </a:solidFill>
+                      <a:prstDash val="solid"/>
+                      <a:round/>
+                      <a:headEnd type="none" w="med" len="med"/>
+                      <a:tailEnd type="none" w="med" len="med"/>
+                    </a:lnR>
+                    <a:lnT w="6350" cap="flat" cmpd="sng" algn="ctr">
+                      <a:solidFill>
+                        <a:srgbClr val="000000"/>
+                      </a:solidFill>
+                      <a:prstDash val="solid"/>
+                      <a:round/>
+                      <a:headEnd type="none" w="med" len="med"/>
+                      <a:tailEnd type="none" w="med" len="med"/>
+                    </a:lnT>
+                    <a:lnB w="6350" cap="flat" cmpd="sng" algn="ctr">
+                      <a:solidFill>
+                        <a:srgbClr val="000000"/>
+                      </a:solidFill>
+                      <a:prstDash val="solid"/>
+                      <a:round/>
+                      <a:headEnd type="none" w="med" len="med"/>
+                      <a:tailEnd type="none" w="med" len="med"/>
+                    </a:lnB>
+                    <a:solidFill>
+                      <a:schemeClr val="bg1"/>
+                    </a:solidFill>
+                  </a:tcPr>
+                </a:tc>
+                <a:extLst>
+                  <a:ext uri="{0D108BD9-81ED-4DB2-BD59-A6C34878D82A}">
+                    <a16:rowId xmlns:a16="http://schemas.microsoft.com/office/drawing/2014/main" val="3199402558"/>
+                  </a:ext>
+                </a:extLst>
+              </a:tr>
+              <a:tr h="182880">
+                <a:tc>
+                  <a:txBody>
+                    <a:bodyPr/>
+                    <a:lstStyle/>
+                    <a:p>
+                      <a:pPr algn="r" fontAlgn="b"/>
+                      <a:r>
+                        <a:rPr lang="en-CA" sz="1100" b="0" i="0" u="none" strike="noStrike">
+                          <a:solidFill>
+                            <a:srgbClr val="000000"/>
+                          </a:solidFill>
+                          <a:effectLst/>
+                          <a:latin typeface="Aptos Narrow" panose="020B0004020202020204" pitchFamily="34" charset="0"/>
+                        </a:rPr>
+                        <a:t>4</a:t>
+                      </a:r>
+                    </a:p>
+                  </a:txBody>
+                  <a:tcPr marL="7620" marR="7620" marT="7620" marB="0" anchor="b">
+                    <a:lnL w="6350" cap="flat" cmpd="sng" algn="ctr">
+                      <a:solidFill>
+                        <a:srgbClr val="000000"/>
+                      </a:solidFill>
+                      <a:prstDash val="solid"/>
+                      <a:round/>
+                      <a:headEnd type="none" w="med" len="med"/>
+                      <a:tailEnd type="none" w="med" len="med"/>
+                    </a:lnL>
+                    <a:lnR w="6350" cap="flat" cmpd="sng" algn="ctr">
+                      <a:solidFill>
+                        <a:srgbClr val="000000"/>
+                      </a:solidFill>
+                      <a:prstDash val="solid"/>
+                      <a:round/>
+                      <a:headEnd type="none" w="med" len="med"/>
+                      <a:tailEnd type="none" w="med" len="med"/>
+                    </a:lnR>
+                    <a:lnT w="6350" cap="flat" cmpd="sng" algn="ctr">
+                      <a:solidFill>
+                        <a:srgbClr val="000000"/>
+                      </a:solidFill>
+                      <a:prstDash val="solid"/>
+                      <a:round/>
+                      <a:headEnd type="none" w="med" len="med"/>
+                      <a:tailEnd type="none" w="med" len="med"/>
+                    </a:lnT>
+                    <a:lnB w="6350" cap="flat" cmpd="sng" algn="ctr">
+                      <a:solidFill>
+                        <a:srgbClr val="000000"/>
+                      </a:solidFill>
+                      <a:prstDash val="solid"/>
+                      <a:round/>
+                      <a:headEnd type="none" w="med" len="med"/>
+                      <a:tailEnd type="none" w="med" len="med"/>
+                    </a:lnB>
+                    <a:solidFill>
+                      <a:schemeClr val="bg1"/>
+                    </a:solidFill>
+                  </a:tcPr>
+                </a:tc>
+                <a:tc>
+                  <a:txBody>
+                    <a:bodyPr/>
+                    <a:lstStyle/>
+                    <a:p>
+                      <a:pPr algn="r" fontAlgn="b"/>
+                      <a:r>
+                        <a:rPr lang="en-CA" sz="1100" b="0" i="0" u="none" strike="noStrike">
+                          <a:solidFill>
+                            <a:srgbClr val="000000"/>
+                          </a:solidFill>
+                          <a:effectLst/>
+                          <a:latin typeface="Aptos Narrow" panose="020B0004020202020204" pitchFamily="34" charset="0"/>
+                        </a:rPr>
+                        <a:t>1</a:t>
+                      </a:r>
+                    </a:p>
+                  </a:txBody>
+                  <a:tcPr marL="7620" marR="7620" marT="7620" marB="0" anchor="b">
+                    <a:lnL w="6350" cap="flat" cmpd="sng" algn="ctr">
+                      <a:solidFill>
+                        <a:srgbClr val="000000"/>
+                      </a:solidFill>
+                      <a:prstDash val="solid"/>
+                      <a:round/>
+                      <a:headEnd type="none" w="med" len="med"/>
+                      <a:tailEnd type="none" w="med" len="med"/>
+                    </a:lnL>
+                    <a:lnR w="6350" cap="flat" cmpd="sng" algn="ctr">
+                      <a:solidFill>
+                        <a:srgbClr val="000000"/>
+                      </a:solidFill>
+                      <a:prstDash val="solid"/>
+                      <a:round/>
+                      <a:headEnd type="none" w="med" len="med"/>
+                      <a:tailEnd type="none" w="med" len="med"/>
+                    </a:lnR>
+                    <a:lnT w="6350" cap="flat" cmpd="sng" algn="ctr">
+                      <a:solidFill>
+                        <a:srgbClr val="000000"/>
+                      </a:solidFill>
+                      <a:prstDash val="solid"/>
+                      <a:round/>
+                      <a:headEnd type="none" w="med" len="med"/>
+                      <a:tailEnd type="none" w="med" len="med"/>
+                    </a:lnT>
+                    <a:lnB w="6350" cap="flat" cmpd="sng" algn="ctr">
+                      <a:solidFill>
+                        <a:srgbClr val="000000"/>
+                      </a:solidFill>
+                      <a:prstDash val="solid"/>
+                      <a:round/>
+                      <a:headEnd type="none" w="med" len="med"/>
+                      <a:tailEnd type="none" w="med" len="med"/>
+                    </a:lnB>
+                    <a:solidFill>
+                      <a:schemeClr val="bg1"/>
+                    </a:solidFill>
+                  </a:tcPr>
+                </a:tc>
+                <a:tc>
+                  <a:txBody>
+                    <a:bodyPr/>
+                    <a:lstStyle/>
+                    <a:p>
+                      <a:pPr algn="r" fontAlgn="b"/>
+                      <a:r>
+                        <a:rPr lang="en-CA" sz="1100" b="0" i="0" u="none" strike="noStrike">
+                          <a:solidFill>
+                            <a:srgbClr val="000000"/>
+                          </a:solidFill>
+                          <a:effectLst/>
+                          <a:latin typeface="Aptos Narrow" panose="020B0004020202020204" pitchFamily="34" charset="0"/>
+                        </a:rPr>
+                        <a:t>349</a:t>
+                      </a:r>
+                    </a:p>
+                  </a:txBody>
+                  <a:tcPr marL="7620" marR="7620" marT="7620" marB="0" anchor="b">
+                    <a:lnL w="6350" cap="flat" cmpd="sng" algn="ctr">
+                      <a:solidFill>
+                        <a:srgbClr val="000000"/>
+                      </a:solidFill>
+                      <a:prstDash val="solid"/>
+                      <a:round/>
+                      <a:headEnd type="none" w="med" len="med"/>
+                      <a:tailEnd type="none" w="med" len="med"/>
+                    </a:lnL>
+                    <a:lnR w="6350" cap="flat" cmpd="sng" algn="ctr">
+                      <a:solidFill>
+                        <a:srgbClr val="000000"/>
+                      </a:solidFill>
+                      <a:prstDash val="solid"/>
+                      <a:round/>
+                      <a:headEnd type="none" w="med" len="med"/>
+                      <a:tailEnd type="none" w="med" len="med"/>
+                    </a:lnR>
+                    <a:lnT w="6350" cap="flat" cmpd="sng" algn="ctr">
+                      <a:solidFill>
+                        <a:srgbClr val="000000"/>
+                      </a:solidFill>
+                      <a:prstDash val="solid"/>
+                      <a:round/>
+                      <a:headEnd type="none" w="med" len="med"/>
+                      <a:tailEnd type="none" w="med" len="med"/>
+                    </a:lnT>
+                    <a:lnB w="6350" cap="flat" cmpd="sng" algn="ctr">
+                      <a:solidFill>
+                        <a:srgbClr val="000000"/>
+                      </a:solidFill>
+                      <a:prstDash val="solid"/>
+                      <a:round/>
+                      <a:headEnd type="none" w="med" len="med"/>
+                      <a:tailEnd type="none" w="med" len="med"/>
+                    </a:lnB>
+                    <a:solidFill>
+                      <a:schemeClr val="bg1"/>
+                    </a:solidFill>
+                  </a:tcPr>
+                </a:tc>
+                <a:tc>
+                  <a:txBody>
+                    <a:bodyPr/>
+                    <a:lstStyle/>
+                    <a:p>
+                      <a:pPr algn="r" fontAlgn="b"/>
+                      <a:r>
+                        <a:rPr lang="en-CA" sz="1100" b="0" i="0" u="none" strike="noStrike">
+                          <a:solidFill>
+                            <a:srgbClr val="000000"/>
+                          </a:solidFill>
+                          <a:effectLst/>
+                          <a:latin typeface="Aptos Narrow" panose="020B0004020202020204" pitchFamily="34" charset="0"/>
+                        </a:rPr>
+                        <a:t>599</a:t>
+                      </a:r>
+                    </a:p>
+                  </a:txBody>
+                  <a:tcPr marL="7620" marR="7620" marT="7620" marB="0" anchor="b">
+                    <a:lnL w="6350" cap="flat" cmpd="sng" algn="ctr">
+                      <a:solidFill>
+                        <a:srgbClr val="000000"/>
+                      </a:solidFill>
+                      <a:prstDash val="solid"/>
+                      <a:round/>
+                      <a:headEnd type="none" w="med" len="med"/>
+                      <a:tailEnd type="none" w="med" len="med"/>
+                    </a:lnL>
+                    <a:lnR w="6350" cap="flat" cmpd="sng" algn="ctr">
+                      <a:solidFill>
+                        <a:srgbClr val="000000"/>
+                      </a:solidFill>
+                      <a:prstDash val="solid"/>
+                      <a:round/>
+                      <a:headEnd type="none" w="med" len="med"/>
+                      <a:tailEnd type="none" w="med" len="med"/>
+                    </a:lnR>
+                    <a:lnT w="6350" cap="flat" cmpd="sng" algn="ctr">
+                      <a:solidFill>
+                        <a:srgbClr val="000000"/>
+                      </a:solidFill>
+                      <a:prstDash val="solid"/>
+                      <a:round/>
+                      <a:headEnd type="none" w="med" len="med"/>
+                      <a:tailEnd type="none" w="med" len="med"/>
+                    </a:lnT>
+                    <a:lnB w="6350" cap="flat" cmpd="sng" algn="ctr">
+                      <a:solidFill>
+                        <a:srgbClr val="000000"/>
+                      </a:solidFill>
+                      <a:prstDash val="solid"/>
+                      <a:round/>
+                      <a:headEnd type="none" w="med" len="med"/>
+                      <a:tailEnd type="none" w="med" len="med"/>
+                    </a:lnB>
+                    <a:solidFill>
+                      <a:schemeClr val="bg1"/>
+                    </a:solidFill>
+                  </a:tcPr>
+                </a:tc>
+                <a:extLst>
+                  <a:ext uri="{0D108BD9-81ED-4DB2-BD59-A6C34878D82A}">
+                    <a16:rowId xmlns:a16="http://schemas.microsoft.com/office/drawing/2014/main" val="2417356638"/>
+                  </a:ext>
+                </a:extLst>
+              </a:tr>
+              <a:tr h="182880">
+                <a:tc>
+                  <a:txBody>
+                    <a:bodyPr/>
+                    <a:lstStyle/>
+                    <a:p>
+                      <a:pPr algn="r" fontAlgn="b"/>
+                      <a:r>
+                        <a:rPr lang="en-CA" sz="1100" b="0" i="0" u="none" strike="noStrike">
+                          <a:solidFill>
+                            <a:srgbClr val="000000"/>
+                          </a:solidFill>
+                          <a:effectLst/>
+                          <a:latin typeface="Aptos Narrow" panose="020B0004020202020204" pitchFamily="34" charset="0"/>
+                        </a:rPr>
+                        <a:t>12</a:t>
+                      </a:r>
+                    </a:p>
+                  </a:txBody>
+                  <a:tcPr marL="7620" marR="7620" marT="7620" marB="0" anchor="b">
+                    <a:lnL w="6350" cap="flat" cmpd="sng" algn="ctr">
+                      <a:solidFill>
+                        <a:srgbClr val="000000"/>
+                      </a:solidFill>
+                      <a:prstDash val="solid"/>
+                      <a:round/>
+                      <a:headEnd type="none" w="med" len="med"/>
+                      <a:tailEnd type="none" w="med" len="med"/>
+                    </a:lnL>
+                    <a:lnR w="6350" cap="flat" cmpd="sng" algn="ctr">
+                      <a:solidFill>
+                        <a:srgbClr val="000000"/>
+                      </a:solidFill>
+                      <a:prstDash val="solid"/>
+                      <a:round/>
+                      <a:headEnd type="none" w="med" len="med"/>
+                      <a:tailEnd type="none" w="med" len="med"/>
+                    </a:lnR>
+                    <a:lnT w="6350" cap="flat" cmpd="sng" algn="ctr">
+                      <a:solidFill>
+                        <a:srgbClr val="000000"/>
+                      </a:solidFill>
+                      <a:prstDash val="solid"/>
+                      <a:round/>
+                      <a:headEnd type="none" w="med" len="med"/>
+                      <a:tailEnd type="none" w="med" len="med"/>
+                    </a:lnT>
+                    <a:lnB w="6350" cap="flat" cmpd="sng" algn="ctr">
+                      <a:solidFill>
+                        <a:srgbClr val="000000"/>
+                      </a:solidFill>
+                      <a:prstDash val="solid"/>
+                      <a:round/>
+                      <a:headEnd type="none" w="med" len="med"/>
+                      <a:tailEnd type="none" w="med" len="med"/>
+                    </a:lnB>
+                    <a:solidFill>
+                      <a:schemeClr val="bg1"/>
+                    </a:solidFill>
+                  </a:tcPr>
+                </a:tc>
+                <a:tc>
+                  <a:txBody>
+                    <a:bodyPr/>
+                    <a:lstStyle/>
+                    <a:p>
+                      <a:pPr algn="r" fontAlgn="b"/>
+                      <a:r>
+                        <a:rPr lang="en-CA" sz="1100" b="0" i="0" u="none" strike="noStrike">
+                          <a:solidFill>
+                            <a:srgbClr val="000000"/>
+                          </a:solidFill>
+                          <a:effectLst/>
+                          <a:latin typeface="Aptos Narrow" panose="020B0004020202020204" pitchFamily="34" charset="0"/>
+                        </a:rPr>
+                        <a:t>1</a:t>
+                      </a:r>
+                    </a:p>
+                  </a:txBody>
+                  <a:tcPr marL="7620" marR="7620" marT="7620" marB="0" anchor="b">
+                    <a:lnL w="6350" cap="flat" cmpd="sng" algn="ctr">
+                      <a:solidFill>
+                        <a:srgbClr val="000000"/>
+                      </a:solidFill>
+                      <a:prstDash val="solid"/>
+                      <a:round/>
+                      <a:headEnd type="none" w="med" len="med"/>
+                      <a:tailEnd type="none" w="med" len="med"/>
+                    </a:lnL>
+                    <a:lnR w="6350" cap="flat" cmpd="sng" algn="ctr">
+                      <a:solidFill>
+                        <a:srgbClr val="000000"/>
+                      </a:solidFill>
+                      <a:prstDash val="solid"/>
+                      <a:round/>
+                      <a:headEnd type="none" w="med" len="med"/>
+                      <a:tailEnd type="none" w="med" len="med"/>
+                    </a:lnR>
+                    <a:lnT w="6350" cap="flat" cmpd="sng" algn="ctr">
+                      <a:solidFill>
+                        <a:srgbClr val="000000"/>
+                      </a:solidFill>
+                      <a:prstDash val="solid"/>
+                      <a:round/>
+                      <a:headEnd type="none" w="med" len="med"/>
+                      <a:tailEnd type="none" w="med" len="med"/>
+                    </a:lnT>
+                    <a:lnB w="6350" cap="flat" cmpd="sng" algn="ctr">
+                      <a:solidFill>
+                        <a:srgbClr val="000000"/>
+                      </a:solidFill>
+                      <a:prstDash val="solid"/>
+                      <a:round/>
+                      <a:headEnd type="none" w="med" len="med"/>
+                      <a:tailEnd type="none" w="med" len="med"/>
+                    </a:lnB>
+                    <a:solidFill>
+                      <a:schemeClr val="bg1"/>
+                    </a:solidFill>
+                  </a:tcPr>
+                </a:tc>
+                <a:tc>
+                  <a:txBody>
+                    <a:bodyPr/>
+                    <a:lstStyle/>
+                    <a:p>
+                      <a:pPr algn="r" fontAlgn="b"/>
+                      <a:r>
+                        <a:rPr lang="en-CA" sz="1100" b="0" i="0" u="none" strike="noStrike">
+                          <a:solidFill>
+                            <a:srgbClr val="000000"/>
+                          </a:solidFill>
+                          <a:effectLst/>
+                          <a:latin typeface="Aptos Narrow" panose="020B0004020202020204" pitchFamily="34" charset="0"/>
+                        </a:rPr>
+                        <a:t>244</a:t>
+                      </a:r>
+                    </a:p>
+                  </a:txBody>
+                  <a:tcPr marL="7620" marR="7620" marT="7620" marB="0" anchor="b">
+                    <a:lnL w="6350" cap="flat" cmpd="sng" algn="ctr">
+                      <a:solidFill>
+                        <a:srgbClr val="000000"/>
+                      </a:solidFill>
+                      <a:prstDash val="solid"/>
+                      <a:round/>
+                      <a:headEnd type="none" w="med" len="med"/>
+                      <a:tailEnd type="none" w="med" len="med"/>
+                    </a:lnL>
+                    <a:lnR w="6350" cap="flat" cmpd="sng" algn="ctr">
+                      <a:solidFill>
+                        <a:srgbClr val="000000"/>
+                      </a:solidFill>
+                      <a:prstDash val="solid"/>
+                      <a:round/>
+                      <a:headEnd type="none" w="med" len="med"/>
+                      <a:tailEnd type="none" w="med" len="med"/>
+                    </a:lnR>
+                    <a:lnT w="6350" cap="flat" cmpd="sng" algn="ctr">
+                      <a:solidFill>
+                        <a:srgbClr val="000000"/>
+                      </a:solidFill>
+                      <a:prstDash val="solid"/>
+                      <a:round/>
+                      <a:headEnd type="none" w="med" len="med"/>
+                      <a:tailEnd type="none" w="med" len="med"/>
+                    </a:lnT>
+                    <a:lnB w="6350" cap="flat" cmpd="sng" algn="ctr">
+                      <a:solidFill>
+                        <a:srgbClr val="000000"/>
+                      </a:solidFill>
+                      <a:prstDash val="solid"/>
+                      <a:round/>
+                      <a:headEnd type="none" w="med" len="med"/>
+                      <a:tailEnd type="none" w="med" len="med"/>
+                    </a:lnB>
+                    <a:solidFill>
+                      <a:schemeClr val="bg1"/>
+                    </a:solidFill>
+                  </a:tcPr>
+                </a:tc>
+                <a:tc>
+                  <a:txBody>
+                    <a:bodyPr/>
+                    <a:lstStyle/>
+                    <a:p>
+                      <a:pPr algn="r" fontAlgn="b"/>
+                      <a:r>
+                        <a:rPr lang="en-CA" sz="1100" b="0" i="0" u="none" strike="noStrike">
+                          <a:solidFill>
+                            <a:srgbClr val="000000"/>
+                          </a:solidFill>
+                          <a:effectLst/>
+                          <a:latin typeface="Aptos Narrow" panose="020B0004020202020204" pitchFamily="34" charset="0"/>
+                        </a:rPr>
+                        <a:t>642</a:t>
+                      </a:r>
+                    </a:p>
+                  </a:txBody>
+                  <a:tcPr marL="7620" marR="7620" marT="7620" marB="0" anchor="b">
+                    <a:lnL w="6350" cap="flat" cmpd="sng" algn="ctr">
+                      <a:solidFill>
+                        <a:srgbClr val="000000"/>
+                      </a:solidFill>
+                      <a:prstDash val="solid"/>
+                      <a:round/>
+                      <a:headEnd type="none" w="med" len="med"/>
+                      <a:tailEnd type="none" w="med" len="med"/>
+                    </a:lnL>
+                    <a:lnR w="6350" cap="flat" cmpd="sng" algn="ctr">
+                      <a:solidFill>
+                        <a:srgbClr val="000000"/>
+                      </a:solidFill>
+                      <a:prstDash val="solid"/>
+                      <a:round/>
+                      <a:headEnd type="none" w="med" len="med"/>
+                      <a:tailEnd type="none" w="med" len="med"/>
+                    </a:lnR>
+                    <a:lnT w="6350" cap="flat" cmpd="sng" algn="ctr">
+                      <a:solidFill>
+                        <a:srgbClr val="000000"/>
+                      </a:solidFill>
+                      <a:prstDash val="solid"/>
+                      <a:round/>
+                      <a:headEnd type="none" w="med" len="med"/>
+                      <a:tailEnd type="none" w="med" len="med"/>
+                    </a:lnT>
+                    <a:lnB w="6350" cap="flat" cmpd="sng" algn="ctr">
+                      <a:solidFill>
+                        <a:srgbClr val="000000"/>
+                      </a:solidFill>
+                      <a:prstDash val="solid"/>
+                      <a:round/>
+                      <a:headEnd type="none" w="med" len="med"/>
+                      <a:tailEnd type="none" w="med" len="med"/>
+                    </a:lnB>
+                    <a:solidFill>
+                      <a:schemeClr val="bg1"/>
+                    </a:solidFill>
+                  </a:tcPr>
+                </a:tc>
+                <a:extLst>
+                  <a:ext uri="{0D108BD9-81ED-4DB2-BD59-A6C34878D82A}">
+                    <a16:rowId xmlns:a16="http://schemas.microsoft.com/office/drawing/2014/main" val="3972221917"/>
+                  </a:ext>
+                </a:extLst>
+              </a:tr>
+              <a:tr h="182880">
+                <a:tc>
+                  <a:txBody>
+                    <a:bodyPr/>
+                    <a:lstStyle/>
+                    <a:p>
+                      <a:pPr algn="r" fontAlgn="b"/>
+                      <a:r>
+                        <a:rPr lang="en-CA" sz="1100" b="0" i="0" u="none" strike="noStrike">
+                          <a:solidFill>
+                            <a:srgbClr val="000000"/>
+                          </a:solidFill>
+                          <a:effectLst/>
+                          <a:latin typeface="Aptos Narrow" panose="020B0004020202020204" pitchFamily="34" charset="0"/>
+                        </a:rPr>
+                        <a:t>12</a:t>
+                      </a:r>
+                    </a:p>
+                  </a:txBody>
+                  <a:tcPr marL="7620" marR="7620" marT="7620" marB="0" anchor="b">
+                    <a:lnL w="6350" cap="flat" cmpd="sng" algn="ctr">
+                      <a:solidFill>
+                        <a:srgbClr val="000000"/>
+                      </a:solidFill>
+                      <a:prstDash val="solid"/>
+                      <a:round/>
+                      <a:headEnd type="none" w="med" len="med"/>
+                      <a:tailEnd type="none" w="med" len="med"/>
+                    </a:lnL>
+                    <a:lnR w="6350" cap="flat" cmpd="sng" algn="ctr">
+                      <a:solidFill>
+                        <a:srgbClr val="000000"/>
+                      </a:solidFill>
+                      <a:prstDash val="solid"/>
+                      <a:round/>
+                      <a:headEnd type="none" w="med" len="med"/>
+                      <a:tailEnd type="none" w="med" len="med"/>
+                    </a:lnR>
+                    <a:lnT w="6350" cap="flat" cmpd="sng" algn="ctr">
+                      <a:solidFill>
+                        <a:srgbClr val="000000"/>
+                      </a:solidFill>
+                      <a:prstDash val="solid"/>
+                      <a:round/>
+                      <a:headEnd type="none" w="med" len="med"/>
+                      <a:tailEnd type="none" w="med" len="med"/>
+                    </a:lnT>
+                    <a:lnB w="6350" cap="flat" cmpd="sng" algn="ctr">
+                      <a:solidFill>
+                        <a:srgbClr val="000000"/>
+                      </a:solidFill>
+                      <a:prstDash val="solid"/>
+                      <a:round/>
+                      <a:headEnd type="none" w="med" len="med"/>
+                      <a:tailEnd type="none" w="med" len="med"/>
+                    </a:lnB>
+                    <a:solidFill>
+                      <a:schemeClr val="bg1"/>
+                    </a:solidFill>
+                  </a:tcPr>
+                </a:tc>
+                <a:tc>
+                  <a:txBody>
+                    <a:bodyPr/>
+                    <a:lstStyle/>
+                    <a:p>
+                      <a:pPr algn="r" fontAlgn="b"/>
+                      <a:r>
+                        <a:rPr lang="en-CA" sz="1100" b="0" i="0" u="none" strike="noStrike">
+                          <a:solidFill>
+                            <a:srgbClr val="000000"/>
+                          </a:solidFill>
+                          <a:effectLst/>
+                          <a:latin typeface="Aptos Narrow" panose="020B0004020202020204" pitchFamily="34" charset="0"/>
+                        </a:rPr>
+                        <a:t>2</a:t>
+                      </a:r>
+                    </a:p>
+                  </a:txBody>
+                  <a:tcPr marL="7620" marR="7620" marT="7620" marB="0" anchor="b">
+                    <a:lnL w="6350" cap="flat" cmpd="sng" algn="ctr">
+                      <a:solidFill>
+                        <a:srgbClr val="000000"/>
+                      </a:solidFill>
+                      <a:prstDash val="solid"/>
+                      <a:round/>
+                      <a:headEnd type="none" w="med" len="med"/>
+                      <a:tailEnd type="none" w="med" len="med"/>
+                    </a:lnL>
+                    <a:lnR w="6350" cap="flat" cmpd="sng" algn="ctr">
+                      <a:solidFill>
+                        <a:srgbClr val="000000"/>
+                      </a:solidFill>
+                      <a:prstDash val="solid"/>
+                      <a:round/>
+                      <a:headEnd type="none" w="med" len="med"/>
+                      <a:tailEnd type="none" w="med" len="med"/>
+                    </a:lnR>
+                    <a:lnT w="6350" cap="flat" cmpd="sng" algn="ctr">
+                      <a:solidFill>
+                        <a:srgbClr val="000000"/>
+                      </a:solidFill>
+                      <a:prstDash val="solid"/>
+                      <a:round/>
+                      <a:headEnd type="none" w="med" len="med"/>
+                      <a:tailEnd type="none" w="med" len="med"/>
+                    </a:lnT>
+                    <a:lnB w="6350" cap="flat" cmpd="sng" algn="ctr">
+                      <a:solidFill>
+                        <a:srgbClr val="000000"/>
+                      </a:solidFill>
+                      <a:prstDash val="solid"/>
+                      <a:round/>
+                      <a:headEnd type="none" w="med" len="med"/>
+                      <a:tailEnd type="none" w="med" len="med"/>
+                    </a:lnB>
+                    <a:solidFill>
+                      <a:schemeClr val="bg1"/>
+                    </a:solidFill>
+                  </a:tcPr>
+                </a:tc>
+                <a:tc>
+                  <a:txBody>
+                    <a:bodyPr/>
+                    <a:lstStyle/>
+                    <a:p>
+                      <a:pPr algn="r" fontAlgn="b"/>
+                      <a:r>
+                        <a:rPr lang="en-CA" sz="1100" b="0" i="0" u="none" strike="noStrike">
+                          <a:solidFill>
+                            <a:srgbClr val="000000"/>
+                          </a:solidFill>
+                          <a:effectLst/>
+                          <a:latin typeface="Aptos Narrow" panose="020B0004020202020204" pitchFamily="34" charset="0"/>
+                        </a:rPr>
+                        <a:t>140</a:t>
+                      </a:r>
+                    </a:p>
+                  </a:txBody>
+                  <a:tcPr marL="7620" marR="7620" marT="7620" marB="0" anchor="b">
+                    <a:lnL w="6350" cap="flat" cmpd="sng" algn="ctr">
+                      <a:solidFill>
+                        <a:srgbClr val="000000"/>
+                      </a:solidFill>
+                      <a:prstDash val="solid"/>
+                      <a:round/>
+                      <a:headEnd type="none" w="med" len="med"/>
+                      <a:tailEnd type="none" w="med" len="med"/>
+                    </a:lnL>
+                    <a:lnR w="6350" cap="flat" cmpd="sng" algn="ctr">
+                      <a:solidFill>
+                        <a:srgbClr val="000000"/>
+                      </a:solidFill>
+                      <a:prstDash val="solid"/>
+                      <a:round/>
+                      <a:headEnd type="none" w="med" len="med"/>
+                      <a:tailEnd type="none" w="med" len="med"/>
+                    </a:lnR>
+                    <a:lnT w="6350" cap="flat" cmpd="sng" algn="ctr">
+                      <a:solidFill>
+                        <a:srgbClr val="000000"/>
+                      </a:solidFill>
+                      <a:prstDash val="solid"/>
+                      <a:round/>
+                      <a:headEnd type="none" w="med" len="med"/>
+                      <a:tailEnd type="none" w="med" len="med"/>
+                    </a:lnT>
+                    <a:lnB w="6350" cap="flat" cmpd="sng" algn="ctr">
+                      <a:solidFill>
+                        <a:srgbClr val="000000"/>
+                      </a:solidFill>
+                      <a:prstDash val="solid"/>
+                      <a:round/>
+                      <a:headEnd type="none" w="med" len="med"/>
+                      <a:tailEnd type="none" w="med" len="med"/>
+                    </a:lnB>
+                    <a:solidFill>
+                      <a:schemeClr val="bg1"/>
+                    </a:solidFill>
+                  </a:tcPr>
+                </a:tc>
+                <a:tc>
+                  <a:txBody>
+                    <a:bodyPr/>
+                    <a:lstStyle/>
+                    <a:p>
+                      <a:pPr algn="r" fontAlgn="b"/>
+                      <a:r>
+                        <a:rPr lang="en-CA" sz="1100" b="0" i="0" u="none" strike="noStrike">
+                          <a:solidFill>
+                            <a:srgbClr val="000000"/>
+                          </a:solidFill>
+                          <a:effectLst/>
+                          <a:latin typeface="Aptos Narrow" panose="020B0004020202020204" pitchFamily="34" charset="0"/>
+                        </a:rPr>
+                        <a:t>656</a:t>
+                      </a:r>
+                    </a:p>
+                  </a:txBody>
+                  <a:tcPr marL="7620" marR="7620" marT="7620" marB="0" anchor="b">
+                    <a:lnL w="6350" cap="flat" cmpd="sng" algn="ctr">
+                      <a:solidFill>
+                        <a:srgbClr val="000000"/>
+                      </a:solidFill>
+                      <a:prstDash val="solid"/>
+                      <a:round/>
+                      <a:headEnd type="none" w="med" len="med"/>
+                      <a:tailEnd type="none" w="med" len="med"/>
+                    </a:lnL>
+                    <a:lnR w="6350" cap="flat" cmpd="sng" algn="ctr">
+                      <a:solidFill>
+                        <a:srgbClr val="000000"/>
+                      </a:solidFill>
+                      <a:prstDash val="solid"/>
+                      <a:round/>
+                      <a:headEnd type="none" w="med" len="med"/>
+                      <a:tailEnd type="none" w="med" len="med"/>
+                    </a:lnR>
+                    <a:lnT w="6350" cap="flat" cmpd="sng" algn="ctr">
+                      <a:solidFill>
+                        <a:srgbClr val="000000"/>
+                      </a:solidFill>
+                      <a:prstDash val="solid"/>
+                      <a:round/>
+                      <a:headEnd type="none" w="med" len="med"/>
+                      <a:tailEnd type="none" w="med" len="med"/>
+                    </a:lnT>
+                    <a:lnB w="6350" cap="flat" cmpd="sng" algn="ctr">
+                      <a:solidFill>
+                        <a:srgbClr val="000000"/>
+                      </a:solidFill>
+                      <a:prstDash val="solid"/>
+                      <a:round/>
+                      <a:headEnd type="none" w="med" len="med"/>
+                      <a:tailEnd type="none" w="med" len="med"/>
+                    </a:lnB>
+                    <a:solidFill>
+                      <a:schemeClr val="bg1"/>
+                    </a:solidFill>
+                  </a:tcPr>
+                </a:tc>
+                <a:extLst>
+                  <a:ext uri="{0D108BD9-81ED-4DB2-BD59-A6C34878D82A}">
+                    <a16:rowId xmlns:a16="http://schemas.microsoft.com/office/drawing/2014/main" val="135821798"/>
+                  </a:ext>
+                </a:extLst>
+              </a:tr>
+              <a:tr h="182880">
+                <a:tc>
+                  <a:txBody>
+                    <a:bodyPr/>
+                    <a:lstStyle/>
+                    <a:p>
+                      <a:pPr algn="r" fontAlgn="b"/>
+                      <a:r>
+                        <a:rPr lang="en-CA" sz="1100" b="0" i="0" u="none" strike="noStrike">
+                          <a:solidFill>
+                            <a:srgbClr val="000000"/>
+                          </a:solidFill>
+                          <a:effectLst/>
+                          <a:latin typeface="Aptos Narrow" panose="020B0004020202020204" pitchFamily="34" charset="0"/>
+                        </a:rPr>
+                        <a:t>4</a:t>
+                      </a:r>
+                    </a:p>
+                  </a:txBody>
+                  <a:tcPr marL="7620" marR="7620" marT="7620" marB="0" anchor="b">
+                    <a:lnL w="6350" cap="flat" cmpd="sng" algn="ctr">
+                      <a:solidFill>
+                        <a:srgbClr val="000000"/>
+                      </a:solidFill>
+                      <a:prstDash val="solid"/>
+                      <a:round/>
+                      <a:headEnd type="none" w="med" len="med"/>
+                      <a:tailEnd type="none" w="med" len="med"/>
+                    </a:lnL>
+                    <a:lnR w="6350" cap="flat" cmpd="sng" algn="ctr">
+                      <a:solidFill>
+                        <a:srgbClr val="000000"/>
+                      </a:solidFill>
+                      <a:prstDash val="solid"/>
+                      <a:round/>
+                      <a:headEnd type="none" w="med" len="med"/>
+                      <a:tailEnd type="none" w="med" len="med"/>
+                    </a:lnR>
+                    <a:lnT w="6350" cap="flat" cmpd="sng" algn="ctr">
+                      <a:solidFill>
+                        <a:srgbClr val="000000"/>
+                      </a:solidFill>
+                      <a:prstDash val="solid"/>
+                      <a:round/>
+                      <a:headEnd type="none" w="med" len="med"/>
+                      <a:tailEnd type="none" w="med" len="med"/>
+                    </a:lnT>
+                    <a:lnB w="6350" cap="flat" cmpd="sng" algn="ctr">
+                      <a:solidFill>
+                        <a:srgbClr val="000000"/>
+                      </a:solidFill>
+                      <a:prstDash val="solid"/>
+                      <a:round/>
+                      <a:headEnd type="none" w="med" len="med"/>
+                      <a:tailEnd type="none" w="med" len="med"/>
+                    </a:lnB>
+                    <a:solidFill>
+                      <a:schemeClr val="bg1"/>
+                    </a:solidFill>
+                  </a:tcPr>
+                </a:tc>
+                <a:tc>
+                  <a:txBody>
+                    <a:bodyPr/>
+                    <a:lstStyle/>
+                    <a:p>
+                      <a:pPr algn="r" fontAlgn="b"/>
+                      <a:r>
+                        <a:rPr lang="en-CA" sz="1100" b="0" i="0" u="none" strike="noStrike">
+                          <a:solidFill>
+                            <a:srgbClr val="000000"/>
+                          </a:solidFill>
+                          <a:effectLst/>
+                          <a:latin typeface="Aptos Narrow" panose="020B0004020202020204" pitchFamily="34" charset="0"/>
+                        </a:rPr>
+                        <a:t>2</a:t>
+                      </a:r>
+                    </a:p>
+                  </a:txBody>
+                  <a:tcPr marL="7620" marR="7620" marT="7620" marB="0" anchor="b">
+                    <a:lnL w="6350" cap="flat" cmpd="sng" algn="ctr">
+                      <a:solidFill>
+                        <a:srgbClr val="000000"/>
+                      </a:solidFill>
+                      <a:prstDash val="solid"/>
+                      <a:round/>
+                      <a:headEnd type="none" w="med" len="med"/>
+                      <a:tailEnd type="none" w="med" len="med"/>
+                    </a:lnL>
+                    <a:lnR w="6350" cap="flat" cmpd="sng" algn="ctr">
+                      <a:solidFill>
+                        <a:srgbClr val="000000"/>
+                      </a:solidFill>
+                      <a:prstDash val="solid"/>
+                      <a:round/>
+                      <a:headEnd type="none" w="med" len="med"/>
+                      <a:tailEnd type="none" w="med" len="med"/>
+                    </a:lnR>
+                    <a:lnT w="6350" cap="flat" cmpd="sng" algn="ctr">
+                      <a:solidFill>
+                        <a:srgbClr val="000000"/>
+                      </a:solidFill>
+                      <a:prstDash val="solid"/>
+                      <a:round/>
+                      <a:headEnd type="none" w="med" len="med"/>
+                      <a:tailEnd type="none" w="med" len="med"/>
+                    </a:lnT>
+                    <a:lnB w="6350" cap="flat" cmpd="sng" algn="ctr">
+                      <a:solidFill>
+                        <a:srgbClr val="000000"/>
+                      </a:solidFill>
+                      <a:prstDash val="solid"/>
+                      <a:round/>
+                      <a:headEnd type="none" w="med" len="med"/>
+                      <a:tailEnd type="none" w="med" len="med"/>
+                    </a:lnB>
+                    <a:solidFill>
+                      <a:schemeClr val="bg1"/>
+                    </a:solidFill>
+                  </a:tcPr>
+                </a:tc>
+                <a:tc>
+                  <a:txBody>
+                    <a:bodyPr/>
+                    <a:lstStyle/>
+                    <a:p>
+                      <a:pPr algn="r" fontAlgn="b"/>
+                      <a:r>
+                        <a:rPr lang="en-CA" sz="1100" b="0" i="0" u="none" strike="noStrike">
+                          <a:solidFill>
+                            <a:srgbClr val="000000"/>
+                          </a:solidFill>
+                          <a:effectLst/>
+                          <a:latin typeface="Aptos Narrow" panose="020B0004020202020204" pitchFamily="34" charset="0"/>
+                        </a:rPr>
+                        <a:t>269</a:t>
+                      </a:r>
+                    </a:p>
+                  </a:txBody>
+                  <a:tcPr marL="7620" marR="7620" marT="7620" marB="0" anchor="b">
+                    <a:lnL w="6350" cap="flat" cmpd="sng" algn="ctr">
+                      <a:solidFill>
+                        <a:srgbClr val="000000"/>
+                      </a:solidFill>
+                      <a:prstDash val="solid"/>
+                      <a:round/>
+                      <a:headEnd type="none" w="med" len="med"/>
+                      <a:tailEnd type="none" w="med" len="med"/>
+                    </a:lnL>
+                    <a:lnR w="6350" cap="flat" cmpd="sng" algn="ctr">
+                      <a:solidFill>
+                        <a:srgbClr val="000000"/>
+                      </a:solidFill>
+                      <a:prstDash val="solid"/>
+                      <a:round/>
+                      <a:headEnd type="none" w="med" len="med"/>
+                      <a:tailEnd type="none" w="med" len="med"/>
+                    </a:lnR>
+                    <a:lnT w="6350" cap="flat" cmpd="sng" algn="ctr">
+                      <a:solidFill>
+                        <a:srgbClr val="000000"/>
+                      </a:solidFill>
+                      <a:prstDash val="solid"/>
+                      <a:round/>
+                      <a:headEnd type="none" w="med" len="med"/>
+                      <a:tailEnd type="none" w="med" len="med"/>
+                    </a:lnT>
+                    <a:lnB w="6350" cap="flat" cmpd="sng" algn="ctr">
+                      <a:solidFill>
+                        <a:srgbClr val="000000"/>
+                      </a:solidFill>
+                      <a:prstDash val="solid"/>
+                      <a:round/>
+                      <a:headEnd type="none" w="med" len="med"/>
+                      <a:tailEnd type="none" w="med" len="med"/>
+                    </a:lnB>
+                    <a:solidFill>
+                      <a:schemeClr val="bg1"/>
+                    </a:solidFill>
+                  </a:tcPr>
+                </a:tc>
+                <a:tc>
+                  <a:txBody>
+                    <a:bodyPr/>
+                    <a:lstStyle/>
+                    <a:p>
+                      <a:pPr algn="r" fontAlgn="b"/>
+                      <a:r>
+                        <a:rPr lang="en-CA" sz="1100" b="0" i="0" u="none" strike="noStrike">
+                          <a:solidFill>
+                            <a:srgbClr val="000000"/>
+                          </a:solidFill>
+                          <a:effectLst/>
+                          <a:latin typeface="Aptos Narrow" panose="020B0004020202020204" pitchFamily="34" charset="0"/>
+                        </a:rPr>
+                        <a:t>623</a:t>
+                      </a:r>
+                    </a:p>
+                  </a:txBody>
+                  <a:tcPr marL="7620" marR="7620" marT="7620" marB="0" anchor="b">
+                    <a:lnL w="6350" cap="flat" cmpd="sng" algn="ctr">
+                      <a:solidFill>
+                        <a:srgbClr val="000000"/>
+                      </a:solidFill>
+                      <a:prstDash val="solid"/>
+                      <a:round/>
+                      <a:headEnd type="none" w="med" len="med"/>
+                      <a:tailEnd type="none" w="med" len="med"/>
+                    </a:lnL>
+                    <a:lnR w="6350" cap="flat" cmpd="sng" algn="ctr">
+                      <a:solidFill>
+                        <a:srgbClr val="000000"/>
+                      </a:solidFill>
+                      <a:prstDash val="solid"/>
+                      <a:round/>
+                      <a:headEnd type="none" w="med" len="med"/>
+                      <a:tailEnd type="none" w="med" len="med"/>
+                    </a:lnR>
+                    <a:lnT w="6350" cap="flat" cmpd="sng" algn="ctr">
+                      <a:solidFill>
+                        <a:srgbClr val="000000"/>
+                      </a:solidFill>
+                      <a:prstDash val="solid"/>
+                      <a:round/>
+                      <a:headEnd type="none" w="med" len="med"/>
+                      <a:tailEnd type="none" w="med" len="med"/>
+                    </a:lnT>
+                    <a:lnB w="6350" cap="flat" cmpd="sng" algn="ctr">
+                      <a:solidFill>
+                        <a:srgbClr val="000000"/>
+                      </a:solidFill>
+                      <a:prstDash val="solid"/>
+                      <a:round/>
+                      <a:headEnd type="none" w="med" len="med"/>
+                      <a:tailEnd type="none" w="med" len="med"/>
+                    </a:lnB>
+                    <a:solidFill>
+                      <a:schemeClr val="bg1"/>
+                    </a:solidFill>
+                  </a:tcPr>
+                </a:tc>
+                <a:extLst>
+                  <a:ext uri="{0D108BD9-81ED-4DB2-BD59-A6C34878D82A}">
+                    <a16:rowId xmlns:a16="http://schemas.microsoft.com/office/drawing/2014/main" val="352832134"/>
+                  </a:ext>
+                </a:extLst>
+              </a:tr>
+              <a:tr h="182880">
+                <a:tc>
+                  <a:txBody>
+                    <a:bodyPr/>
+                    <a:lstStyle/>
+                    <a:p>
+                      <a:pPr algn="r" fontAlgn="b"/>
+                      <a:r>
+                        <a:rPr lang="en-CA" sz="1100" b="0" i="0" u="none" strike="noStrike">
+                          <a:solidFill>
+                            <a:srgbClr val="000000"/>
+                          </a:solidFill>
+                          <a:effectLst/>
+                          <a:latin typeface="Aptos Narrow" panose="020B0004020202020204" pitchFamily="34" charset="0"/>
+                        </a:rPr>
+                        <a:t>4</a:t>
+                      </a:r>
+                    </a:p>
+                  </a:txBody>
+                  <a:tcPr marL="7620" marR="7620" marT="7620" marB="0" anchor="b">
+                    <a:lnL w="6350" cap="flat" cmpd="sng" algn="ctr">
+                      <a:solidFill>
+                        <a:srgbClr val="000000"/>
+                      </a:solidFill>
+                      <a:prstDash val="solid"/>
+                      <a:round/>
+                      <a:headEnd type="none" w="med" len="med"/>
+                      <a:tailEnd type="none" w="med" len="med"/>
+                    </a:lnL>
+                    <a:lnR w="6350" cap="flat" cmpd="sng" algn="ctr">
+                      <a:solidFill>
+                        <a:srgbClr val="000000"/>
+                      </a:solidFill>
+                      <a:prstDash val="solid"/>
+                      <a:round/>
+                      <a:headEnd type="none" w="med" len="med"/>
+                      <a:tailEnd type="none" w="med" len="med"/>
+                    </a:lnR>
+                    <a:lnT w="6350" cap="flat" cmpd="sng" algn="ctr">
+                      <a:solidFill>
+                        <a:srgbClr val="000000"/>
+                      </a:solidFill>
+                      <a:prstDash val="solid"/>
+                      <a:round/>
+                      <a:headEnd type="none" w="med" len="med"/>
+                      <a:tailEnd type="none" w="med" len="med"/>
+                    </a:lnT>
+                    <a:lnB w="6350" cap="flat" cmpd="sng" algn="ctr">
+                      <a:solidFill>
+                        <a:srgbClr val="000000"/>
+                      </a:solidFill>
+                      <a:prstDash val="solid"/>
+                      <a:round/>
+                      <a:headEnd type="none" w="med" len="med"/>
+                      <a:tailEnd type="none" w="med" len="med"/>
+                    </a:lnB>
+                    <a:solidFill>
+                      <a:schemeClr val="bg1"/>
+                    </a:solidFill>
+                  </a:tcPr>
+                </a:tc>
+                <a:tc>
+                  <a:txBody>
+                    <a:bodyPr/>
+                    <a:lstStyle/>
+                    <a:p>
+                      <a:pPr algn="r" fontAlgn="b"/>
+                      <a:r>
+                        <a:rPr lang="en-CA" sz="1100" b="0" i="0" u="none" strike="noStrike">
+                          <a:solidFill>
+                            <a:srgbClr val="000000"/>
+                          </a:solidFill>
+                          <a:effectLst/>
+                          <a:latin typeface="Aptos Narrow" panose="020B0004020202020204" pitchFamily="34" charset="0"/>
+                        </a:rPr>
+                        <a:t>3</a:t>
+                      </a:r>
+                    </a:p>
+                  </a:txBody>
+                  <a:tcPr marL="7620" marR="7620" marT="7620" marB="0" anchor="b">
+                    <a:lnL w="6350" cap="flat" cmpd="sng" algn="ctr">
+                      <a:solidFill>
+                        <a:srgbClr val="000000"/>
+                      </a:solidFill>
+                      <a:prstDash val="solid"/>
+                      <a:round/>
+                      <a:headEnd type="none" w="med" len="med"/>
+                      <a:tailEnd type="none" w="med" len="med"/>
+                    </a:lnL>
+                    <a:lnR w="6350" cap="flat" cmpd="sng" algn="ctr">
+                      <a:solidFill>
+                        <a:srgbClr val="000000"/>
+                      </a:solidFill>
+                      <a:prstDash val="solid"/>
+                      <a:round/>
+                      <a:headEnd type="none" w="med" len="med"/>
+                      <a:tailEnd type="none" w="med" len="med"/>
+                    </a:lnR>
+                    <a:lnT w="6350" cap="flat" cmpd="sng" algn="ctr">
+                      <a:solidFill>
+                        <a:srgbClr val="000000"/>
+                      </a:solidFill>
+                      <a:prstDash val="solid"/>
+                      <a:round/>
+                      <a:headEnd type="none" w="med" len="med"/>
+                      <a:tailEnd type="none" w="med" len="med"/>
+                    </a:lnT>
+                    <a:lnB w="6350" cap="flat" cmpd="sng" algn="ctr">
+                      <a:solidFill>
+                        <a:srgbClr val="000000"/>
+                      </a:solidFill>
+                      <a:prstDash val="solid"/>
+                      <a:round/>
+                      <a:headEnd type="none" w="med" len="med"/>
+                      <a:tailEnd type="none" w="med" len="med"/>
+                    </a:lnB>
+                    <a:solidFill>
+                      <a:schemeClr val="bg1"/>
+                    </a:solidFill>
+                  </a:tcPr>
+                </a:tc>
+                <a:tc>
+                  <a:txBody>
+                    <a:bodyPr/>
+                    <a:lstStyle/>
+                    <a:p>
+                      <a:pPr algn="r" fontAlgn="b"/>
+                      <a:r>
+                        <a:rPr lang="en-CA" sz="1100" b="0" i="0" u="none" strike="noStrike">
+                          <a:solidFill>
+                            <a:srgbClr val="000000"/>
+                          </a:solidFill>
+                          <a:effectLst/>
+                          <a:latin typeface="Aptos Narrow" panose="020B0004020202020204" pitchFamily="34" charset="0"/>
+                        </a:rPr>
+                        <a:t>251</a:t>
+                      </a:r>
+                    </a:p>
+                  </a:txBody>
+                  <a:tcPr marL="7620" marR="7620" marT="7620" marB="0" anchor="b">
+                    <a:lnL w="6350" cap="flat" cmpd="sng" algn="ctr">
+                      <a:solidFill>
+                        <a:srgbClr val="000000"/>
+                      </a:solidFill>
+                      <a:prstDash val="solid"/>
+                      <a:round/>
+                      <a:headEnd type="none" w="med" len="med"/>
+                      <a:tailEnd type="none" w="med" len="med"/>
+                    </a:lnL>
+                    <a:lnR w="6350" cap="flat" cmpd="sng" algn="ctr">
+                      <a:solidFill>
+                        <a:srgbClr val="000000"/>
+                      </a:solidFill>
+                      <a:prstDash val="solid"/>
+                      <a:round/>
+                      <a:headEnd type="none" w="med" len="med"/>
+                      <a:tailEnd type="none" w="med" len="med"/>
+                    </a:lnR>
+                    <a:lnT w="6350" cap="flat" cmpd="sng" algn="ctr">
+                      <a:solidFill>
+                        <a:srgbClr val="000000"/>
+                      </a:solidFill>
+                      <a:prstDash val="solid"/>
+                      <a:round/>
+                      <a:headEnd type="none" w="med" len="med"/>
+                      <a:tailEnd type="none" w="med" len="med"/>
+                    </a:lnT>
+                    <a:lnB w="6350" cap="flat" cmpd="sng" algn="ctr">
+                      <a:solidFill>
+                        <a:srgbClr val="000000"/>
+                      </a:solidFill>
+                      <a:prstDash val="solid"/>
+                      <a:round/>
+                      <a:headEnd type="none" w="med" len="med"/>
+                      <a:tailEnd type="none" w="med" len="med"/>
+                    </a:lnB>
+                    <a:solidFill>
+                      <a:schemeClr val="bg1"/>
+                    </a:solidFill>
+                  </a:tcPr>
+                </a:tc>
+                <a:tc>
+                  <a:txBody>
+                    <a:bodyPr/>
+                    <a:lstStyle/>
+                    <a:p>
+                      <a:pPr algn="r" fontAlgn="b"/>
+                      <a:r>
+                        <a:rPr lang="en-CA" sz="1100" b="0" i="0" u="none" strike="noStrike">
+                          <a:solidFill>
+                            <a:srgbClr val="000000"/>
+                          </a:solidFill>
+                          <a:effectLst/>
+                          <a:latin typeface="Aptos Narrow" panose="020B0004020202020204" pitchFamily="34" charset="0"/>
+                        </a:rPr>
+                        <a:t>628</a:t>
+                      </a:r>
+                    </a:p>
+                  </a:txBody>
+                  <a:tcPr marL="7620" marR="7620" marT="7620" marB="0" anchor="b">
+                    <a:lnL w="6350" cap="flat" cmpd="sng" algn="ctr">
+                      <a:solidFill>
+                        <a:srgbClr val="000000"/>
+                      </a:solidFill>
+                      <a:prstDash val="solid"/>
+                      <a:round/>
+                      <a:headEnd type="none" w="med" len="med"/>
+                      <a:tailEnd type="none" w="med" len="med"/>
+                    </a:lnL>
+                    <a:lnR w="6350" cap="flat" cmpd="sng" algn="ctr">
+                      <a:solidFill>
+                        <a:srgbClr val="000000"/>
+                      </a:solidFill>
+                      <a:prstDash val="solid"/>
+                      <a:round/>
+                      <a:headEnd type="none" w="med" len="med"/>
+                      <a:tailEnd type="none" w="med" len="med"/>
+                    </a:lnR>
+                    <a:lnT w="6350" cap="flat" cmpd="sng" algn="ctr">
+                      <a:solidFill>
+                        <a:srgbClr val="000000"/>
+                      </a:solidFill>
+                      <a:prstDash val="solid"/>
+                      <a:round/>
+                      <a:headEnd type="none" w="med" len="med"/>
+                      <a:tailEnd type="none" w="med" len="med"/>
+                    </a:lnT>
+                    <a:lnB w="6350" cap="flat" cmpd="sng" algn="ctr">
+                      <a:solidFill>
+                        <a:srgbClr val="000000"/>
+                      </a:solidFill>
+                      <a:prstDash val="solid"/>
+                      <a:round/>
+                      <a:headEnd type="none" w="med" len="med"/>
+                      <a:tailEnd type="none" w="med" len="med"/>
+                    </a:lnB>
+                    <a:solidFill>
+                      <a:schemeClr val="bg1"/>
+                    </a:solidFill>
+                  </a:tcPr>
+                </a:tc>
+                <a:extLst>
+                  <a:ext uri="{0D108BD9-81ED-4DB2-BD59-A6C34878D82A}">
+                    <a16:rowId xmlns:a16="http://schemas.microsoft.com/office/drawing/2014/main" val="2633281499"/>
+                  </a:ext>
+                </a:extLst>
+              </a:tr>
+              <a:tr h="182880">
+                <a:tc>
+                  <a:txBody>
+                    <a:bodyPr/>
+                    <a:lstStyle/>
+                    <a:p>
+                      <a:pPr algn="r" fontAlgn="b"/>
+                      <a:r>
+                        <a:rPr lang="en-CA" sz="1100" b="0" i="0" u="none" strike="noStrike">
+                          <a:solidFill>
+                            <a:srgbClr val="000000"/>
+                          </a:solidFill>
+                          <a:effectLst/>
+                          <a:latin typeface="Aptos Narrow" panose="020B0004020202020204" pitchFamily="34" charset="0"/>
+                        </a:rPr>
+                        <a:t>16</a:t>
+                      </a:r>
+                    </a:p>
+                  </a:txBody>
+                  <a:tcPr marL="7620" marR="7620" marT="7620" marB="0" anchor="b">
+                    <a:lnL w="6350" cap="flat" cmpd="sng" algn="ctr">
+                      <a:solidFill>
+                        <a:srgbClr val="000000"/>
+                      </a:solidFill>
+                      <a:prstDash val="solid"/>
+                      <a:round/>
+                      <a:headEnd type="none" w="med" len="med"/>
+                      <a:tailEnd type="none" w="med" len="med"/>
+                    </a:lnL>
+                    <a:lnR w="6350" cap="flat" cmpd="sng" algn="ctr">
+                      <a:solidFill>
+                        <a:srgbClr val="000000"/>
+                      </a:solidFill>
+                      <a:prstDash val="solid"/>
+                      <a:round/>
+                      <a:headEnd type="none" w="med" len="med"/>
+                      <a:tailEnd type="none" w="med" len="med"/>
+                    </a:lnR>
+                    <a:lnT w="6350" cap="flat" cmpd="sng" algn="ctr">
+                      <a:solidFill>
+                        <a:srgbClr val="000000"/>
+                      </a:solidFill>
+                      <a:prstDash val="solid"/>
+                      <a:round/>
+                      <a:headEnd type="none" w="med" len="med"/>
+                      <a:tailEnd type="none" w="med" len="med"/>
+                    </a:lnT>
+                    <a:lnB w="6350" cap="flat" cmpd="sng" algn="ctr">
+                      <a:solidFill>
+                        <a:srgbClr val="000000"/>
+                      </a:solidFill>
+                      <a:prstDash val="solid"/>
+                      <a:round/>
+                      <a:headEnd type="none" w="med" len="med"/>
+                      <a:tailEnd type="none" w="med" len="med"/>
+                    </a:lnB>
+                    <a:solidFill>
+                      <a:schemeClr val="bg1"/>
+                    </a:solidFill>
+                  </a:tcPr>
+                </a:tc>
+                <a:tc>
+                  <a:txBody>
+                    <a:bodyPr/>
+                    <a:lstStyle/>
+                    <a:p>
+                      <a:pPr algn="r" fontAlgn="b"/>
+                      <a:r>
+                        <a:rPr lang="en-CA" sz="1100" b="0" i="0" u="none" strike="noStrike">
+                          <a:solidFill>
+                            <a:srgbClr val="000000"/>
+                          </a:solidFill>
+                          <a:effectLst/>
+                          <a:latin typeface="Aptos Narrow" panose="020B0004020202020204" pitchFamily="34" charset="0"/>
+                        </a:rPr>
+                        <a:t>2</a:t>
+                      </a:r>
+                    </a:p>
+                  </a:txBody>
+                  <a:tcPr marL="7620" marR="7620" marT="7620" marB="0" anchor="b">
+                    <a:lnL w="6350" cap="flat" cmpd="sng" algn="ctr">
+                      <a:solidFill>
+                        <a:srgbClr val="000000"/>
+                      </a:solidFill>
+                      <a:prstDash val="solid"/>
+                      <a:round/>
+                      <a:headEnd type="none" w="med" len="med"/>
+                      <a:tailEnd type="none" w="med" len="med"/>
+                    </a:lnL>
+                    <a:lnR w="6350" cap="flat" cmpd="sng" algn="ctr">
+                      <a:solidFill>
+                        <a:srgbClr val="000000"/>
+                      </a:solidFill>
+                      <a:prstDash val="solid"/>
+                      <a:round/>
+                      <a:headEnd type="none" w="med" len="med"/>
+                      <a:tailEnd type="none" w="med" len="med"/>
+                    </a:lnR>
+                    <a:lnT w="6350" cap="flat" cmpd="sng" algn="ctr">
+                      <a:solidFill>
+                        <a:srgbClr val="000000"/>
+                      </a:solidFill>
+                      <a:prstDash val="solid"/>
+                      <a:round/>
+                      <a:headEnd type="none" w="med" len="med"/>
+                      <a:tailEnd type="none" w="med" len="med"/>
+                    </a:lnT>
+                    <a:lnB w="6350" cap="flat" cmpd="sng" algn="ctr">
+                      <a:solidFill>
+                        <a:srgbClr val="000000"/>
+                      </a:solidFill>
+                      <a:prstDash val="solid"/>
+                      <a:round/>
+                      <a:headEnd type="none" w="med" len="med"/>
+                      <a:tailEnd type="none" w="med" len="med"/>
+                    </a:lnB>
+                    <a:solidFill>
+                      <a:schemeClr val="bg1"/>
+                    </a:solidFill>
+                  </a:tcPr>
+                </a:tc>
+                <a:tc>
+                  <a:txBody>
+                    <a:bodyPr/>
+                    <a:lstStyle/>
+                    <a:p>
+                      <a:pPr algn="r" fontAlgn="b"/>
+                      <a:r>
+                        <a:rPr lang="en-CA" sz="1100" b="0" i="0" u="none" strike="noStrike">
+                          <a:solidFill>
+                            <a:srgbClr val="000000"/>
+                          </a:solidFill>
+                          <a:effectLst/>
+                          <a:latin typeface="Aptos Narrow" panose="020B0004020202020204" pitchFamily="34" charset="0"/>
+                        </a:rPr>
+                        <a:t>119</a:t>
+                      </a:r>
+                    </a:p>
+                  </a:txBody>
+                  <a:tcPr marL="7620" marR="7620" marT="7620" marB="0" anchor="b">
+                    <a:lnL w="6350" cap="flat" cmpd="sng" algn="ctr">
+                      <a:solidFill>
+                        <a:srgbClr val="000000"/>
+                      </a:solidFill>
+                      <a:prstDash val="solid"/>
+                      <a:round/>
+                      <a:headEnd type="none" w="med" len="med"/>
+                      <a:tailEnd type="none" w="med" len="med"/>
+                    </a:lnL>
+                    <a:lnR w="6350" cap="flat" cmpd="sng" algn="ctr">
+                      <a:solidFill>
+                        <a:srgbClr val="000000"/>
+                      </a:solidFill>
+                      <a:prstDash val="solid"/>
+                      <a:round/>
+                      <a:headEnd type="none" w="med" len="med"/>
+                      <a:tailEnd type="none" w="med" len="med"/>
+                    </a:lnR>
+                    <a:lnT w="6350" cap="flat" cmpd="sng" algn="ctr">
+                      <a:solidFill>
+                        <a:srgbClr val="000000"/>
+                      </a:solidFill>
+                      <a:prstDash val="solid"/>
+                      <a:round/>
+                      <a:headEnd type="none" w="med" len="med"/>
+                      <a:tailEnd type="none" w="med" len="med"/>
+                    </a:lnT>
+                    <a:lnB w="6350" cap="flat" cmpd="sng" algn="ctr">
+                      <a:solidFill>
+                        <a:srgbClr val="000000"/>
+                      </a:solidFill>
+                      <a:prstDash val="solid"/>
+                      <a:round/>
+                      <a:headEnd type="none" w="med" len="med"/>
+                      <a:tailEnd type="none" w="med" len="med"/>
+                    </a:lnB>
+                    <a:solidFill>
+                      <a:schemeClr val="bg1"/>
+                    </a:solidFill>
+                  </a:tcPr>
+                </a:tc>
+                <a:tc>
+                  <a:txBody>
+                    <a:bodyPr/>
+                    <a:lstStyle/>
+                    <a:p>
+                      <a:pPr algn="r" fontAlgn="b"/>
+                      <a:r>
+                        <a:rPr lang="en-CA" sz="1100" b="0" i="0" u="none" strike="noStrike">
+                          <a:solidFill>
+                            <a:srgbClr val="000000"/>
+                          </a:solidFill>
+                          <a:effectLst/>
+                          <a:latin typeface="Aptos Narrow" panose="020B0004020202020204" pitchFamily="34" charset="0"/>
+                        </a:rPr>
+                        <a:t>771</a:t>
+                      </a:r>
+                    </a:p>
+                  </a:txBody>
+                  <a:tcPr marL="7620" marR="7620" marT="7620" marB="0" anchor="b">
+                    <a:lnL w="6350" cap="flat" cmpd="sng" algn="ctr">
+                      <a:solidFill>
+                        <a:srgbClr val="000000"/>
+                      </a:solidFill>
+                      <a:prstDash val="solid"/>
+                      <a:round/>
+                      <a:headEnd type="none" w="med" len="med"/>
+                      <a:tailEnd type="none" w="med" len="med"/>
+                    </a:lnL>
+                    <a:lnR w="6350" cap="flat" cmpd="sng" algn="ctr">
+                      <a:solidFill>
+                        <a:srgbClr val="000000"/>
+                      </a:solidFill>
+                      <a:prstDash val="solid"/>
+                      <a:round/>
+                      <a:headEnd type="none" w="med" len="med"/>
+                      <a:tailEnd type="none" w="med" len="med"/>
+                    </a:lnR>
+                    <a:lnT w="6350" cap="flat" cmpd="sng" algn="ctr">
+                      <a:solidFill>
+                        <a:srgbClr val="000000"/>
+                      </a:solidFill>
+                      <a:prstDash val="solid"/>
+                      <a:round/>
+                      <a:headEnd type="none" w="med" len="med"/>
+                      <a:tailEnd type="none" w="med" len="med"/>
+                    </a:lnT>
+                    <a:lnB w="6350" cap="flat" cmpd="sng" algn="ctr">
+                      <a:solidFill>
+                        <a:srgbClr val="000000"/>
+                      </a:solidFill>
+                      <a:prstDash val="solid"/>
+                      <a:round/>
+                      <a:headEnd type="none" w="med" len="med"/>
+                      <a:tailEnd type="none" w="med" len="med"/>
+                    </a:lnB>
+                    <a:solidFill>
+                      <a:schemeClr val="bg1"/>
+                    </a:solidFill>
+                  </a:tcPr>
+                </a:tc>
+                <a:extLst>
+                  <a:ext uri="{0D108BD9-81ED-4DB2-BD59-A6C34878D82A}">
+                    <a16:rowId xmlns:a16="http://schemas.microsoft.com/office/drawing/2014/main" val="3325346952"/>
+                  </a:ext>
+                </a:extLst>
+              </a:tr>
+              <a:tr h="182880">
+                <a:tc>
+                  <a:txBody>
+                    <a:bodyPr/>
+                    <a:lstStyle/>
+                    <a:p>
+                      <a:pPr algn="r" fontAlgn="b"/>
+                      <a:r>
+                        <a:rPr lang="en-CA" sz="1100" b="0" i="0" u="none" strike="noStrike" dirty="0">
+                          <a:solidFill>
+                            <a:srgbClr val="000000"/>
+                          </a:solidFill>
+                          <a:effectLst/>
+                          <a:highlight>
+                            <a:srgbClr val="FFFF00"/>
+                          </a:highlight>
+                          <a:latin typeface="Aptos Narrow" panose="020B0004020202020204" pitchFamily="34" charset="0"/>
+                        </a:rPr>
+                        <a:t>16</a:t>
+                      </a:r>
+                    </a:p>
+                  </a:txBody>
+                  <a:tcPr marL="7620" marR="7620" marT="7620" marB="0" anchor="b">
+                    <a:lnL w="6350" cap="flat" cmpd="sng" algn="ctr">
+                      <a:solidFill>
+                        <a:srgbClr val="000000"/>
+                      </a:solidFill>
+                      <a:prstDash val="solid"/>
+                      <a:round/>
+                      <a:headEnd type="none" w="med" len="med"/>
+                      <a:tailEnd type="none" w="med" len="med"/>
+                    </a:lnL>
+                    <a:lnR w="6350" cap="flat" cmpd="sng" algn="ctr">
+                      <a:solidFill>
+                        <a:srgbClr val="000000"/>
+                      </a:solidFill>
+                      <a:prstDash val="solid"/>
+                      <a:round/>
+                      <a:headEnd type="none" w="med" len="med"/>
+                      <a:tailEnd type="none" w="med" len="med"/>
+                    </a:lnR>
+                    <a:lnT w="6350" cap="flat" cmpd="sng" algn="ctr">
+                      <a:solidFill>
+                        <a:srgbClr val="000000"/>
+                      </a:solidFill>
+                      <a:prstDash val="solid"/>
+                      <a:round/>
+                      <a:headEnd type="none" w="med" len="med"/>
+                      <a:tailEnd type="none" w="med" len="med"/>
+                    </a:lnT>
+                    <a:lnB w="6350" cap="flat" cmpd="sng" algn="ctr">
+                      <a:solidFill>
+                        <a:srgbClr val="000000"/>
+                      </a:solidFill>
+                      <a:prstDash val="solid"/>
+                      <a:round/>
+                      <a:headEnd type="none" w="med" len="med"/>
+                      <a:tailEnd type="none" w="med" len="med"/>
+                    </a:lnB>
+                    <a:solidFill>
+                      <a:srgbClr val="FFFF00"/>
+                    </a:solidFill>
+                  </a:tcPr>
+                </a:tc>
+                <a:tc>
+                  <a:txBody>
+                    <a:bodyPr/>
+                    <a:lstStyle/>
+                    <a:p>
+                      <a:pPr algn="r" fontAlgn="b"/>
+                      <a:r>
+                        <a:rPr lang="en-CA" sz="1100" b="0" i="0" u="none" strike="noStrike" dirty="0">
+                          <a:solidFill>
+                            <a:srgbClr val="000000"/>
+                          </a:solidFill>
+                          <a:effectLst/>
+                          <a:highlight>
+                            <a:srgbClr val="FFFF00"/>
+                          </a:highlight>
+                          <a:latin typeface="Aptos Narrow" panose="020B0004020202020204" pitchFamily="34" charset="0"/>
+                        </a:rPr>
+                        <a:t>1</a:t>
+                      </a:r>
+                    </a:p>
+                  </a:txBody>
+                  <a:tcPr marL="7620" marR="7620" marT="7620" marB="0" anchor="b">
+                    <a:lnL w="6350" cap="flat" cmpd="sng" algn="ctr">
+                      <a:solidFill>
+                        <a:srgbClr val="000000"/>
+                      </a:solidFill>
+                      <a:prstDash val="solid"/>
+                      <a:round/>
+                      <a:headEnd type="none" w="med" len="med"/>
+                      <a:tailEnd type="none" w="med" len="med"/>
+                    </a:lnL>
+                    <a:lnR w="6350" cap="flat" cmpd="sng" algn="ctr">
+                      <a:solidFill>
+                        <a:srgbClr val="000000"/>
+                      </a:solidFill>
+                      <a:prstDash val="solid"/>
+                      <a:round/>
+                      <a:headEnd type="none" w="med" len="med"/>
+                      <a:tailEnd type="none" w="med" len="med"/>
+                    </a:lnR>
+                    <a:lnT w="6350" cap="flat" cmpd="sng" algn="ctr">
+                      <a:solidFill>
+                        <a:srgbClr val="000000"/>
+                      </a:solidFill>
+                      <a:prstDash val="solid"/>
+                      <a:round/>
+                      <a:headEnd type="none" w="med" len="med"/>
+                      <a:tailEnd type="none" w="med" len="med"/>
+                    </a:lnT>
+                    <a:lnB w="6350" cap="flat" cmpd="sng" algn="ctr">
+                      <a:solidFill>
+                        <a:srgbClr val="000000"/>
+                      </a:solidFill>
+                      <a:prstDash val="solid"/>
+                      <a:round/>
+                      <a:headEnd type="none" w="med" len="med"/>
+                      <a:tailEnd type="none" w="med" len="med"/>
+                    </a:lnB>
+                    <a:solidFill>
+                      <a:srgbClr val="FFFF00"/>
+                    </a:solidFill>
+                  </a:tcPr>
+                </a:tc>
+                <a:tc>
+                  <a:txBody>
+                    <a:bodyPr/>
+                    <a:lstStyle/>
+                    <a:p>
+                      <a:pPr algn="r" fontAlgn="b"/>
+                      <a:r>
+                        <a:rPr lang="en-CA" sz="1100" b="0" i="0" u="none" strike="noStrike" dirty="0">
+                          <a:solidFill>
+                            <a:srgbClr val="000000"/>
+                          </a:solidFill>
+                          <a:effectLst/>
+                          <a:highlight>
+                            <a:srgbClr val="FFFF00"/>
+                          </a:highlight>
+                          <a:latin typeface="Aptos Narrow" panose="020B0004020202020204" pitchFamily="34" charset="0"/>
+                        </a:rPr>
+                        <a:t>242</a:t>
+                      </a:r>
+                    </a:p>
+                  </a:txBody>
+                  <a:tcPr marL="7620" marR="7620" marT="7620" marB="0" anchor="b">
+                    <a:lnL w="6350" cap="flat" cmpd="sng" algn="ctr">
+                      <a:solidFill>
+                        <a:srgbClr val="000000"/>
+                      </a:solidFill>
+                      <a:prstDash val="solid"/>
+                      <a:round/>
+                      <a:headEnd type="none" w="med" len="med"/>
+                      <a:tailEnd type="none" w="med" len="med"/>
+                    </a:lnL>
+                    <a:lnR w="6350" cap="flat" cmpd="sng" algn="ctr">
+                      <a:solidFill>
+                        <a:srgbClr val="000000"/>
+                      </a:solidFill>
+                      <a:prstDash val="solid"/>
+                      <a:round/>
+                      <a:headEnd type="none" w="med" len="med"/>
+                      <a:tailEnd type="none" w="med" len="med"/>
+                    </a:lnR>
+                    <a:lnT w="6350" cap="flat" cmpd="sng" algn="ctr">
+                      <a:solidFill>
+                        <a:srgbClr val="000000"/>
+                      </a:solidFill>
+                      <a:prstDash val="solid"/>
+                      <a:round/>
+                      <a:headEnd type="none" w="med" len="med"/>
+                      <a:tailEnd type="none" w="med" len="med"/>
+                    </a:lnT>
+                    <a:lnB w="6350" cap="flat" cmpd="sng" algn="ctr">
+                      <a:solidFill>
+                        <a:srgbClr val="000000"/>
+                      </a:solidFill>
+                      <a:prstDash val="solid"/>
+                      <a:round/>
+                      <a:headEnd type="none" w="med" len="med"/>
+                      <a:tailEnd type="none" w="med" len="med"/>
+                    </a:lnB>
+                    <a:solidFill>
+                      <a:srgbClr val="FFFF00"/>
+                    </a:solidFill>
+                  </a:tcPr>
+                </a:tc>
+                <a:tc>
+                  <a:txBody>
+                    <a:bodyPr/>
+                    <a:lstStyle/>
+                    <a:p>
+                      <a:pPr algn="r" fontAlgn="b"/>
+                      <a:r>
+                        <a:rPr lang="en-CA" sz="1100" b="0" i="0" u="none" strike="noStrike" dirty="0">
+                          <a:solidFill>
+                            <a:srgbClr val="000000"/>
+                          </a:solidFill>
+                          <a:effectLst/>
+                          <a:highlight>
+                            <a:srgbClr val="FFFF00"/>
+                          </a:highlight>
+                          <a:latin typeface="Aptos Narrow" panose="020B0004020202020204" pitchFamily="34" charset="0"/>
+                        </a:rPr>
+                        <a:t>655</a:t>
+                      </a:r>
+                    </a:p>
+                  </a:txBody>
+                  <a:tcPr marL="7620" marR="7620" marT="7620" marB="0" anchor="b">
+                    <a:lnL w="6350" cap="flat" cmpd="sng" algn="ctr">
+                      <a:solidFill>
+                        <a:srgbClr val="000000"/>
+                      </a:solidFill>
+                      <a:prstDash val="solid"/>
+                      <a:round/>
+                      <a:headEnd type="none" w="med" len="med"/>
+                      <a:tailEnd type="none" w="med" len="med"/>
+                    </a:lnL>
+                    <a:lnR w="6350" cap="flat" cmpd="sng" algn="ctr">
+                      <a:solidFill>
+                        <a:srgbClr val="000000"/>
+                      </a:solidFill>
+                      <a:prstDash val="solid"/>
+                      <a:round/>
+                      <a:headEnd type="none" w="med" len="med"/>
+                      <a:tailEnd type="none" w="med" len="med"/>
+                    </a:lnR>
+                    <a:lnT w="6350" cap="flat" cmpd="sng" algn="ctr">
+                      <a:solidFill>
+                        <a:srgbClr val="000000"/>
+                      </a:solidFill>
+                      <a:prstDash val="solid"/>
+                      <a:round/>
+                      <a:headEnd type="none" w="med" len="med"/>
+                      <a:tailEnd type="none" w="med" len="med"/>
+                    </a:lnT>
+                    <a:lnB w="6350" cap="flat" cmpd="sng" algn="ctr">
+                      <a:solidFill>
+                        <a:srgbClr val="000000"/>
+                      </a:solidFill>
+                      <a:prstDash val="solid"/>
+                      <a:round/>
+                      <a:headEnd type="none" w="med" len="med"/>
+                      <a:tailEnd type="none" w="med" len="med"/>
+                    </a:lnB>
+                    <a:solidFill>
+                      <a:srgbClr val="FFFF00"/>
+                    </a:solidFill>
+                  </a:tcPr>
+                </a:tc>
+                <a:extLst>
+                  <a:ext uri="{0D108BD9-81ED-4DB2-BD59-A6C34878D82A}">
+                    <a16:rowId xmlns:a16="http://schemas.microsoft.com/office/drawing/2014/main" val="1364475588"/>
+                  </a:ext>
+                </a:extLst>
+              </a:tr>
+              <a:tr h="182880">
+                <a:tc>
+                  <a:txBody>
+                    <a:bodyPr/>
+                    <a:lstStyle/>
+                    <a:p>
+                      <a:pPr algn="r" fontAlgn="b"/>
+                      <a:r>
+                        <a:rPr lang="en-CA" sz="1100" b="0" i="0" u="none" strike="noStrike">
+                          <a:solidFill>
+                            <a:srgbClr val="000000"/>
+                          </a:solidFill>
+                          <a:effectLst/>
+                          <a:latin typeface="Aptos Narrow" panose="020B0004020202020204" pitchFamily="34" charset="0"/>
+                        </a:rPr>
+                        <a:t>24</a:t>
+                      </a:r>
+                    </a:p>
+                  </a:txBody>
+                  <a:tcPr marL="7620" marR="7620" marT="7620" marB="0" anchor="b">
+                    <a:lnL w="6350" cap="flat" cmpd="sng" algn="ctr">
+                      <a:solidFill>
+                        <a:srgbClr val="000000"/>
+                      </a:solidFill>
+                      <a:prstDash val="solid"/>
+                      <a:round/>
+                      <a:headEnd type="none" w="med" len="med"/>
+                      <a:tailEnd type="none" w="med" len="med"/>
+                    </a:lnL>
+                    <a:lnR w="6350" cap="flat" cmpd="sng" algn="ctr">
+                      <a:solidFill>
+                        <a:srgbClr val="000000"/>
+                      </a:solidFill>
+                      <a:prstDash val="solid"/>
+                      <a:round/>
+                      <a:headEnd type="none" w="med" len="med"/>
+                      <a:tailEnd type="none" w="med" len="med"/>
+                    </a:lnR>
+                    <a:lnT w="6350" cap="flat" cmpd="sng" algn="ctr">
+                      <a:solidFill>
+                        <a:srgbClr val="000000"/>
+                      </a:solidFill>
+                      <a:prstDash val="solid"/>
+                      <a:round/>
+                      <a:headEnd type="none" w="med" len="med"/>
+                      <a:tailEnd type="none" w="med" len="med"/>
+                    </a:lnT>
+                    <a:lnB w="6350" cap="flat" cmpd="sng" algn="ctr">
+                      <a:solidFill>
+                        <a:srgbClr val="000000"/>
+                      </a:solidFill>
+                      <a:prstDash val="solid"/>
+                      <a:round/>
+                      <a:headEnd type="none" w="med" len="med"/>
+                      <a:tailEnd type="none" w="med" len="med"/>
+                    </a:lnB>
+                    <a:solidFill>
+                      <a:schemeClr val="bg1"/>
+                    </a:solidFill>
+                  </a:tcPr>
+                </a:tc>
+                <a:tc>
+                  <a:txBody>
+                    <a:bodyPr/>
+                    <a:lstStyle/>
+                    <a:p>
+                      <a:pPr algn="r" fontAlgn="b"/>
+                      <a:r>
+                        <a:rPr lang="en-CA" sz="1100" b="0" i="0" u="none" strike="noStrike">
+                          <a:solidFill>
+                            <a:srgbClr val="000000"/>
+                          </a:solidFill>
+                          <a:effectLst/>
+                          <a:latin typeface="Aptos Narrow" panose="020B0004020202020204" pitchFamily="34" charset="0"/>
+                        </a:rPr>
+                        <a:t>1</a:t>
+                      </a:r>
+                    </a:p>
+                  </a:txBody>
+                  <a:tcPr marL="7620" marR="7620" marT="7620" marB="0" anchor="b">
+                    <a:lnL w="6350" cap="flat" cmpd="sng" algn="ctr">
+                      <a:solidFill>
+                        <a:srgbClr val="000000"/>
+                      </a:solidFill>
+                      <a:prstDash val="solid"/>
+                      <a:round/>
+                      <a:headEnd type="none" w="med" len="med"/>
+                      <a:tailEnd type="none" w="med" len="med"/>
+                    </a:lnL>
+                    <a:lnR w="6350" cap="flat" cmpd="sng" algn="ctr">
+                      <a:solidFill>
+                        <a:srgbClr val="000000"/>
+                      </a:solidFill>
+                      <a:prstDash val="solid"/>
+                      <a:round/>
+                      <a:headEnd type="none" w="med" len="med"/>
+                      <a:tailEnd type="none" w="med" len="med"/>
+                    </a:lnR>
+                    <a:lnT w="6350" cap="flat" cmpd="sng" algn="ctr">
+                      <a:solidFill>
+                        <a:srgbClr val="000000"/>
+                      </a:solidFill>
+                      <a:prstDash val="solid"/>
+                      <a:round/>
+                      <a:headEnd type="none" w="med" len="med"/>
+                      <a:tailEnd type="none" w="med" len="med"/>
+                    </a:lnT>
+                    <a:lnB w="6350" cap="flat" cmpd="sng" algn="ctr">
+                      <a:solidFill>
+                        <a:srgbClr val="000000"/>
+                      </a:solidFill>
+                      <a:prstDash val="solid"/>
+                      <a:round/>
+                      <a:headEnd type="none" w="med" len="med"/>
+                      <a:tailEnd type="none" w="med" len="med"/>
+                    </a:lnB>
+                    <a:solidFill>
+                      <a:schemeClr val="bg1"/>
+                    </a:solidFill>
+                  </a:tcPr>
+                </a:tc>
+                <a:tc>
+                  <a:txBody>
+                    <a:bodyPr/>
+                    <a:lstStyle/>
+                    <a:p>
+                      <a:pPr algn="r" fontAlgn="b"/>
+                      <a:r>
+                        <a:rPr lang="en-CA" sz="1100" b="0" i="0" u="none" strike="noStrike">
+                          <a:solidFill>
+                            <a:srgbClr val="000000"/>
+                          </a:solidFill>
+                          <a:effectLst/>
+                          <a:latin typeface="Aptos Narrow" panose="020B0004020202020204" pitchFamily="34" charset="0"/>
+                        </a:rPr>
+                        <a:t>264</a:t>
+                      </a:r>
+                    </a:p>
+                  </a:txBody>
+                  <a:tcPr marL="7620" marR="7620" marT="7620" marB="0" anchor="b">
+                    <a:lnL w="6350" cap="flat" cmpd="sng" algn="ctr">
+                      <a:solidFill>
+                        <a:srgbClr val="000000"/>
+                      </a:solidFill>
+                      <a:prstDash val="solid"/>
+                      <a:round/>
+                      <a:headEnd type="none" w="med" len="med"/>
+                      <a:tailEnd type="none" w="med" len="med"/>
+                    </a:lnL>
+                    <a:lnR w="6350" cap="flat" cmpd="sng" algn="ctr">
+                      <a:solidFill>
+                        <a:srgbClr val="000000"/>
+                      </a:solidFill>
+                      <a:prstDash val="solid"/>
+                      <a:round/>
+                      <a:headEnd type="none" w="med" len="med"/>
+                      <a:tailEnd type="none" w="med" len="med"/>
+                    </a:lnR>
+                    <a:lnT w="6350" cap="flat" cmpd="sng" algn="ctr">
+                      <a:solidFill>
+                        <a:srgbClr val="000000"/>
+                      </a:solidFill>
+                      <a:prstDash val="solid"/>
+                      <a:round/>
+                      <a:headEnd type="none" w="med" len="med"/>
+                      <a:tailEnd type="none" w="med" len="med"/>
+                    </a:lnT>
+                    <a:lnB w="6350" cap="flat" cmpd="sng" algn="ctr">
+                      <a:solidFill>
+                        <a:srgbClr val="000000"/>
+                      </a:solidFill>
+                      <a:prstDash val="solid"/>
+                      <a:round/>
+                      <a:headEnd type="none" w="med" len="med"/>
+                      <a:tailEnd type="none" w="med" len="med"/>
+                    </a:lnB>
+                    <a:solidFill>
+                      <a:schemeClr val="bg1"/>
+                    </a:solidFill>
+                  </a:tcPr>
+                </a:tc>
+                <a:tc>
+                  <a:txBody>
+                    <a:bodyPr/>
+                    <a:lstStyle/>
+                    <a:p>
+                      <a:pPr algn="r" fontAlgn="b"/>
+                      <a:r>
+                        <a:rPr lang="en-CA" sz="1100" b="0" i="0" u="none" strike="noStrike" dirty="0">
+                          <a:solidFill>
+                            <a:srgbClr val="000000"/>
+                          </a:solidFill>
+                          <a:effectLst/>
+                          <a:latin typeface="Aptos Narrow" panose="020B0004020202020204" pitchFamily="34" charset="0"/>
+                        </a:rPr>
+                        <a:t>715</a:t>
+                      </a:r>
+                    </a:p>
+                  </a:txBody>
+                  <a:tcPr marL="7620" marR="7620" marT="7620" marB="0" anchor="b">
+                    <a:lnL w="6350" cap="flat" cmpd="sng" algn="ctr">
+                      <a:solidFill>
+                        <a:srgbClr val="000000"/>
+                      </a:solidFill>
+                      <a:prstDash val="solid"/>
+                      <a:round/>
+                      <a:headEnd type="none" w="med" len="med"/>
+                      <a:tailEnd type="none" w="med" len="med"/>
+                    </a:lnL>
+                    <a:lnR w="6350" cap="flat" cmpd="sng" algn="ctr">
+                      <a:solidFill>
+                        <a:srgbClr val="000000"/>
+                      </a:solidFill>
+                      <a:prstDash val="solid"/>
+                      <a:round/>
+                      <a:headEnd type="none" w="med" len="med"/>
+                      <a:tailEnd type="none" w="med" len="med"/>
+                    </a:lnR>
+                    <a:lnT w="6350" cap="flat" cmpd="sng" algn="ctr">
+                      <a:solidFill>
+                        <a:srgbClr val="000000"/>
+                      </a:solidFill>
+                      <a:prstDash val="solid"/>
+                      <a:round/>
+                      <a:headEnd type="none" w="med" len="med"/>
+                      <a:tailEnd type="none" w="med" len="med"/>
+                    </a:lnT>
+                    <a:lnB w="6350" cap="flat" cmpd="sng" algn="ctr">
+                      <a:solidFill>
+                        <a:srgbClr val="000000"/>
+                      </a:solidFill>
+                      <a:prstDash val="solid"/>
+                      <a:round/>
+                      <a:headEnd type="none" w="med" len="med"/>
+                      <a:tailEnd type="none" w="med" len="med"/>
+                    </a:lnB>
+                    <a:solidFill>
+                      <a:schemeClr val="bg1"/>
+                    </a:solidFill>
+                  </a:tcPr>
+                </a:tc>
+                <a:extLst>
+                  <a:ext uri="{0D108BD9-81ED-4DB2-BD59-A6C34878D82A}">
+                    <a16:rowId xmlns:a16="http://schemas.microsoft.com/office/drawing/2014/main" val="1387001118"/>
+                  </a:ext>
+                </a:extLst>
+              </a:tr>
+            </a:tbl>
+          </a:graphicData>
+        </a:graphic>
+      </p:graphicFrame>
+    </p:spTree>
+    <p:extLst>
+      <p:ext uri="{BB962C8B-B14F-4D97-AF65-F5344CB8AC3E}">
+        <p14:creationId xmlns:p14="http://schemas.microsoft.com/office/powerpoint/2010/main" val="3422962183"/>
+      </p:ext>
+    </p:extLst>
+  </p:cSld>
+  <p:clrMapOvr>
+    <a:masterClrMapping/>
+  </p:clrMapOvr>
+</p:sld>
+</file>
+
+<file path=ppt/slides/slide13.xml><?xml version="1.0" encoding="utf-8"?>
+<p:sld xmlns:a="http://schemas.openxmlformats.org/drawingml/2006/main" xmlns:r="http://schemas.openxmlformats.org/officeDocument/2006/relationships" xmlns:p="http://schemas.openxmlformats.org/presentationml/2006/main">
+  <p:cSld>
+    <p:spTree>
+      <p:nvGrpSpPr>
+        <p:cNvPr id="1" name=""/>
+        <p:cNvGrpSpPr/>
+        <p:nvPr/>
+      </p:nvGrpSpPr>
+      <p:grpSpPr>
+        <a:xfrm>
+          <a:off x="0" y="0"/>
+          <a:ext cx="0" cy="0"/>
+          <a:chOff x="0" y="0"/>
+          <a:chExt cx="0" cy="0"/>
+        </a:xfrm>
+      </p:grpSpPr>
+      <p:sp>
+        <p:nvSpPr>
+          <p:cNvPr id="2" name="Title 1">
+            <a:extLst>
+              <a:ext uri="{FF2B5EF4-FFF2-40B4-BE49-F238E27FC236}">
+                <a16:creationId xmlns:a16="http://schemas.microsoft.com/office/drawing/2014/main" id="{BF945539-0D31-B493-97C1-19BC9CBC0DE2}"/>
+              </a:ext>
+            </a:extLst>
+          </p:cNvPr>
+          <p:cNvSpPr>
+            <a:spLocks noGrp="1"/>
+          </p:cNvSpPr>
+          <p:nvPr>
+            <p:ph type="title"/>
+          </p:nvPr>
+        </p:nvSpPr>
+        <p:spPr>
+          <a:xfrm>
+            <a:off x="152400" y="352373"/>
+            <a:ext cx="10515600" cy="1325563"/>
+          </a:xfrm>
+        </p:spPr>
+        <p:txBody>
+          <a:bodyPr/>
+          <a:lstStyle/>
+          <a:p>
+            <a:r>
+              <a:rPr lang="en-CA" b="1" dirty="0">
+                <a:solidFill>
+                  <a:schemeClr val="bg1"/>
+                </a:solidFill>
+              </a:rPr>
+              <a:t>Linear, Random Forest, and XG Boost- iterations</a:t>
+            </a:r>
+          </a:p>
+        </p:txBody>
+      </p:sp>
+      <p:graphicFrame>
+        <p:nvGraphicFramePr>
+          <p:cNvPr id="5" name="Table 4">
+            <a:extLst>
+              <a:ext uri="{FF2B5EF4-FFF2-40B4-BE49-F238E27FC236}">
+                <a16:creationId xmlns:a16="http://schemas.microsoft.com/office/drawing/2014/main" id="{5D48654F-C530-A873-85A2-7C4C63BF8D6A}"/>
+              </a:ext>
+            </a:extLst>
+          </p:cNvPr>
+          <p:cNvGraphicFramePr>
+            <a:graphicFrameLocks noGrp="1"/>
+          </p:cNvGraphicFramePr>
+          <p:nvPr>
+            <p:extLst>
+              <p:ext uri="{D42A27DB-BD31-4B8C-83A1-F6EECF244321}">
+                <p14:modId xmlns:p14="http://schemas.microsoft.com/office/powerpoint/2010/main" val="2149531074"/>
+              </p:ext>
+            </p:extLst>
+          </p:nvPr>
+        </p:nvGraphicFramePr>
+        <p:xfrm>
+          <a:off x="6318250" y="2369820"/>
+          <a:ext cx="3924300" cy="1059180"/>
+        </p:xfrm>
+        <a:graphic>
+          <a:graphicData uri="http://schemas.openxmlformats.org/drawingml/2006/table">
+            <a:tbl>
+              <a:tblPr/>
+              <a:tblGrid>
+                <a:gridCol w="1232842">
+                  <a:extLst>
+                    <a:ext uri="{9D8B030D-6E8A-4147-A177-3AD203B41FA5}">
+                      <a16:colId xmlns:a16="http://schemas.microsoft.com/office/drawing/2014/main" val="3721764901"/>
+                    </a:ext>
+                  </a:extLst>
+                </a:gridCol>
+                <a:gridCol w="1345729">
+                  <a:extLst>
+                    <a:ext uri="{9D8B030D-6E8A-4147-A177-3AD203B41FA5}">
+                      <a16:colId xmlns:a16="http://schemas.microsoft.com/office/drawing/2014/main" val="3954421170"/>
+                    </a:ext>
+                  </a:extLst>
+                </a:gridCol>
+                <a:gridCol w="1345729">
+                  <a:extLst>
+                    <a:ext uri="{9D8B030D-6E8A-4147-A177-3AD203B41FA5}">
+                      <a16:colId xmlns:a16="http://schemas.microsoft.com/office/drawing/2014/main" val="2939086856"/>
+                    </a:ext>
+                  </a:extLst>
+                </a:gridCol>
+              </a:tblGrid>
+              <a:tr h="228600">
+                <a:tc>
+                  <a:txBody>
+                    <a:bodyPr/>
+                    <a:lstStyle/>
+                    <a:p>
+                      <a:pPr algn="l" fontAlgn="b"/>
+                      <a:r>
+                        <a:rPr lang="en-CA" sz="1100" b="0" i="0" u="none" strike="noStrike">
+                          <a:solidFill>
+                            <a:srgbClr val="000000"/>
+                          </a:solidFill>
+                          <a:effectLst/>
+                          <a:latin typeface="Aptos Narrow" panose="020B0004020202020204" pitchFamily="34" charset="0"/>
+                        </a:rPr>
+                        <a:t> </a:t>
+                      </a:r>
+                    </a:p>
+                  </a:txBody>
+                  <a:tcPr marL="7620" marR="7620" marT="7620" marB="0" anchor="b">
+                    <a:lnL w="6350" cap="flat" cmpd="sng" algn="ctr">
+                      <a:solidFill>
+                        <a:srgbClr val="000000"/>
+                      </a:solidFill>
+                      <a:prstDash val="solid"/>
+                      <a:round/>
+                      <a:headEnd type="none" w="med" len="med"/>
+                      <a:tailEnd type="none" w="med" len="med"/>
+                    </a:lnL>
+                    <a:lnR w="6350" cap="flat" cmpd="sng" algn="ctr">
+                      <a:solidFill>
+                        <a:srgbClr val="000000"/>
+                      </a:solidFill>
+                      <a:prstDash val="solid"/>
+                      <a:round/>
+                      <a:headEnd type="none" w="med" len="med"/>
+                      <a:tailEnd type="none" w="med" len="med"/>
+                    </a:lnR>
+                    <a:lnT w="6350" cap="flat" cmpd="sng" algn="ctr">
+                      <a:solidFill>
+                        <a:srgbClr val="000000"/>
+                      </a:solidFill>
+                      <a:prstDash val="solid"/>
+                      <a:round/>
+                      <a:headEnd type="none" w="med" len="med"/>
+                      <a:tailEnd type="none" w="med" len="med"/>
+                    </a:lnT>
+                    <a:lnB w="6350" cap="flat" cmpd="sng" algn="ctr">
+                      <a:solidFill>
+                        <a:srgbClr val="000000"/>
+                      </a:solidFill>
+                      <a:prstDash val="solid"/>
+                      <a:round/>
+                      <a:headEnd type="none" w="med" len="med"/>
+                      <a:tailEnd type="none" w="med" len="med"/>
+                    </a:lnB>
+                    <a:solidFill>
+                      <a:schemeClr val="bg1"/>
+                    </a:solidFill>
+                  </a:tcPr>
+                </a:tc>
+                <a:tc gridSpan="2">
+                  <a:txBody>
+                    <a:bodyPr/>
+                    <a:lstStyle/>
+                    <a:p>
+                      <a:pPr algn="ctr" fontAlgn="b"/>
+                      <a:r>
+                        <a:rPr lang="en-CA" sz="1100" b="1" i="0" u="none" strike="noStrike" dirty="0">
+                          <a:solidFill>
+                            <a:srgbClr val="000000"/>
+                          </a:solidFill>
+                          <a:effectLst/>
+                          <a:latin typeface="Aptos Narrow" panose="020B0004020202020204" pitchFamily="34" charset="0"/>
+                        </a:rPr>
+                        <a:t>R2 Scores</a:t>
+                      </a:r>
+                    </a:p>
+                  </a:txBody>
+                  <a:tcPr marL="7620" marR="7620" marT="7620" marB="0" anchor="b">
+                    <a:lnL w="6350" cap="flat" cmpd="sng" algn="ctr">
+                      <a:solidFill>
+                        <a:srgbClr val="000000"/>
+                      </a:solidFill>
+                      <a:prstDash val="solid"/>
+                      <a:round/>
+                      <a:headEnd type="none" w="med" len="med"/>
+                      <a:tailEnd type="none" w="med" len="med"/>
+                    </a:lnL>
+                    <a:lnR w="6350" cap="flat" cmpd="sng" algn="ctr">
+                      <a:solidFill>
+                        <a:srgbClr val="000000"/>
+                      </a:solidFill>
+                      <a:prstDash val="solid"/>
+                      <a:round/>
+                      <a:headEnd type="none" w="med" len="med"/>
+                      <a:tailEnd type="none" w="med" len="med"/>
+                    </a:lnR>
+                    <a:lnT w="6350" cap="flat" cmpd="sng" algn="ctr">
+                      <a:solidFill>
+                        <a:srgbClr val="000000"/>
+                      </a:solidFill>
+                      <a:prstDash val="solid"/>
+                      <a:round/>
+                      <a:headEnd type="none" w="med" len="med"/>
+                      <a:tailEnd type="none" w="med" len="med"/>
+                    </a:lnT>
+                    <a:lnB w="6350" cap="flat" cmpd="sng" algn="ctr">
+                      <a:solidFill>
+                        <a:srgbClr val="000000"/>
+                      </a:solidFill>
+                      <a:prstDash val="solid"/>
+                      <a:round/>
+                      <a:headEnd type="none" w="med" len="med"/>
+                      <a:tailEnd type="none" w="med" len="med"/>
+                    </a:lnB>
+                    <a:solidFill>
+                      <a:schemeClr val="bg1"/>
+                    </a:solidFill>
+                  </a:tcPr>
+                </a:tc>
+                <a:tc hMerge="1">
+                  <a:txBody>
+                    <a:bodyPr/>
+                    <a:lstStyle/>
+                    <a:p>
+                      <a:endParaRPr lang="en-CA"/>
+                    </a:p>
+                  </a:txBody>
+                  <a:tcPr/>
+                </a:tc>
+                <a:extLst>
+                  <a:ext uri="{0D108BD9-81ED-4DB2-BD59-A6C34878D82A}">
+                    <a16:rowId xmlns:a16="http://schemas.microsoft.com/office/drawing/2014/main" val="1632934978"/>
+                  </a:ext>
+                </a:extLst>
+              </a:tr>
+              <a:tr h="228600">
+                <a:tc>
+                  <a:txBody>
+                    <a:bodyPr/>
+                    <a:lstStyle/>
+                    <a:p>
+                      <a:pPr algn="l" fontAlgn="b"/>
+                      <a:r>
+                        <a:rPr lang="en-CA" sz="1100" b="0" i="0" u="none" strike="noStrike" dirty="0">
+                          <a:solidFill>
+                            <a:srgbClr val="000000"/>
+                          </a:solidFill>
+                          <a:effectLst/>
+                          <a:latin typeface="Aptos Narrow" panose="020B0004020202020204" pitchFamily="34" charset="0"/>
+                        </a:rPr>
+                        <a:t> </a:t>
+                      </a:r>
+                    </a:p>
+                  </a:txBody>
+                  <a:tcPr marL="7620" marR="7620" marT="7620" marB="0" anchor="b">
+                    <a:lnL w="6350" cap="flat" cmpd="sng" algn="ctr">
+                      <a:solidFill>
+                        <a:srgbClr val="000000"/>
+                      </a:solidFill>
+                      <a:prstDash val="solid"/>
+                      <a:round/>
+                      <a:headEnd type="none" w="med" len="med"/>
+                      <a:tailEnd type="none" w="med" len="med"/>
+                    </a:lnL>
+                    <a:lnR w="6350" cap="flat" cmpd="sng" algn="ctr">
+                      <a:solidFill>
+                        <a:srgbClr val="000000"/>
+                      </a:solidFill>
+                      <a:prstDash val="solid"/>
+                      <a:round/>
+                      <a:headEnd type="none" w="med" len="med"/>
+                      <a:tailEnd type="none" w="med" len="med"/>
+                    </a:lnR>
+                    <a:lnT w="6350" cap="flat" cmpd="sng" algn="ctr">
+                      <a:solidFill>
+                        <a:srgbClr val="000000"/>
+                      </a:solidFill>
+                      <a:prstDash val="solid"/>
+                      <a:round/>
+                      <a:headEnd type="none" w="med" len="med"/>
+                      <a:tailEnd type="none" w="med" len="med"/>
+                    </a:lnT>
+                    <a:lnB w="6350" cap="flat" cmpd="sng" algn="ctr">
+                      <a:solidFill>
+                        <a:srgbClr val="000000"/>
+                      </a:solidFill>
+                      <a:prstDash val="solid"/>
+                      <a:round/>
+                      <a:headEnd type="none" w="med" len="med"/>
+                      <a:tailEnd type="none" w="med" len="med"/>
+                    </a:lnB>
+                    <a:solidFill>
+                      <a:schemeClr val="bg1"/>
+                    </a:solidFill>
+                  </a:tcPr>
+                </a:tc>
+                <a:tc>
+                  <a:txBody>
+                    <a:bodyPr/>
+                    <a:lstStyle/>
+                    <a:p>
+                      <a:pPr algn="l" fontAlgn="b"/>
+                      <a:r>
+                        <a:rPr lang="en-CA" sz="1100" b="1" i="0" u="none" strike="noStrike">
+                          <a:solidFill>
+                            <a:srgbClr val="000000"/>
+                          </a:solidFill>
+                          <a:effectLst/>
+                          <a:latin typeface="Aptos Narrow" panose="020B0004020202020204" pitchFamily="34" charset="0"/>
+                        </a:rPr>
+                        <a:t>12-Week Predict</a:t>
+                      </a:r>
+                    </a:p>
+                  </a:txBody>
+                  <a:tcPr marL="7620" marR="7620" marT="7620" marB="0" anchor="b">
+                    <a:lnL w="6350" cap="flat" cmpd="sng" algn="ctr">
+                      <a:solidFill>
+                        <a:srgbClr val="000000"/>
+                      </a:solidFill>
+                      <a:prstDash val="solid"/>
+                      <a:round/>
+                      <a:headEnd type="none" w="med" len="med"/>
+                      <a:tailEnd type="none" w="med" len="med"/>
+                    </a:lnL>
+                    <a:lnR w="6350" cap="flat" cmpd="sng" algn="ctr">
+                      <a:solidFill>
+                        <a:srgbClr val="000000"/>
+                      </a:solidFill>
+                      <a:prstDash val="solid"/>
+                      <a:round/>
+                      <a:headEnd type="none" w="med" len="med"/>
+                      <a:tailEnd type="none" w="med" len="med"/>
+                    </a:lnR>
+                    <a:lnT w="6350" cap="flat" cmpd="sng" algn="ctr">
+                      <a:solidFill>
+                        <a:srgbClr val="000000"/>
+                      </a:solidFill>
+                      <a:prstDash val="solid"/>
+                      <a:round/>
+                      <a:headEnd type="none" w="med" len="med"/>
+                      <a:tailEnd type="none" w="med" len="med"/>
+                    </a:lnT>
+                    <a:lnB w="6350" cap="flat" cmpd="sng" algn="ctr">
+                      <a:solidFill>
+                        <a:srgbClr val="000000"/>
+                      </a:solidFill>
+                      <a:prstDash val="solid"/>
+                      <a:round/>
+                      <a:headEnd type="none" w="med" len="med"/>
+                      <a:tailEnd type="none" w="med" len="med"/>
+                    </a:lnB>
+                    <a:solidFill>
+                      <a:schemeClr val="bg1"/>
+                    </a:solidFill>
+                  </a:tcPr>
+                </a:tc>
+                <a:tc>
+                  <a:txBody>
+                    <a:bodyPr/>
+                    <a:lstStyle/>
+                    <a:p>
+                      <a:pPr algn="l" fontAlgn="b"/>
+                      <a:r>
+                        <a:rPr lang="en-CA" sz="1100" b="1" i="0" u="none" strike="noStrike" dirty="0">
+                          <a:solidFill>
+                            <a:srgbClr val="000000"/>
+                          </a:solidFill>
+                          <a:effectLst/>
+                          <a:highlight>
+                            <a:srgbClr val="FFFF00"/>
+                          </a:highlight>
+                          <a:latin typeface="Aptos Narrow" panose="020B0004020202020204" pitchFamily="34" charset="0"/>
+                        </a:rPr>
+                        <a:t>16-Week Prediction</a:t>
+                      </a:r>
+                    </a:p>
+                  </a:txBody>
+                  <a:tcPr marL="7620" marR="7620" marT="7620" marB="0" anchor="b">
+                    <a:lnL w="6350" cap="flat" cmpd="sng" algn="ctr">
+                      <a:solidFill>
+                        <a:srgbClr val="000000"/>
+                      </a:solidFill>
+                      <a:prstDash val="solid"/>
+                      <a:round/>
+                      <a:headEnd type="none" w="med" len="med"/>
+                      <a:tailEnd type="none" w="med" len="med"/>
+                    </a:lnL>
+                    <a:lnR w="6350" cap="flat" cmpd="sng" algn="ctr">
+                      <a:solidFill>
+                        <a:srgbClr val="000000"/>
+                      </a:solidFill>
+                      <a:prstDash val="solid"/>
+                      <a:round/>
+                      <a:headEnd type="none" w="med" len="med"/>
+                      <a:tailEnd type="none" w="med" len="med"/>
+                    </a:lnR>
+                    <a:lnT w="6350" cap="flat" cmpd="sng" algn="ctr">
+                      <a:solidFill>
+                        <a:srgbClr val="000000"/>
+                      </a:solidFill>
+                      <a:prstDash val="solid"/>
+                      <a:round/>
+                      <a:headEnd type="none" w="med" len="med"/>
+                      <a:tailEnd type="none" w="med" len="med"/>
+                    </a:lnT>
+                    <a:lnB w="6350" cap="flat" cmpd="sng" algn="ctr">
+                      <a:solidFill>
+                        <a:srgbClr val="000000"/>
+                      </a:solidFill>
+                      <a:prstDash val="solid"/>
+                      <a:round/>
+                      <a:headEnd type="none" w="med" len="med"/>
+                      <a:tailEnd type="none" w="med" len="med"/>
+                    </a:lnB>
+                    <a:solidFill>
+                      <a:srgbClr val="FFFF00"/>
+                    </a:solidFill>
+                  </a:tcPr>
+                </a:tc>
+                <a:extLst>
+                  <a:ext uri="{0D108BD9-81ED-4DB2-BD59-A6C34878D82A}">
+                    <a16:rowId xmlns:a16="http://schemas.microsoft.com/office/drawing/2014/main" val="1087653809"/>
+                  </a:ext>
+                </a:extLst>
+              </a:tr>
+              <a:tr h="236220">
+                <a:tc>
+                  <a:txBody>
+                    <a:bodyPr/>
+                    <a:lstStyle/>
+                    <a:p>
+                      <a:pPr algn="l" fontAlgn="b"/>
+                      <a:r>
+                        <a:rPr lang="en-CA" sz="1100" b="1" i="0" u="none" strike="noStrike">
+                          <a:solidFill>
+                            <a:srgbClr val="000000"/>
+                          </a:solidFill>
+                          <a:effectLst/>
+                          <a:latin typeface="Aptos Narrow" panose="020B0004020202020204" pitchFamily="34" charset="0"/>
+                        </a:rPr>
+                        <a:t>Linear Regression</a:t>
+                      </a:r>
+                    </a:p>
+                  </a:txBody>
+                  <a:tcPr marL="7620" marR="7620" marT="7620" marB="0" anchor="b">
+                    <a:lnL w="6350" cap="flat" cmpd="sng" algn="ctr">
+                      <a:solidFill>
+                        <a:srgbClr val="000000"/>
+                      </a:solidFill>
+                      <a:prstDash val="solid"/>
+                      <a:round/>
+                      <a:headEnd type="none" w="med" len="med"/>
+                      <a:tailEnd type="none" w="med" len="med"/>
+                    </a:lnL>
+                    <a:lnR w="6350" cap="flat" cmpd="sng" algn="ctr">
+                      <a:solidFill>
+                        <a:srgbClr val="000000"/>
+                      </a:solidFill>
+                      <a:prstDash val="solid"/>
+                      <a:round/>
+                      <a:headEnd type="none" w="med" len="med"/>
+                      <a:tailEnd type="none" w="med" len="med"/>
+                    </a:lnR>
+                    <a:lnT w="6350" cap="flat" cmpd="sng" algn="ctr">
+                      <a:solidFill>
+                        <a:srgbClr val="000000"/>
+                      </a:solidFill>
+                      <a:prstDash val="solid"/>
+                      <a:round/>
+                      <a:headEnd type="none" w="med" len="med"/>
+                      <a:tailEnd type="none" w="med" len="med"/>
+                    </a:lnT>
+                    <a:lnB w="6350" cap="flat" cmpd="sng" algn="ctr">
+                      <a:solidFill>
+                        <a:srgbClr val="000000"/>
+                      </a:solidFill>
+                      <a:prstDash val="solid"/>
+                      <a:round/>
+                      <a:headEnd type="none" w="med" len="med"/>
+                      <a:tailEnd type="none" w="med" len="med"/>
+                    </a:lnB>
+                    <a:solidFill>
+                      <a:schemeClr val="bg1"/>
+                    </a:solidFill>
+                  </a:tcPr>
+                </a:tc>
+                <a:tc>
+                  <a:txBody>
+                    <a:bodyPr/>
+                    <a:lstStyle/>
+                    <a:p>
+                      <a:pPr algn="r" fontAlgn="b"/>
+                      <a:r>
+                        <a:rPr lang="en-CA" sz="1100" b="0" i="0" u="none" strike="noStrike">
+                          <a:solidFill>
+                            <a:srgbClr val="000000"/>
+                          </a:solidFill>
+                          <a:effectLst/>
+                          <a:latin typeface="Aptos Narrow" panose="020B0004020202020204" pitchFamily="34" charset="0"/>
+                        </a:rPr>
+                        <a:t>0.853</a:t>
+                      </a:r>
+                    </a:p>
+                  </a:txBody>
+                  <a:tcPr marL="7620" marR="7620" marT="7620" marB="0" anchor="b">
+                    <a:lnL w="6350" cap="flat" cmpd="sng" algn="ctr">
+                      <a:solidFill>
+                        <a:srgbClr val="000000"/>
+                      </a:solidFill>
+                      <a:prstDash val="solid"/>
+                      <a:round/>
+                      <a:headEnd type="none" w="med" len="med"/>
+                      <a:tailEnd type="none" w="med" len="med"/>
+                    </a:lnL>
+                    <a:lnR w="6350" cap="flat" cmpd="sng" algn="ctr">
+                      <a:solidFill>
+                        <a:srgbClr val="000000"/>
+                      </a:solidFill>
+                      <a:prstDash val="solid"/>
+                      <a:round/>
+                      <a:headEnd type="none" w="med" len="med"/>
+                      <a:tailEnd type="none" w="med" len="med"/>
+                    </a:lnR>
+                    <a:lnT w="6350" cap="flat" cmpd="sng" algn="ctr">
+                      <a:solidFill>
+                        <a:srgbClr val="000000"/>
+                      </a:solidFill>
+                      <a:prstDash val="solid"/>
+                      <a:round/>
+                      <a:headEnd type="none" w="med" len="med"/>
+                      <a:tailEnd type="none" w="med" len="med"/>
+                    </a:lnT>
+                    <a:lnB w="6350" cap="flat" cmpd="sng" algn="ctr">
+                      <a:solidFill>
+                        <a:srgbClr val="000000"/>
+                      </a:solidFill>
+                      <a:prstDash val="solid"/>
+                      <a:round/>
+                      <a:headEnd type="none" w="med" len="med"/>
+                      <a:tailEnd type="none" w="med" len="med"/>
+                    </a:lnB>
+                    <a:solidFill>
+                      <a:schemeClr val="bg1"/>
+                    </a:solidFill>
+                  </a:tcPr>
+                </a:tc>
+                <a:tc>
+                  <a:txBody>
+                    <a:bodyPr/>
+                    <a:lstStyle/>
+                    <a:p>
+                      <a:pPr algn="r" fontAlgn="b"/>
+                      <a:r>
+                        <a:rPr lang="en-CA" sz="1100" b="0" i="0" u="none" strike="noStrike" dirty="0">
+                          <a:solidFill>
+                            <a:srgbClr val="000000"/>
+                          </a:solidFill>
+                          <a:effectLst/>
+                          <a:highlight>
+                            <a:srgbClr val="FFFF00"/>
+                          </a:highlight>
+                          <a:latin typeface="Aptos Narrow" panose="020B0004020202020204" pitchFamily="34" charset="0"/>
+                        </a:rPr>
+                        <a:t>0.906</a:t>
+                      </a:r>
+                    </a:p>
+                  </a:txBody>
+                  <a:tcPr marL="7620" marR="7620" marT="7620" marB="0" anchor="b">
+                    <a:lnL w="6350" cap="flat" cmpd="sng" algn="ctr">
+                      <a:solidFill>
+                        <a:srgbClr val="000000"/>
+                      </a:solidFill>
+                      <a:prstDash val="solid"/>
+                      <a:round/>
+                      <a:headEnd type="none" w="med" len="med"/>
+                      <a:tailEnd type="none" w="med" len="med"/>
+                    </a:lnL>
+                    <a:lnR w="6350" cap="flat" cmpd="sng" algn="ctr">
+                      <a:solidFill>
+                        <a:srgbClr val="000000"/>
+                      </a:solidFill>
+                      <a:prstDash val="solid"/>
+                      <a:round/>
+                      <a:headEnd type="none" w="med" len="med"/>
+                      <a:tailEnd type="none" w="med" len="med"/>
+                    </a:lnR>
+                    <a:lnT w="6350" cap="flat" cmpd="sng" algn="ctr">
+                      <a:solidFill>
+                        <a:srgbClr val="000000"/>
+                      </a:solidFill>
+                      <a:prstDash val="solid"/>
+                      <a:round/>
+                      <a:headEnd type="none" w="med" len="med"/>
+                      <a:tailEnd type="none" w="med" len="med"/>
+                    </a:lnT>
+                    <a:lnB w="6350" cap="flat" cmpd="sng" algn="ctr">
+                      <a:solidFill>
+                        <a:srgbClr val="000000"/>
+                      </a:solidFill>
+                      <a:prstDash val="solid"/>
+                      <a:round/>
+                      <a:headEnd type="none" w="med" len="med"/>
+                      <a:tailEnd type="none" w="med" len="med"/>
+                    </a:lnB>
+                    <a:solidFill>
+                      <a:srgbClr val="FFFF00"/>
+                    </a:solidFill>
+                  </a:tcPr>
+                </a:tc>
+                <a:extLst>
+                  <a:ext uri="{0D108BD9-81ED-4DB2-BD59-A6C34878D82A}">
+                    <a16:rowId xmlns:a16="http://schemas.microsoft.com/office/drawing/2014/main" val="3967483585"/>
+                  </a:ext>
+                </a:extLst>
+              </a:tr>
+              <a:tr h="182880">
+                <a:tc>
+                  <a:txBody>
+                    <a:bodyPr/>
+                    <a:lstStyle/>
+                    <a:p>
+                      <a:pPr algn="l" fontAlgn="b"/>
+                      <a:r>
+                        <a:rPr lang="en-CA" sz="1100" b="1" i="0" u="none" strike="noStrike">
+                          <a:solidFill>
+                            <a:srgbClr val="000000"/>
+                          </a:solidFill>
+                          <a:effectLst/>
+                          <a:latin typeface="Aptos Narrow" panose="020B0004020202020204" pitchFamily="34" charset="0"/>
+                        </a:rPr>
+                        <a:t>Random Forest</a:t>
+                      </a:r>
+                    </a:p>
+                  </a:txBody>
+                  <a:tcPr marL="7620" marR="7620" marT="7620" marB="0" anchor="b">
+                    <a:lnL w="6350" cap="flat" cmpd="sng" algn="ctr">
+                      <a:solidFill>
+                        <a:srgbClr val="000000"/>
+                      </a:solidFill>
+                      <a:prstDash val="solid"/>
+                      <a:round/>
+                      <a:headEnd type="none" w="med" len="med"/>
+                      <a:tailEnd type="none" w="med" len="med"/>
+                    </a:lnL>
+                    <a:lnR w="6350" cap="flat" cmpd="sng" algn="ctr">
+                      <a:solidFill>
+                        <a:srgbClr val="000000"/>
+                      </a:solidFill>
+                      <a:prstDash val="solid"/>
+                      <a:round/>
+                      <a:headEnd type="none" w="med" len="med"/>
+                      <a:tailEnd type="none" w="med" len="med"/>
+                    </a:lnR>
+                    <a:lnT w="6350" cap="flat" cmpd="sng" algn="ctr">
+                      <a:solidFill>
+                        <a:srgbClr val="000000"/>
+                      </a:solidFill>
+                      <a:prstDash val="solid"/>
+                      <a:round/>
+                      <a:headEnd type="none" w="med" len="med"/>
+                      <a:tailEnd type="none" w="med" len="med"/>
+                    </a:lnT>
+                    <a:lnB w="6350" cap="flat" cmpd="sng" algn="ctr">
+                      <a:solidFill>
+                        <a:srgbClr val="000000"/>
+                      </a:solidFill>
+                      <a:prstDash val="solid"/>
+                      <a:round/>
+                      <a:headEnd type="none" w="med" len="med"/>
+                      <a:tailEnd type="none" w="med" len="med"/>
+                    </a:lnB>
+                    <a:solidFill>
+                      <a:schemeClr val="bg1"/>
+                    </a:solidFill>
+                  </a:tcPr>
+                </a:tc>
+                <a:tc>
+                  <a:txBody>
+                    <a:bodyPr/>
+                    <a:lstStyle/>
+                    <a:p>
+                      <a:pPr algn="r" fontAlgn="b"/>
+                      <a:r>
+                        <a:rPr lang="en-CA" sz="1100" b="0" i="0" u="none" strike="noStrike">
+                          <a:solidFill>
+                            <a:srgbClr val="000000"/>
+                          </a:solidFill>
+                          <a:effectLst/>
+                          <a:latin typeface="Aptos Narrow" panose="020B0004020202020204" pitchFamily="34" charset="0"/>
+                        </a:rPr>
+                        <a:t>0.926</a:t>
+                      </a:r>
+                    </a:p>
+                  </a:txBody>
+                  <a:tcPr marL="7620" marR="7620" marT="7620" marB="0" anchor="b">
+                    <a:lnL w="6350" cap="flat" cmpd="sng" algn="ctr">
+                      <a:solidFill>
+                        <a:srgbClr val="000000"/>
+                      </a:solidFill>
+                      <a:prstDash val="solid"/>
+                      <a:round/>
+                      <a:headEnd type="none" w="med" len="med"/>
+                      <a:tailEnd type="none" w="med" len="med"/>
+                    </a:lnL>
+                    <a:lnR w="6350" cap="flat" cmpd="sng" algn="ctr">
+                      <a:solidFill>
+                        <a:srgbClr val="000000"/>
+                      </a:solidFill>
+                      <a:prstDash val="solid"/>
+                      <a:round/>
+                      <a:headEnd type="none" w="med" len="med"/>
+                      <a:tailEnd type="none" w="med" len="med"/>
+                    </a:lnR>
+                    <a:lnT w="6350" cap="flat" cmpd="sng" algn="ctr">
+                      <a:solidFill>
+                        <a:srgbClr val="000000"/>
+                      </a:solidFill>
+                      <a:prstDash val="solid"/>
+                      <a:round/>
+                      <a:headEnd type="none" w="med" len="med"/>
+                      <a:tailEnd type="none" w="med" len="med"/>
+                    </a:lnT>
+                    <a:lnB w="6350" cap="flat" cmpd="sng" algn="ctr">
+                      <a:solidFill>
+                        <a:srgbClr val="000000"/>
+                      </a:solidFill>
+                      <a:prstDash val="solid"/>
+                      <a:round/>
+                      <a:headEnd type="none" w="med" len="med"/>
+                      <a:tailEnd type="none" w="med" len="med"/>
+                    </a:lnB>
+                    <a:solidFill>
+                      <a:schemeClr val="bg1"/>
+                    </a:solidFill>
+                  </a:tcPr>
+                </a:tc>
+                <a:tc>
+                  <a:txBody>
+                    <a:bodyPr/>
+                    <a:lstStyle/>
+                    <a:p>
+                      <a:pPr algn="r" fontAlgn="b"/>
+                      <a:r>
+                        <a:rPr lang="en-CA" sz="1100" b="0" i="0" u="none" strike="noStrike" dirty="0">
+                          <a:solidFill>
+                            <a:srgbClr val="000000"/>
+                          </a:solidFill>
+                          <a:effectLst/>
+                          <a:highlight>
+                            <a:srgbClr val="FFFF00"/>
+                          </a:highlight>
+                          <a:latin typeface="Aptos Narrow" panose="020B0004020202020204" pitchFamily="34" charset="0"/>
+                        </a:rPr>
+                        <a:t>0.966</a:t>
+                      </a:r>
+                    </a:p>
+                  </a:txBody>
+                  <a:tcPr marL="7620" marR="7620" marT="7620" marB="0" anchor="b">
+                    <a:lnL w="6350" cap="flat" cmpd="sng" algn="ctr">
+                      <a:solidFill>
+                        <a:srgbClr val="000000"/>
+                      </a:solidFill>
+                      <a:prstDash val="solid"/>
+                      <a:round/>
+                      <a:headEnd type="none" w="med" len="med"/>
+                      <a:tailEnd type="none" w="med" len="med"/>
+                    </a:lnL>
+                    <a:lnR w="6350" cap="flat" cmpd="sng" algn="ctr">
+                      <a:solidFill>
+                        <a:srgbClr val="000000"/>
+                      </a:solidFill>
+                      <a:prstDash val="solid"/>
+                      <a:round/>
+                      <a:headEnd type="none" w="med" len="med"/>
+                      <a:tailEnd type="none" w="med" len="med"/>
+                    </a:lnR>
+                    <a:lnT w="6350" cap="flat" cmpd="sng" algn="ctr">
+                      <a:solidFill>
+                        <a:srgbClr val="000000"/>
+                      </a:solidFill>
+                      <a:prstDash val="solid"/>
+                      <a:round/>
+                      <a:headEnd type="none" w="med" len="med"/>
+                      <a:tailEnd type="none" w="med" len="med"/>
+                    </a:lnT>
+                    <a:lnB w="6350" cap="flat" cmpd="sng" algn="ctr">
+                      <a:solidFill>
+                        <a:srgbClr val="000000"/>
+                      </a:solidFill>
+                      <a:prstDash val="solid"/>
+                      <a:round/>
+                      <a:headEnd type="none" w="med" len="med"/>
+                      <a:tailEnd type="none" w="med" len="med"/>
+                    </a:lnB>
+                    <a:solidFill>
+                      <a:srgbClr val="FFFF00"/>
+                    </a:solidFill>
+                  </a:tcPr>
+                </a:tc>
+                <a:extLst>
+                  <a:ext uri="{0D108BD9-81ED-4DB2-BD59-A6C34878D82A}">
+                    <a16:rowId xmlns:a16="http://schemas.microsoft.com/office/drawing/2014/main" val="3747103992"/>
+                  </a:ext>
+                </a:extLst>
+              </a:tr>
+              <a:tr h="182880">
+                <a:tc>
+                  <a:txBody>
+                    <a:bodyPr/>
+                    <a:lstStyle/>
+                    <a:p>
+                      <a:pPr algn="l" fontAlgn="b"/>
+                      <a:r>
+                        <a:rPr lang="en-CA" sz="1100" b="1" i="0" u="none" strike="noStrike">
+                          <a:solidFill>
+                            <a:srgbClr val="000000"/>
+                          </a:solidFill>
+                          <a:effectLst/>
+                          <a:latin typeface="Aptos Narrow" panose="020B0004020202020204" pitchFamily="34" charset="0"/>
+                        </a:rPr>
+                        <a:t>XG Boost</a:t>
+                      </a:r>
+                    </a:p>
+                  </a:txBody>
+                  <a:tcPr marL="7620" marR="7620" marT="7620" marB="0" anchor="b">
+                    <a:lnL w="6350" cap="flat" cmpd="sng" algn="ctr">
+                      <a:solidFill>
+                        <a:srgbClr val="000000"/>
+                      </a:solidFill>
+                      <a:prstDash val="solid"/>
+                      <a:round/>
+                      <a:headEnd type="none" w="med" len="med"/>
+                      <a:tailEnd type="none" w="med" len="med"/>
+                    </a:lnL>
+                    <a:lnR w="6350" cap="flat" cmpd="sng" algn="ctr">
+                      <a:solidFill>
+                        <a:srgbClr val="000000"/>
+                      </a:solidFill>
+                      <a:prstDash val="solid"/>
+                      <a:round/>
+                      <a:headEnd type="none" w="med" len="med"/>
+                      <a:tailEnd type="none" w="med" len="med"/>
+                    </a:lnR>
+                    <a:lnT w="6350" cap="flat" cmpd="sng" algn="ctr">
+                      <a:solidFill>
+                        <a:srgbClr val="000000"/>
+                      </a:solidFill>
+                      <a:prstDash val="solid"/>
+                      <a:round/>
+                      <a:headEnd type="none" w="med" len="med"/>
+                      <a:tailEnd type="none" w="med" len="med"/>
+                    </a:lnT>
+                    <a:lnB w="6350" cap="flat" cmpd="sng" algn="ctr">
+                      <a:solidFill>
+                        <a:srgbClr val="000000"/>
+                      </a:solidFill>
+                      <a:prstDash val="solid"/>
+                      <a:round/>
+                      <a:headEnd type="none" w="med" len="med"/>
+                      <a:tailEnd type="none" w="med" len="med"/>
+                    </a:lnB>
+                    <a:solidFill>
+                      <a:schemeClr val="bg1"/>
+                    </a:solidFill>
+                  </a:tcPr>
+                </a:tc>
+                <a:tc>
+                  <a:txBody>
+                    <a:bodyPr/>
+                    <a:lstStyle/>
+                    <a:p>
+                      <a:pPr algn="r" fontAlgn="b"/>
+                      <a:r>
+                        <a:rPr lang="en-CA" sz="1100" b="0" i="0" u="none" strike="noStrike">
+                          <a:solidFill>
+                            <a:srgbClr val="000000"/>
+                          </a:solidFill>
+                          <a:effectLst/>
+                          <a:latin typeface="Aptos Narrow" panose="020B0004020202020204" pitchFamily="34" charset="0"/>
+                        </a:rPr>
+                        <a:t>0.673</a:t>
+                      </a:r>
+                    </a:p>
+                  </a:txBody>
+                  <a:tcPr marL="7620" marR="7620" marT="7620" marB="0" anchor="b">
+                    <a:lnL w="6350" cap="flat" cmpd="sng" algn="ctr">
+                      <a:solidFill>
+                        <a:srgbClr val="000000"/>
+                      </a:solidFill>
+                      <a:prstDash val="solid"/>
+                      <a:round/>
+                      <a:headEnd type="none" w="med" len="med"/>
+                      <a:tailEnd type="none" w="med" len="med"/>
+                    </a:lnL>
+                    <a:lnR w="6350" cap="flat" cmpd="sng" algn="ctr">
+                      <a:solidFill>
+                        <a:srgbClr val="000000"/>
+                      </a:solidFill>
+                      <a:prstDash val="solid"/>
+                      <a:round/>
+                      <a:headEnd type="none" w="med" len="med"/>
+                      <a:tailEnd type="none" w="med" len="med"/>
+                    </a:lnR>
+                    <a:lnT w="6350" cap="flat" cmpd="sng" algn="ctr">
+                      <a:solidFill>
+                        <a:srgbClr val="000000"/>
+                      </a:solidFill>
+                      <a:prstDash val="solid"/>
+                      <a:round/>
+                      <a:headEnd type="none" w="med" len="med"/>
+                      <a:tailEnd type="none" w="med" len="med"/>
+                    </a:lnT>
+                    <a:lnB w="6350" cap="flat" cmpd="sng" algn="ctr">
+                      <a:solidFill>
+                        <a:srgbClr val="000000"/>
+                      </a:solidFill>
+                      <a:prstDash val="solid"/>
+                      <a:round/>
+                      <a:headEnd type="none" w="med" len="med"/>
+                      <a:tailEnd type="none" w="med" len="med"/>
+                    </a:lnB>
+                    <a:solidFill>
+                      <a:schemeClr val="bg1"/>
+                    </a:solidFill>
+                  </a:tcPr>
+                </a:tc>
+                <a:tc>
+                  <a:txBody>
+                    <a:bodyPr/>
+                    <a:lstStyle/>
+                    <a:p>
+                      <a:pPr algn="r" fontAlgn="b"/>
+                      <a:r>
+                        <a:rPr lang="en-CA" sz="1100" b="0" i="0" u="none" strike="noStrike" dirty="0">
+                          <a:solidFill>
+                            <a:srgbClr val="000000"/>
+                          </a:solidFill>
+                          <a:effectLst/>
+                          <a:highlight>
+                            <a:srgbClr val="FFFF00"/>
+                          </a:highlight>
+                          <a:latin typeface="Aptos Narrow" panose="020B0004020202020204" pitchFamily="34" charset="0"/>
+                        </a:rPr>
+                        <a:t>0.73</a:t>
+                      </a:r>
+                    </a:p>
+                  </a:txBody>
+                  <a:tcPr marL="7620" marR="7620" marT="7620" marB="0" anchor="b">
+                    <a:lnL w="6350" cap="flat" cmpd="sng" algn="ctr">
+                      <a:solidFill>
+                        <a:srgbClr val="000000"/>
+                      </a:solidFill>
+                      <a:prstDash val="solid"/>
+                      <a:round/>
+                      <a:headEnd type="none" w="med" len="med"/>
+                      <a:tailEnd type="none" w="med" len="med"/>
+                    </a:lnL>
+                    <a:lnR w="6350" cap="flat" cmpd="sng" algn="ctr">
+                      <a:solidFill>
+                        <a:srgbClr val="000000"/>
+                      </a:solidFill>
+                      <a:prstDash val="solid"/>
+                      <a:round/>
+                      <a:headEnd type="none" w="med" len="med"/>
+                      <a:tailEnd type="none" w="med" len="med"/>
+                    </a:lnR>
+                    <a:lnT w="6350" cap="flat" cmpd="sng" algn="ctr">
+                      <a:solidFill>
+                        <a:srgbClr val="000000"/>
+                      </a:solidFill>
+                      <a:prstDash val="solid"/>
+                      <a:round/>
+                      <a:headEnd type="none" w="med" len="med"/>
+                      <a:tailEnd type="none" w="med" len="med"/>
+                    </a:lnT>
+                    <a:lnB w="6350" cap="flat" cmpd="sng" algn="ctr">
+                      <a:solidFill>
+                        <a:srgbClr val="000000"/>
+                      </a:solidFill>
+                      <a:prstDash val="solid"/>
+                      <a:round/>
+                      <a:headEnd type="none" w="med" len="med"/>
+                      <a:tailEnd type="none" w="med" len="med"/>
+                    </a:lnB>
+                    <a:solidFill>
+                      <a:srgbClr val="FFFF00"/>
+                    </a:solidFill>
+                  </a:tcPr>
+                </a:tc>
+                <a:extLst>
+                  <a:ext uri="{0D108BD9-81ED-4DB2-BD59-A6C34878D82A}">
+                    <a16:rowId xmlns:a16="http://schemas.microsoft.com/office/drawing/2014/main" val="57409638"/>
+                  </a:ext>
+                </a:extLst>
+              </a:tr>
+            </a:tbl>
+          </a:graphicData>
+        </a:graphic>
+      </p:graphicFrame>
+      <p:sp>
+        <p:nvSpPr>
+          <p:cNvPr id="7" name="Content Placeholder 2">
+            <a:extLst>
+              <a:ext uri="{FF2B5EF4-FFF2-40B4-BE49-F238E27FC236}">
+                <a16:creationId xmlns:a16="http://schemas.microsoft.com/office/drawing/2014/main" id="{C8FEDF5A-24C0-AD38-8907-B6AA0971CB92}"/>
+              </a:ext>
+            </a:extLst>
+          </p:cNvPr>
+          <p:cNvSpPr>
+            <a:spLocks noGrp="1"/>
+          </p:cNvSpPr>
+          <p:nvPr>
+            <p:ph sz="half" idx="1"/>
+          </p:nvPr>
+        </p:nvSpPr>
+        <p:spPr>
+          <a:xfrm>
+            <a:off x="336006" y="1803400"/>
+            <a:ext cx="5181600" cy="4330313"/>
+          </a:xfrm>
+        </p:spPr>
+        <p:txBody>
+          <a:bodyPr>
+            <a:normAutofit/>
+          </a:bodyPr>
+          <a:lstStyle/>
+          <a:p>
+            <a:pPr marL="0" indent="0">
+              <a:buNone/>
+            </a:pPr>
+            <a:r>
+              <a:rPr lang="en-CA" dirty="0">
+                <a:solidFill>
+                  <a:schemeClr val="bg1"/>
+                </a:solidFill>
+              </a:rPr>
+              <a:t>Additional tuning steps were taken to hone in, but I didn’t capture them all in my notes</a:t>
+            </a:r>
+            <a:endParaRPr lang="en-CA" sz="2400" dirty="0">
+              <a:solidFill>
+                <a:schemeClr val="bg1"/>
+              </a:solidFill>
+            </a:endParaRPr>
+          </a:p>
+        </p:txBody>
+      </p:sp>
+    </p:spTree>
+    <p:extLst>
+      <p:ext uri="{BB962C8B-B14F-4D97-AF65-F5344CB8AC3E}">
+        <p14:creationId xmlns:p14="http://schemas.microsoft.com/office/powerpoint/2010/main" val="1706839221"/>
       </p:ext>
     </p:extLst>
   </p:cSld>
